--- a/images/theory_analysis/Kubernetes_Nginx_Ingress_Controller/Kubernetes_Nginx_Ingress_Controller.pptx
+++ b/images/theory_analysis/Kubernetes_Nginx_Ingress_Controller/Kubernetes_Nginx_Ingress_Controller.pptx
@@ -5,12 +5,14 @@
     <p:sldMasterId id="2147483648" r:id="rId1"/>
   </p:sldMasterIdLst>
   <p:notesMasterIdLst>
-    <p:notesMasterId r:id="rId5"/>
+    <p:notesMasterId r:id="rId7"/>
   </p:notesMasterIdLst>
   <p:sldIdLst>
     <p:sldId id="429" r:id="rId2"/>
     <p:sldId id="431" r:id="rId3"/>
-    <p:sldId id="430" r:id="rId4"/>
+    <p:sldId id="433" r:id="rId4"/>
+    <p:sldId id="432" r:id="rId5"/>
+    <p:sldId id="430" r:id="rId6"/>
   </p:sldIdLst>
   <p:sldSz cx="9144000" cy="5143500" type="screen16x9"/>
   <p:notesSz cx="6858000" cy="9144000"/>
@@ -215,7 +217,7 @@
           <a:p>
             <a:fld id="{6CD5550B-26C4-49A9-A5BA-636EF7BE6CE9}" type="datetimeFigureOut">
               <a:rPr lang="ko-KR" altLang="en-US" smtClean="0"/>
-              <a:t>2019-12-28</a:t>
+              <a:t>2019-12-29</a:t>
             </a:fld>
             <a:endParaRPr lang="ko-KR" altLang="en-US"/>
           </a:p>
@@ -640,6 +642,174 @@
     </p:spTree>
     <p:extLst>
       <p:ext uri="{BB962C8B-B14F-4D97-AF65-F5344CB8AC3E}">
+        <p14:creationId xmlns:p14="http://schemas.microsoft.com/office/powerpoint/2010/main" val="4027967584"/>
+      </p:ext>
+    </p:extLst>
+  </p:cSld>
+  <p:clrMapOvr>
+    <a:masterClrMapping/>
+  </p:clrMapOvr>
+</p:notes>
+</file>
+
+<file path=ppt/notesSlides/notesSlide3.xml><?xml version="1.0" encoding="utf-8"?>
+<p:notes xmlns:a="http://schemas.openxmlformats.org/drawingml/2006/main" xmlns:r="http://schemas.openxmlformats.org/officeDocument/2006/relationships" xmlns:p="http://schemas.openxmlformats.org/presentationml/2006/main">
+  <p:cSld>
+    <p:spTree>
+      <p:nvGrpSpPr>
+        <p:cNvPr id="1" name=""/>
+        <p:cNvGrpSpPr/>
+        <p:nvPr/>
+      </p:nvGrpSpPr>
+      <p:grpSpPr>
+        <a:xfrm>
+          <a:off x="0" y="0"/>
+          <a:ext cx="0" cy="0"/>
+          <a:chOff x="0" y="0"/>
+          <a:chExt cx="0" cy="0"/>
+        </a:xfrm>
+      </p:grpSpPr>
+      <p:sp>
+        <p:nvSpPr>
+          <p:cNvPr id="2" name="슬라이드 이미지 개체 틀 1"/>
+          <p:cNvSpPr>
+            <a:spLocks noGrp="1" noRot="1" noChangeAspect="1"/>
+          </p:cNvSpPr>
+          <p:nvPr>
+            <p:ph type="sldImg"/>
+          </p:nvPr>
+        </p:nvSpPr>
+        <p:spPr/>
+      </p:sp>
+      <p:sp>
+        <p:nvSpPr>
+          <p:cNvPr id="3" name="슬라이드 노트 개체 틀 2"/>
+          <p:cNvSpPr>
+            <a:spLocks noGrp="1"/>
+          </p:cNvSpPr>
+          <p:nvPr>
+            <p:ph type="body" idx="1"/>
+          </p:nvPr>
+        </p:nvSpPr>
+        <p:spPr/>
+        <p:txBody>
+          <a:bodyPr/>
+          <a:lstStyle/>
+          <a:p>
+            <a:endParaRPr lang="ko-KR" altLang="en-US"/>
+          </a:p>
+        </p:txBody>
+      </p:sp>
+      <p:sp>
+        <p:nvSpPr>
+          <p:cNvPr id="4" name="슬라이드 번호 개체 틀 3"/>
+          <p:cNvSpPr>
+            <a:spLocks noGrp="1"/>
+          </p:cNvSpPr>
+          <p:nvPr>
+            <p:ph type="sldNum" sz="quarter" idx="10"/>
+          </p:nvPr>
+        </p:nvSpPr>
+        <p:spPr/>
+        <p:txBody>
+          <a:bodyPr/>
+          <a:lstStyle/>
+          <a:p>
+            <a:fld id="{BA5DFA43-8D57-47FB-BC46-057616015C3B}" type="slidenum">
+              <a:rPr lang="ko-KR" altLang="en-US" smtClean="0"/>
+              <a:t>4</a:t>
+            </a:fld>
+            <a:endParaRPr lang="ko-KR" altLang="en-US"/>
+          </a:p>
+        </p:txBody>
+      </p:sp>
+    </p:spTree>
+    <p:extLst>
+      <p:ext uri="{BB962C8B-B14F-4D97-AF65-F5344CB8AC3E}">
+        <p14:creationId xmlns:p14="http://schemas.microsoft.com/office/powerpoint/2010/main" val="2508215747"/>
+      </p:ext>
+    </p:extLst>
+  </p:cSld>
+  <p:clrMapOvr>
+    <a:masterClrMapping/>
+  </p:clrMapOvr>
+</p:notes>
+</file>
+
+<file path=ppt/notesSlides/notesSlide4.xml><?xml version="1.0" encoding="utf-8"?>
+<p:notes xmlns:a="http://schemas.openxmlformats.org/drawingml/2006/main" xmlns:r="http://schemas.openxmlformats.org/officeDocument/2006/relationships" xmlns:p="http://schemas.openxmlformats.org/presentationml/2006/main">
+  <p:cSld>
+    <p:spTree>
+      <p:nvGrpSpPr>
+        <p:cNvPr id="1" name=""/>
+        <p:cNvGrpSpPr/>
+        <p:nvPr/>
+      </p:nvGrpSpPr>
+      <p:grpSpPr>
+        <a:xfrm>
+          <a:off x="0" y="0"/>
+          <a:ext cx="0" cy="0"/>
+          <a:chOff x="0" y="0"/>
+          <a:chExt cx="0" cy="0"/>
+        </a:xfrm>
+      </p:grpSpPr>
+      <p:sp>
+        <p:nvSpPr>
+          <p:cNvPr id="2" name="슬라이드 이미지 개체 틀 1"/>
+          <p:cNvSpPr>
+            <a:spLocks noGrp="1" noRot="1" noChangeAspect="1"/>
+          </p:cNvSpPr>
+          <p:nvPr>
+            <p:ph type="sldImg"/>
+          </p:nvPr>
+        </p:nvSpPr>
+        <p:spPr/>
+      </p:sp>
+      <p:sp>
+        <p:nvSpPr>
+          <p:cNvPr id="3" name="슬라이드 노트 개체 틀 2"/>
+          <p:cNvSpPr>
+            <a:spLocks noGrp="1"/>
+          </p:cNvSpPr>
+          <p:nvPr>
+            <p:ph type="body" idx="1"/>
+          </p:nvPr>
+        </p:nvSpPr>
+        <p:spPr/>
+        <p:txBody>
+          <a:bodyPr/>
+          <a:lstStyle/>
+          <a:p>
+            <a:endParaRPr lang="ko-KR" altLang="en-US"/>
+          </a:p>
+        </p:txBody>
+      </p:sp>
+      <p:sp>
+        <p:nvSpPr>
+          <p:cNvPr id="4" name="슬라이드 번호 개체 틀 3"/>
+          <p:cNvSpPr>
+            <a:spLocks noGrp="1"/>
+          </p:cNvSpPr>
+          <p:nvPr>
+            <p:ph type="sldNum" sz="quarter" idx="10"/>
+          </p:nvPr>
+        </p:nvSpPr>
+        <p:spPr/>
+        <p:txBody>
+          <a:bodyPr/>
+          <a:lstStyle/>
+          <a:p>
+            <a:fld id="{BA5DFA43-8D57-47FB-BC46-057616015C3B}" type="slidenum">
+              <a:rPr lang="ko-KR" altLang="en-US" smtClean="0"/>
+              <a:t>5</a:t>
+            </a:fld>
+            <a:endParaRPr lang="ko-KR" altLang="en-US"/>
+          </a:p>
+        </p:txBody>
+      </p:sp>
+    </p:spTree>
+    <p:extLst>
+      <p:ext uri="{BB962C8B-B14F-4D97-AF65-F5344CB8AC3E}">
         <p14:creationId xmlns:p14="http://schemas.microsoft.com/office/powerpoint/2010/main" val="470292537"/>
       </p:ext>
     </p:extLst>
@@ -829,7 +999,7 @@
           <a:p>
             <a:fld id="{FB30EDBD-1C2D-4C1E-B459-B60219FAB484}" type="datetimeFigureOut">
               <a:rPr lang="ko-KR" altLang="en-US" smtClean="0"/>
-              <a:t>2019-12-28</a:t>
+              <a:t>2019-12-29</a:t>
             </a:fld>
             <a:endParaRPr lang="ko-KR" altLang="en-US"/>
           </a:p>
@@ -992,7 +1162,7 @@
           <a:p>
             <a:fld id="{FB30EDBD-1C2D-4C1E-B459-B60219FAB484}" type="datetimeFigureOut">
               <a:rPr lang="ko-KR" altLang="en-US" smtClean="0"/>
-              <a:t>2019-12-28</a:t>
+              <a:t>2019-12-29</a:t>
             </a:fld>
             <a:endParaRPr lang="ko-KR" altLang="en-US"/>
           </a:p>
@@ -1165,7 +1335,7 @@
           <a:p>
             <a:fld id="{FB30EDBD-1C2D-4C1E-B459-B60219FAB484}" type="datetimeFigureOut">
               <a:rPr lang="ko-KR" altLang="en-US" smtClean="0"/>
-              <a:t>2019-12-28</a:t>
+              <a:t>2019-12-29</a:t>
             </a:fld>
             <a:endParaRPr lang="ko-KR" altLang="en-US"/>
           </a:p>
@@ -1328,7 +1498,7 @@
           <a:p>
             <a:fld id="{FB30EDBD-1C2D-4C1E-B459-B60219FAB484}" type="datetimeFigureOut">
               <a:rPr lang="ko-KR" altLang="en-US" smtClean="0"/>
-              <a:t>2019-12-28</a:t>
+              <a:t>2019-12-29</a:t>
             </a:fld>
             <a:endParaRPr lang="ko-KR" altLang="en-US"/>
           </a:p>
@@ -1568,7 +1738,7 @@
           <a:p>
             <a:fld id="{FB30EDBD-1C2D-4C1E-B459-B60219FAB484}" type="datetimeFigureOut">
               <a:rPr lang="ko-KR" altLang="en-US" smtClean="0"/>
-              <a:t>2019-12-28</a:t>
+              <a:t>2019-12-29</a:t>
             </a:fld>
             <a:endParaRPr lang="ko-KR" altLang="en-US"/>
           </a:p>
@@ -1848,7 +2018,7 @@
           <a:p>
             <a:fld id="{FB30EDBD-1C2D-4C1E-B459-B60219FAB484}" type="datetimeFigureOut">
               <a:rPr lang="ko-KR" altLang="en-US" smtClean="0"/>
-              <a:t>2019-12-28</a:t>
+              <a:t>2019-12-29</a:t>
             </a:fld>
             <a:endParaRPr lang="ko-KR" altLang="en-US"/>
           </a:p>
@@ -2262,7 +2432,7 @@
           <a:p>
             <a:fld id="{FB30EDBD-1C2D-4C1E-B459-B60219FAB484}" type="datetimeFigureOut">
               <a:rPr lang="ko-KR" altLang="en-US" smtClean="0"/>
-              <a:t>2019-12-28</a:t>
+              <a:t>2019-12-29</a:t>
             </a:fld>
             <a:endParaRPr lang="ko-KR" altLang="en-US"/>
           </a:p>
@@ -2374,7 +2544,7 @@
           <a:p>
             <a:fld id="{FB30EDBD-1C2D-4C1E-B459-B60219FAB484}" type="datetimeFigureOut">
               <a:rPr lang="ko-KR" altLang="en-US" smtClean="0"/>
-              <a:t>2019-12-28</a:t>
+              <a:t>2019-12-29</a:t>
             </a:fld>
             <a:endParaRPr lang="ko-KR" altLang="en-US"/>
           </a:p>
@@ -2464,7 +2634,7 @@
           <a:p>
             <a:fld id="{FB30EDBD-1C2D-4C1E-B459-B60219FAB484}" type="datetimeFigureOut">
               <a:rPr lang="ko-KR" altLang="en-US" smtClean="0"/>
-              <a:t>2019-12-28</a:t>
+              <a:t>2019-12-29</a:t>
             </a:fld>
             <a:endParaRPr lang="ko-KR" altLang="en-US"/>
           </a:p>
@@ -2734,7 +2904,7 @@
           <a:p>
             <a:fld id="{FB30EDBD-1C2D-4C1E-B459-B60219FAB484}" type="datetimeFigureOut">
               <a:rPr lang="ko-KR" altLang="en-US" smtClean="0"/>
-              <a:t>2019-12-28</a:t>
+              <a:t>2019-12-29</a:t>
             </a:fld>
             <a:endParaRPr lang="ko-KR" altLang="en-US"/>
           </a:p>
@@ -2981,7 +3151,7 @@
           <a:p>
             <a:fld id="{FB30EDBD-1C2D-4C1E-B459-B60219FAB484}" type="datetimeFigureOut">
               <a:rPr lang="ko-KR" altLang="en-US" smtClean="0"/>
-              <a:t>2019-12-28</a:t>
+              <a:t>2019-12-29</a:t>
             </a:fld>
             <a:endParaRPr lang="ko-KR" altLang="en-US"/>
           </a:p>
@@ -3187,7 +3357,7 @@
           <a:p>
             <a:fld id="{FB30EDBD-1C2D-4C1E-B459-B60219FAB484}" type="datetimeFigureOut">
               <a:rPr lang="ko-KR" altLang="en-US" smtClean="0"/>
-              <a:t>2019-12-28</a:t>
+              <a:t>2019-12-29</a:t>
             </a:fld>
             <a:endParaRPr lang="ko-KR" altLang="en-US"/>
           </a:p>
@@ -3559,106 +3729,6 @@
       </p:grpSpPr>
       <p:sp>
         <p:nvSpPr>
-          <p:cNvPr id="560" name="사각형: 둥근 모서리 559">
-            <a:extLst>
-              <a:ext uri="{FF2B5EF4-FFF2-40B4-BE49-F238E27FC236}">
-                <a16:creationId xmlns:a16="http://schemas.microsoft.com/office/drawing/2014/main" id="{1AF751E5-C5D8-4E6A-A15F-B8D4CCD0038B}"/>
-              </a:ext>
-            </a:extLst>
-          </p:cNvPr>
-          <p:cNvSpPr/>
-          <p:nvPr/>
-        </p:nvSpPr>
-        <p:spPr>
-          <a:xfrm>
-            <a:off x="1629626" y="924713"/>
-            <a:ext cx="7118837" cy="3364186"/>
-          </a:xfrm>
-          <a:prstGeom prst="roundRect">
-            <a:avLst>
-              <a:gd name="adj" fmla="val 3766"/>
-            </a:avLst>
-          </a:prstGeom>
-        </p:spPr>
-        <p:style>
-          <a:lnRef idx="2">
-            <a:schemeClr val="dk1"/>
-          </a:lnRef>
-          <a:fillRef idx="1">
-            <a:schemeClr val="lt1"/>
-          </a:fillRef>
-          <a:effectRef idx="0">
-            <a:schemeClr val="dk1"/>
-          </a:effectRef>
-          <a:fontRef idx="minor">
-            <a:schemeClr val="dk1"/>
-          </a:fontRef>
-        </p:style>
-        <p:txBody>
-          <a:bodyPr rtlCol="0" anchor="b"/>
-          <a:lstStyle/>
-          <a:p>
-            <a:pPr algn="r"/>
-            <a:r>
-              <a:rPr lang="en-US" altLang="ko-KR" sz="1400" b="1"/>
-              <a:t>Nginx Ingress Controller Pod</a:t>
-            </a:r>
-            <a:endParaRPr lang="ko-KR" altLang="en-US" sz="1400" b="1"/>
-          </a:p>
-        </p:txBody>
-      </p:sp>
-      <p:sp>
-        <p:nvSpPr>
-          <p:cNvPr id="559" name="사각형: 둥근 모서리 558">
-            <a:extLst>
-              <a:ext uri="{FF2B5EF4-FFF2-40B4-BE49-F238E27FC236}">
-                <a16:creationId xmlns:a16="http://schemas.microsoft.com/office/drawing/2014/main" id="{833DAF97-137B-449D-B346-D77EE6DA29E2}"/>
-              </a:ext>
-            </a:extLst>
-          </p:cNvPr>
-          <p:cNvSpPr/>
-          <p:nvPr/>
-        </p:nvSpPr>
-        <p:spPr>
-          <a:xfrm>
-            <a:off x="1527315" y="1001181"/>
-            <a:ext cx="7118837" cy="3364186"/>
-          </a:xfrm>
-          <a:prstGeom prst="roundRect">
-            <a:avLst>
-              <a:gd name="adj" fmla="val 3766"/>
-            </a:avLst>
-          </a:prstGeom>
-        </p:spPr>
-        <p:style>
-          <a:lnRef idx="2">
-            <a:schemeClr val="dk1"/>
-          </a:lnRef>
-          <a:fillRef idx="1">
-            <a:schemeClr val="lt1"/>
-          </a:fillRef>
-          <a:effectRef idx="0">
-            <a:schemeClr val="dk1"/>
-          </a:effectRef>
-          <a:fontRef idx="minor">
-            <a:schemeClr val="dk1"/>
-          </a:fontRef>
-        </p:style>
-        <p:txBody>
-          <a:bodyPr rtlCol="0" anchor="b"/>
-          <a:lstStyle/>
-          <a:p>
-            <a:pPr algn="r"/>
-            <a:r>
-              <a:rPr lang="en-US" altLang="ko-KR" sz="1400" b="1"/>
-              <a:t>Nginx Ingress Controller Pod</a:t>
-            </a:r>
-            <a:endParaRPr lang="ko-KR" altLang="en-US" sz="1400" b="1"/>
-          </a:p>
-        </p:txBody>
-      </p:sp>
-      <p:sp>
-        <p:nvSpPr>
           <p:cNvPr id="2" name="제목 1">
             <a:extLst>
               <a:ext uri="{FF2B5EF4-FFF2-40B4-BE49-F238E27FC236}">
@@ -3707,8 +3777,8 @@
         </p:nvSpPr>
         <p:spPr>
           <a:xfrm>
-            <a:off x="251520" y="1881602"/>
-            <a:ext cx="1042245" cy="489130"/>
+            <a:off x="354044" y="1769947"/>
+            <a:ext cx="1052588" cy="489130"/>
           </a:xfrm>
           <a:prstGeom prst="roundRect">
             <a:avLst>
@@ -3764,8 +3834,8 @@
         </p:nvSpPr>
         <p:spPr>
           <a:xfrm>
-            <a:off x="251520" y="3217621"/>
-            <a:ext cx="1042245" cy="489130"/>
+            <a:off x="354044" y="3105966"/>
+            <a:ext cx="1052588" cy="489130"/>
           </a:xfrm>
           <a:prstGeom prst="roundRect">
             <a:avLst>
@@ -3814,7 +3884,7 @@
         </p:nvSpPr>
         <p:spPr>
           <a:xfrm>
-            <a:off x="4177629" y="480095"/>
+            <a:off x="4556089" y="490685"/>
             <a:ext cx="1124464" cy="363463"/>
           </a:xfrm>
           <a:prstGeom prst="roundRect">
@@ -3863,7 +3933,7 @@
         </p:nvSpPr>
         <p:spPr>
           <a:xfrm>
-            <a:off x="5495226" y="472928"/>
+            <a:off x="5873686" y="483518"/>
             <a:ext cx="1124464" cy="363463"/>
           </a:xfrm>
           <a:prstGeom prst="roundRect">
@@ -3912,7 +3982,7 @@
         </p:nvSpPr>
         <p:spPr>
           <a:xfrm>
-            <a:off x="6812821" y="473386"/>
+            <a:off x="7191281" y="483976"/>
             <a:ext cx="1124464" cy="363463"/>
           </a:xfrm>
           <a:prstGeom prst="roundRect">
@@ -3961,8 +4031,8 @@
         </p:nvSpPr>
         <p:spPr>
           <a:xfrm>
-            <a:off x="1413602" y="1074851"/>
-            <a:ext cx="7118837" cy="3364186"/>
+            <a:off x="1526469" y="963195"/>
+            <a:ext cx="7149987" cy="3509697"/>
           </a:xfrm>
           <a:prstGeom prst="roundRect">
             <a:avLst>
@@ -4011,8 +4081,8 @@
         </p:nvSpPr>
         <p:spPr>
           <a:xfrm>
-            <a:off x="4218371" y="1266816"/>
-            <a:ext cx="4193784" cy="2430904"/>
+            <a:off x="4331236" y="1155161"/>
+            <a:ext cx="4207334" cy="2430904"/>
           </a:xfrm>
           <a:prstGeom prst="roundRect">
             <a:avLst>
@@ -4061,8 +4131,8 @@
         </p:nvSpPr>
         <p:spPr>
           <a:xfrm>
-            <a:off x="4352874" y="3215751"/>
-            <a:ext cx="1505925" cy="360039"/>
+            <a:off x="4465740" y="3104096"/>
+            <a:ext cx="1670573" cy="360039"/>
           </a:xfrm>
           <a:prstGeom prst="roundRect">
             <a:avLst>
@@ -4095,9 +4165,14 @@
           <a:p>
             <a:r>
               <a:rPr lang="en-US" altLang="ko-KR" sz="1200"/>
-              <a:t>/nginx_status</a:t>
-            </a:r>
-            <a:endParaRPr lang="ko-KR" altLang="en-US" sz="1200"/>
+              <a:t>:[10246, 80]</a:t>
+            </a:r>
+          </a:p>
+          <a:p>
+            <a:r>
+              <a:rPr lang="en-US" altLang="ko-KR" sz="1200"/>
+              <a:t>/nginx_status </a:t>
+            </a:r>
           </a:p>
         </p:txBody>
       </p:sp>
@@ -4115,8 +4190,8 @@
         </p:nvSpPr>
         <p:spPr>
           <a:xfrm>
-            <a:off x="4352872" y="2221802"/>
-            <a:ext cx="1505927" cy="634561"/>
+            <a:off x="4465738" y="2110147"/>
+            <a:ext cx="1670575" cy="634561"/>
           </a:xfrm>
           <a:prstGeom prst="roundRect">
             <a:avLst>
@@ -4149,13 +4224,7 @@
           <a:p>
             <a:r>
               <a:rPr lang="en-US" altLang="ko-KR" sz="1200"/>
-              <a:t>/configuration/</a:t>
-            </a:r>
-          </a:p>
-          <a:p>
-            <a:r>
-              <a:rPr lang="en-US" altLang="ko-KR" sz="1200"/>
-              <a:t>[backends, servers, general]</a:t>
+              <a:t>:10246/configuration/[backends, servers, general]</a:t>
             </a:r>
             <a:endParaRPr lang="ko-KR" altLang="en-US" sz="1200"/>
           </a:p>
@@ -4175,8 +4244,8 @@
         </p:nvSpPr>
         <p:spPr>
           <a:xfrm>
-            <a:off x="4352874" y="2856363"/>
-            <a:ext cx="1505925" cy="360039"/>
+            <a:off x="4465740" y="2744708"/>
+            <a:ext cx="1670573" cy="360039"/>
           </a:xfrm>
           <a:prstGeom prst="roundRect">
             <a:avLst>
@@ -4209,9 +4278,14 @@
           <a:p>
             <a:r>
               <a:rPr lang="en-US" altLang="ko-KR" sz="1200"/>
-              <a:t>/healthz</a:t>
-            </a:r>
-            <a:endParaRPr lang="ko-KR" altLang="en-US" sz="1200"/>
+              <a:t>:[10246, 80]</a:t>
+            </a:r>
+          </a:p>
+          <a:p>
+            <a:r>
+              <a:rPr lang="en-US" altLang="ko-KR" sz="1200"/>
+              <a:t>/healthz </a:t>
+            </a:r>
           </a:p>
         </p:txBody>
       </p:sp>
@@ -4229,8 +4303,8 @@
         </p:nvSpPr>
         <p:spPr>
           <a:xfrm>
-            <a:off x="2176645" y="3886345"/>
-            <a:ext cx="1017054" cy="450432"/>
+            <a:off x="2683881" y="3767433"/>
+            <a:ext cx="782846" cy="450432"/>
           </a:xfrm>
           <a:prstGeom prst="roundRect">
             <a:avLst>
@@ -4279,7 +4353,7 @@
         </p:nvSpPr>
         <p:spPr>
           <a:xfrm>
-            <a:off x="3315929" y="3886345"/>
+            <a:off x="3591901" y="3767433"/>
             <a:ext cx="1588950" cy="450432"/>
           </a:xfrm>
           <a:prstGeom prst="roundRect">
@@ -4329,7 +4403,7 @@
         </p:nvSpPr>
         <p:spPr>
           <a:xfrm>
-            <a:off x="1535546" y="1184919"/>
+            <a:off x="1648412" y="1073264"/>
             <a:ext cx="2523010" cy="2594698"/>
           </a:xfrm>
           <a:prstGeom prst="roundRect">
@@ -4366,7 +4440,6771 @@
             <a:pPr algn="ctr"/>
             <a:r>
               <a:rPr lang="en-US" altLang="ko-KR" sz="1400" b="1"/>
-              <a:t>(Leader)</a:t>
+              <a:t>(Leader or Non-leader)</a:t>
+            </a:r>
+            <a:endParaRPr lang="ko-KR" altLang="en-US" sz="1400" b="1"/>
+          </a:p>
+        </p:txBody>
+      </p:sp>
+      <p:grpSp>
+        <p:nvGrpSpPr>
+          <p:cNvPr id="4" name="그룹 3">
+            <a:extLst>
+              <a:ext uri="{FF2B5EF4-FFF2-40B4-BE49-F238E27FC236}">
+                <a16:creationId xmlns:a16="http://schemas.microsoft.com/office/drawing/2014/main" id="{72648EF2-47D1-46EA-A6C6-E7EDA388E97C}"/>
+              </a:ext>
+            </a:extLst>
+          </p:cNvPr>
+          <p:cNvGrpSpPr/>
+          <p:nvPr/>
+        </p:nvGrpSpPr>
+        <p:grpSpPr>
+          <a:xfrm>
+            <a:off x="1785455" y="1647484"/>
+            <a:ext cx="1003708" cy="734055"/>
+            <a:chOff x="2880900" y="2460170"/>
+            <a:chExt cx="1357808" cy="901775"/>
+          </a:xfrm>
+        </p:grpSpPr>
+        <p:sp>
+          <p:nvSpPr>
+            <p:cNvPr id="242" name="사각형: 둥근 모서리 241">
+              <a:extLst>
+                <a:ext uri="{FF2B5EF4-FFF2-40B4-BE49-F238E27FC236}">
+                  <a16:creationId xmlns:a16="http://schemas.microsoft.com/office/drawing/2014/main" id="{38C32A90-447A-4BAB-8F2C-8FBDA366DE32}"/>
+                </a:ext>
+              </a:extLst>
+            </p:cNvPr>
+            <p:cNvSpPr/>
+            <p:nvPr/>
+          </p:nvSpPr>
+          <p:spPr>
+            <a:xfrm>
+              <a:off x="2880900" y="2460170"/>
+              <a:ext cx="1357808" cy="901775"/>
+            </a:xfrm>
+            <a:prstGeom prst="roundRect">
+              <a:avLst>
+                <a:gd name="adj" fmla="val 8441"/>
+              </a:avLst>
+            </a:prstGeom>
+          </p:spPr>
+          <p:style>
+            <a:lnRef idx="2">
+              <a:schemeClr val="dk1"/>
+            </a:lnRef>
+            <a:fillRef idx="1">
+              <a:schemeClr val="lt1"/>
+            </a:fillRef>
+            <a:effectRef idx="0">
+              <a:schemeClr val="dk1"/>
+            </a:effectRef>
+            <a:fontRef idx="minor">
+              <a:schemeClr val="dk1"/>
+            </a:fontRef>
+          </p:style>
+          <p:txBody>
+            <a:bodyPr rtlCol="0" anchor="b"/>
+            <a:lstStyle/>
+            <a:p>
+              <a:pPr algn="ctr"/>
+              <a:r>
+                <a:rPr lang="en-US" altLang="ko-KR" sz="1200" b="1"/>
+                <a:t>Store</a:t>
+              </a:r>
+              <a:endParaRPr lang="ko-KR" altLang="en-US" sz="1200" b="1"/>
+            </a:p>
+          </p:txBody>
+        </p:sp>
+        <p:sp>
+          <p:nvSpPr>
+            <p:cNvPr id="244" name="사각형: 둥근 모서리 243">
+              <a:extLst>
+                <a:ext uri="{FF2B5EF4-FFF2-40B4-BE49-F238E27FC236}">
+                  <a16:creationId xmlns:a16="http://schemas.microsoft.com/office/drawing/2014/main" id="{3659B64B-8DE2-4BDF-849A-D964DBFF07DC}"/>
+                </a:ext>
+              </a:extLst>
+            </p:cNvPr>
+            <p:cNvSpPr/>
+            <p:nvPr/>
+          </p:nvSpPr>
+          <p:spPr>
+            <a:xfrm>
+              <a:off x="3007324" y="2571750"/>
+              <a:ext cx="1104960" cy="432049"/>
+            </a:xfrm>
+            <a:prstGeom prst="roundRect">
+              <a:avLst>
+                <a:gd name="adj" fmla="val 12199"/>
+              </a:avLst>
+            </a:prstGeom>
+          </p:spPr>
+          <p:style>
+            <a:lnRef idx="2">
+              <a:schemeClr val="dk1"/>
+            </a:lnRef>
+            <a:fillRef idx="1">
+              <a:schemeClr val="lt1"/>
+            </a:fillRef>
+            <a:effectRef idx="0">
+              <a:schemeClr val="dk1"/>
+            </a:effectRef>
+            <a:fontRef idx="minor">
+              <a:schemeClr val="dk1"/>
+            </a:fontRef>
+          </p:style>
+          <p:txBody>
+            <a:bodyPr rtlCol="0" anchor="ctr"/>
+            <a:lstStyle/>
+            <a:p>
+              <a:pPr algn="ctr"/>
+              <a:r>
+                <a:rPr lang="en-US" altLang="ko-KR" sz="1200"/>
+                <a:t>client-go</a:t>
+              </a:r>
+              <a:endParaRPr lang="ko-KR" altLang="en-US" sz="1200"/>
+            </a:p>
+          </p:txBody>
+        </p:sp>
+      </p:grpSp>
+      <p:sp>
+        <p:nvSpPr>
+          <p:cNvPr id="22" name="사각형: 둥근 모서리 21">
+            <a:extLst>
+              <a:ext uri="{FF2B5EF4-FFF2-40B4-BE49-F238E27FC236}">
+                <a16:creationId xmlns:a16="http://schemas.microsoft.com/office/drawing/2014/main" id="{83408C6A-E44E-4249-9891-91255735842D}"/>
+              </a:ext>
+            </a:extLst>
+          </p:cNvPr>
+          <p:cNvSpPr/>
+          <p:nvPr/>
+        </p:nvSpPr>
+        <p:spPr>
+          <a:xfrm>
+            <a:off x="3081600" y="3092261"/>
+            <a:ext cx="944970" cy="516539"/>
+          </a:xfrm>
+          <a:prstGeom prst="roundRect">
+            <a:avLst>
+              <a:gd name="adj" fmla="val 8441"/>
+            </a:avLst>
+          </a:prstGeom>
+        </p:spPr>
+        <p:style>
+          <a:lnRef idx="2">
+            <a:schemeClr val="dk1"/>
+          </a:lnRef>
+          <a:fillRef idx="1">
+            <a:schemeClr val="lt1"/>
+          </a:fillRef>
+          <a:effectRef idx="0">
+            <a:schemeClr val="dk1"/>
+          </a:effectRef>
+          <a:fontRef idx="minor">
+            <a:schemeClr val="dk1"/>
+          </a:fontRef>
+        </p:style>
+        <p:txBody>
+          <a:bodyPr rtlCol="0" anchor="ctr"/>
+          <a:lstStyle/>
+          <a:p>
+            <a:pPr algn="ctr"/>
+            <a:r>
+              <a:rPr lang="en-US" altLang="ko-KR" sz="1200"/>
+              <a:t>Metric</a:t>
+            </a:r>
+          </a:p>
+          <a:p>
+            <a:pPr algn="ctr"/>
+            <a:r>
+              <a:rPr lang="en-US" altLang="ko-KR" sz="1200"/>
+              <a:t>Collector</a:t>
+            </a:r>
+            <a:endParaRPr lang="ko-KR" altLang="en-US" sz="1200"/>
+          </a:p>
+        </p:txBody>
+      </p:sp>
+      <p:sp>
+        <p:nvSpPr>
+          <p:cNvPr id="37" name="사각형: 둥근 모서리 36">
+            <a:extLst>
+              <a:ext uri="{FF2B5EF4-FFF2-40B4-BE49-F238E27FC236}">
+                <a16:creationId xmlns:a16="http://schemas.microsoft.com/office/drawing/2014/main" id="{82E4D7C0-EE8E-46CE-B621-6B4C3602335C}"/>
+              </a:ext>
+            </a:extLst>
+          </p:cNvPr>
+          <p:cNvSpPr/>
+          <p:nvPr/>
+        </p:nvSpPr>
+        <p:spPr>
+          <a:xfrm>
+            <a:off x="3081599" y="1756243"/>
+            <a:ext cx="944970" cy="516539"/>
+          </a:xfrm>
+          <a:prstGeom prst="roundRect">
+            <a:avLst>
+              <a:gd name="adj" fmla="val 8441"/>
+            </a:avLst>
+          </a:prstGeom>
+        </p:spPr>
+        <p:style>
+          <a:lnRef idx="2">
+            <a:schemeClr val="dk1"/>
+          </a:lnRef>
+          <a:fillRef idx="1">
+            <a:schemeClr val="lt1"/>
+          </a:fillRef>
+          <a:effectRef idx="0">
+            <a:schemeClr val="dk1"/>
+          </a:effectRef>
+          <a:fontRef idx="minor">
+            <a:schemeClr val="dk1"/>
+          </a:fontRef>
+        </p:style>
+        <p:txBody>
+          <a:bodyPr rtlCol="0" anchor="ctr"/>
+          <a:lstStyle/>
+          <a:p>
+            <a:pPr algn="ctr"/>
+            <a:r>
+              <a:rPr lang="en-US" altLang="ko-KR" sz="1200"/>
+              <a:t>Ingress Sync</a:t>
+            </a:r>
+            <a:endParaRPr lang="ko-KR" altLang="en-US" sz="1200"/>
+          </a:p>
+        </p:txBody>
+      </p:sp>
+      <p:cxnSp>
+        <p:nvCxnSpPr>
+          <p:cNvPr id="38" name="직선 화살표 연결선 37">
+            <a:extLst>
+              <a:ext uri="{FF2B5EF4-FFF2-40B4-BE49-F238E27FC236}">
+                <a16:creationId xmlns:a16="http://schemas.microsoft.com/office/drawing/2014/main" id="{6AAEC1A2-1FF1-46CE-9C2B-740C248EF18F}"/>
+              </a:ext>
+            </a:extLst>
+          </p:cNvPr>
+          <p:cNvCxnSpPr>
+            <a:cxnSpLocks/>
+            <a:stCxn id="242" idx="3"/>
+            <a:endCxn id="37" idx="1"/>
+          </p:cNvCxnSpPr>
+          <p:nvPr/>
+        </p:nvCxnSpPr>
+        <p:spPr>
+          <a:xfrm>
+            <a:off x="2789163" y="2014512"/>
+            <a:ext cx="292436" cy="1"/>
+          </a:xfrm>
+          <a:prstGeom prst="straightConnector1">
+            <a:avLst/>
+          </a:prstGeom>
+          <a:ln w="28575">
+            <a:solidFill>
+              <a:schemeClr val="accent6">
+                <a:lumMod val="75000"/>
+              </a:schemeClr>
+            </a:solidFill>
+            <a:headEnd type="none" w="med" len="med"/>
+            <a:tailEnd type="arrow" w="med" len="med"/>
+          </a:ln>
+        </p:spPr>
+        <p:style>
+          <a:lnRef idx="1">
+            <a:schemeClr val="accent1"/>
+          </a:lnRef>
+          <a:fillRef idx="0">
+            <a:schemeClr val="accent1"/>
+          </a:fillRef>
+          <a:effectRef idx="0">
+            <a:schemeClr val="accent1"/>
+          </a:effectRef>
+          <a:fontRef idx="minor">
+            <a:schemeClr val="tx1"/>
+          </a:fontRef>
+        </p:style>
+      </p:cxnSp>
+      <p:cxnSp>
+        <p:nvCxnSpPr>
+          <p:cNvPr id="42" name="직선 화살표 연결선 41">
+            <a:extLst>
+              <a:ext uri="{FF2B5EF4-FFF2-40B4-BE49-F238E27FC236}">
+                <a16:creationId xmlns:a16="http://schemas.microsoft.com/office/drawing/2014/main" id="{5781D721-61BD-4174-A590-5A9B11283E44}"/>
+              </a:ext>
+            </a:extLst>
+          </p:cNvPr>
+          <p:cNvCxnSpPr>
+            <a:cxnSpLocks/>
+            <a:stCxn id="37" idx="3"/>
+            <a:endCxn id="236" idx="1"/>
+          </p:cNvCxnSpPr>
+          <p:nvPr/>
+        </p:nvCxnSpPr>
+        <p:spPr>
+          <a:xfrm>
+            <a:off x="4026569" y="2014513"/>
+            <a:ext cx="439169" cy="412915"/>
+          </a:xfrm>
+          <a:prstGeom prst="straightConnector1">
+            <a:avLst/>
+          </a:prstGeom>
+          <a:ln w="28575">
+            <a:solidFill>
+              <a:schemeClr val="accent6">
+                <a:lumMod val="75000"/>
+              </a:schemeClr>
+            </a:solidFill>
+            <a:headEnd type="none" w="med" len="med"/>
+            <a:tailEnd type="arrow" w="med" len="med"/>
+          </a:ln>
+        </p:spPr>
+        <p:style>
+          <a:lnRef idx="1">
+            <a:schemeClr val="accent1"/>
+          </a:lnRef>
+          <a:fillRef idx="0">
+            <a:schemeClr val="accent1"/>
+          </a:fillRef>
+          <a:effectRef idx="0">
+            <a:schemeClr val="accent1"/>
+          </a:effectRef>
+          <a:fontRef idx="minor">
+            <a:schemeClr val="tx1"/>
+          </a:fontRef>
+        </p:style>
+      </p:cxnSp>
+      <p:sp>
+        <p:nvSpPr>
+          <p:cNvPr id="102" name="사각형: 둥근 모서리 101">
+            <a:extLst>
+              <a:ext uri="{FF2B5EF4-FFF2-40B4-BE49-F238E27FC236}">
+                <a16:creationId xmlns:a16="http://schemas.microsoft.com/office/drawing/2014/main" id="{59D0AD7F-34EB-4208-9232-C4A53801FD9B}"/>
+              </a:ext>
+            </a:extLst>
+          </p:cNvPr>
+          <p:cNvSpPr/>
+          <p:nvPr/>
+        </p:nvSpPr>
+        <p:spPr>
+          <a:xfrm>
+            <a:off x="4465740" y="1503236"/>
+            <a:ext cx="1670573" cy="360039"/>
+          </a:xfrm>
+          <a:prstGeom prst="roundRect">
+            <a:avLst>
+              <a:gd name="adj" fmla="val 19110"/>
+            </a:avLst>
+          </a:prstGeom>
+          <a:ln>
+            <a:solidFill>
+              <a:schemeClr val="tx2"/>
+            </a:solidFill>
+          </a:ln>
+        </p:spPr>
+        <p:style>
+          <a:lnRef idx="2">
+            <a:schemeClr val="dk1"/>
+          </a:lnRef>
+          <a:fillRef idx="1">
+            <a:schemeClr val="lt1"/>
+          </a:fillRef>
+          <a:effectRef idx="0">
+            <a:schemeClr val="dk1"/>
+          </a:effectRef>
+          <a:fontRef idx="minor">
+            <a:schemeClr val="dk1"/>
+          </a:fontRef>
+        </p:style>
+        <p:txBody>
+          <a:bodyPr rtlCol="0" anchor="ctr"/>
+          <a:lstStyle/>
+          <a:p>
+            <a:r>
+              <a:rPr lang="en-US" altLang="ko-KR" sz="1200"/>
+              <a:t>/app</a:t>
+            </a:r>
+            <a:endParaRPr lang="ko-KR" altLang="en-US" sz="1200"/>
+          </a:p>
+        </p:txBody>
+      </p:sp>
+      <p:cxnSp>
+        <p:nvCxnSpPr>
+          <p:cNvPr id="25" name="직선 화살표 연결선 24">
+            <a:extLst>
+              <a:ext uri="{FF2B5EF4-FFF2-40B4-BE49-F238E27FC236}">
+                <a16:creationId xmlns:a16="http://schemas.microsoft.com/office/drawing/2014/main" id="{95E2DB36-7E46-4BD7-911D-7562E3780029}"/>
+              </a:ext>
+            </a:extLst>
+          </p:cNvPr>
+          <p:cNvCxnSpPr>
+            <a:cxnSpLocks/>
+            <a:stCxn id="22" idx="2"/>
+            <a:endCxn id="26" idx="0"/>
+          </p:cNvCxnSpPr>
+          <p:nvPr/>
+        </p:nvCxnSpPr>
+        <p:spPr>
+          <a:xfrm flipH="1">
+            <a:off x="3075304" y="3608800"/>
+            <a:ext cx="478781" cy="158633"/>
+          </a:xfrm>
+          <a:prstGeom prst="straightConnector1">
+            <a:avLst/>
+          </a:prstGeom>
+          <a:ln w="28575">
+            <a:solidFill>
+              <a:schemeClr val="accent3">
+                <a:lumMod val="75000"/>
+              </a:schemeClr>
+            </a:solidFill>
+            <a:headEnd type="arrow" w="med" len="med"/>
+            <a:tailEnd type="none" w="med" len="med"/>
+          </a:ln>
+        </p:spPr>
+        <p:style>
+          <a:lnRef idx="1">
+            <a:schemeClr val="accent1"/>
+          </a:lnRef>
+          <a:fillRef idx="0">
+            <a:schemeClr val="accent1"/>
+          </a:fillRef>
+          <a:effectRef idx="0">
+            <a:schemeClr val="accent1"/>
+          </a:effectRef>
+          <a:fontRef idx="minor">
+            <a:schemeClr val="tx1"/>
+          </a:fontRef>
+        </p:style>
+      </p:cxnSp>
+      <p:sp>
+        <p:nvSpPr>
+          <p:cNvPr id="272" name="사각형: 둥근 모서리 271">
+            <a:extLst>
+              <a:ext uri="{FF2B5EF4-FFF2-40B4-BE49-F238E27FC236}">
+                <a16:creationId xmlns:a16="http://schemas.microsoft.com/office/drawing/2014/main" id="{2B02C52A-C3E8-4D9C-8956-DAB9B4232F7E}"/>
+              </a:ext>
+            </a:extLst>
+          </p:cNvPr>
+          <p:cNvSpPr/>
+          <p:nvPr/>
+        </p:nvSpPr>
+        <p:spPr>
+          <a:xfrm rot="16200000">
+            <a:off x="7216224" y="2284244"/>
+            <a:ext cx="1960900" cy="398882"/>
+          </a:xfrm>
+          <a:prstGeom prst="roundRect">
+            <a:avLst>
+              <a:gd name="adj" fmla="val 18519"/>
+            </a:avLst>
+          </a:prstGeom>
+          <a:ln>
+            <a:solidFill>
+              <a:schemeClr val="tx1"/>
+            </a:solidFill>
+          </a:ln>
+        </p:spPr>
+        <p:style>
+          <a:lnRef idx="2">
+            <a:schemeClr val="dk1"/>
+          </a:lnRef>
+          <a:fillRef idx="1">
+            <a:schemeClr val="lt1"/>
+          </a:fillRef>
+          <a:effectRef idx="0">
+            <a:schemeClr val="dk1"/>
+          </a:effectRef>
+          <a:fontRef idx="minor">
+            <a:schemeClr val="dk1"/>
+          </a:fontRef>
+        </p:style>
+        <p:txBody>
+          <a:bodyPr rtlCol="0" anchor="ctr"/>
+          <a:lstStyle/>
+          <a:p>
+            <a:pPr algn="ctr"/>
+            <a:r>
+              <a:rPr lang="en-US" altLang="ko-KR" sz="1200"/>
+              <a:t>Endpoint, Certificate </a:t>
+            </a:r>
+          </a:p>
+          <a:p>
+            <a:pPr algn="ctr"/>
+            <a:r>
+              <a:rPr lang="en-US" altLang="ko-KR" sz="1200" b="1"/>
+              <a:t>Shared Memory</a:t>
+            </a:r>
+          </a:p>
+        </p:txBody>
+      </p:sp>
+      <p:cxnSp>
+        <p:nvCxnSpPr>
+          <p:cNvPr id="285" name="직선 화살표 연결선 284">
+            <a:extLst>
+              <a:ext uri="{FF2B5EF4-FFF2-40B4-BE49-F238E27FC236}">
+                <a16:creationId xmlns:a16="http://schemas.microsoft.com/office/drawing/2014/main" id="{7AD63DC0-5832-4767-BCA9-E08374D4457F}"/>
+              </a:ext>
+            </a:extLst>
+          </p:cNvPr>
+          <p:cNvCxnSpPr>
+            <a:cxnSpLocks/>
+            <a:stCxn id="337" idx="3"/>
+            <a:endCxn id="19" idx="1"/>
+          </p:cNvCxnSpPr>
+          <p:nvPr/>
+        </p:nvCxnSpPr>
+        <p:spPr>
+          <a:xfrm>
+            <a:off x="4026569" y="2680804"/>
+            <a:ext cx="439171" cy="243924"/>
+          </a:xfrm>
+          <a:prstGeom prst="straightConnector1">
+            <a:avLst/>
+          </a:prstGeom>
+          <a:ln w="28575">
+            <a:solidFill>
+              <a:schemeClr val="accent1"/>
+            </a:solidFill>
+            <a:headEnd type="none" w="med" len="med"/>
+            <a:tailEnd type="arrow" w="med" len="med"/>
+          </a:ln>
+        </p:spPr>
+        <p:style>
+          <a:lnRef idx="1">
+            <a:schemeClr val="accent1"/>
+          </a:lnRef>
+          <a:fillRef idx="0">
+            <a:schemeClr val="accent1"/>
+          </a:fillRef>
+          <a:effectRef idx="0">
+            <a:schemeClr val="accent1"/>
+          </a:effectRef>
+          <a:fontRef idx="minor">
+            <a:schemeClr val="tx1"/>
+          </a:fontRef>
+        </p:style>
+      </p:cxnSp>
+      <p:sp>
+        <p:nvSpPr>
+          <p:cNvPr id="337" name="사각형: 둥근 모서리 336">
+            <a:extLst>
+              <a:ext uri="{FF2B5EF4-FFF2-40B4-BE49-F238E27FC236}">
+                <a16:creationId xmlns:a16="http://schemas.microsoft.com/office/drawing/2014/main" id="{38A723FC-583B-4106-854F-B32AD5CB9CBC}"/>
+              </a:ext>
+            </a:extLst>
+          </p:cNvPr>
+          <p:cNvSpPr/>
+          <p:nvPr/>
+        </p:nvSpPr>
+        <p:spPr>
+          <a:xfrm>
+            <a:off x="3081599" y="2422534"/>
+            <a:ext cx="944970" cy="516539"/>
+          </a:xfrm>
+          <a:prstGeom prst="roundRect">
+            <a:avLst>
+              <a:gd name="adj" fmla="val 8441"/>
+            </a:avLst>
+          </a:prstGeom>
+        </p:spPr>
+        <p:style>
+          <a:lnRef idx="2">
+            <a:schemeClr val="dk1"/>
+          </a:lnRef>
+          <a:fillRef idx="1">
+            <a:schemeClr val="lt1"/>
+          </a:fillRef>
+          <a:effectRef idx="0">
+            <a:schemeClr val="dk1"/>
+          </a:effectRef>
+          <a:fontRef idx="minor">
+            <a:schemeClr val="dk1"/>
+          </a:fontRef>
+        </p:style>
+        <p:txBody>
+          <a:bodyPr rtlCol="0" anchor="ctr"/>
+          <a:lstStyle/>
+          <a:p>
+            <a:pPr algn="ctr"/>
+            <a:r>
+              <a:rPr lang="en-US" altLang="ko-KR" sz="1200"/>
+              <a:t>Healthz</a:t>
+            </a:r>
+            <a:endParaRPr lang="ko-KR" altLang="en-US" sz="1200"/>
+          </a:p>
+        </p:txBody>
+      </p:sp>
+      <p:cxnSp>
+        <p:nvCxnSpPr>
+          <p:cNvPr id="34" name="직선 화살표 연결선 33">
+            <a:extLst>
+              <a:ext uri="{FF2B5EF4-FFF2-40B4-BE49-F238E27FC236}">
+                <a16:creationId xmlns:a16="http://schemas.microsoft.com/office/drawing/2014/main" id="{3817D038-8A84-4FBB-976F-C23494877D28}"/>
+              </a:ext>
+            </a:extLst>
+          </p:cNvPr>
+          <p:cNvCxnSpPr>
+            <a:cxnSpLocks/>
+            <a:stCxn id="22" idx="3"/>
+            <a:endCxn id="144" idx="1"/>
+          </p:cNvCxnSpPr>
+          <p:nvPr/>
+        </p:nvCxnSpPr>
+        <p:spPr>
+          <a:xfrm flipV="1">
+            <a:off x="4026570" y="3284116"/>
+            <a:ext cx="439170" cy="66415"/>
+          </a:xfrm>
+          <a:prstGeom prst="straightConnector1">
+            <a:avLst/>
+          </a:prstGeom>
+          <a:ln w="28575">
+            <a:solidFill>
+              <a:schemeClr val="accent3">
+                <a:lumMod val="75000"/>
+              </a:schemeClr>
+            </a:solidFill>
+            <a:headEnd type="arrow" w="med" len="med"/>
+            <a:tailEnd type="none" w="med" len="med"/>
+          </a:ln>
+        </p:spPr>
+        <p:style>
+          <a:lnRef idx="1">
+            <a:schemeClr val="accent1"/>
+          </a:lnRef>
+          <a:fillRef idx="0">
+            <a:schemeClr val="accent1"/>
+          </a:fillRef>
+          <a:effectRef idx="0">
+            <a:schemeClr val="accent1"/>
+          </a:effectRef>
+          <a:fontRef idx="minor">
+            <a:schemeClr val="tx1"/>
+          </a:fontRef>
+        </p:style>
+      </p:cxnSp>
+      <p:cxnSp>
+        <p:nvCxnSpPr>
+          <p:cNvPr id="31" name="직선 화살표 연결선 30">
+            <a:extLst>
+              <a:ext uri="{FF2B5EF4-FFF2-40B4-BE49-F238E27FC236}">
+                <a16:creationId xmlns:a16="http://schemas.microsoft.com/office/drawing/2014/main" id="{E6604724-CCA8-4396-ADA3-752A404BB118}"/>
+              </a:ext>
+            </a:extLst>
+          </p:cNvPr>
+          <p:cNvCxnSpPr>
+            <a:cxnSpLocks/>
+            <a:stCxn id="22" idx="2"/>
+            <a:endCxn id="40" idx="0"/>
+          </p:cNvCxnSpPr>
+          <p:nvPr/>
+        </p:nvCxnSpPr>
+        <p:spPr>
+          <a:xfrm>
+            <a:off x="3554085" y="3608800"/>
+            <a:ext cx="832291" cy="158633"/>
+          </a:xfrm>
+          <a:prstGeom prst="straightConnector1">
+            <a:avLst/>
+          </a:prstGeom>
+          <a:ln w="28575">
+            <a:solidFill>
+              <a:schemeClr val="accent3">
+                <a:lumMod val="75000"/>
+              </a:schemeClr>
+            </a:solidFill>
+            <a:headEnd type="arrow" w="med" len="med"/>
+            <a:tailEnd type="none" w="med" len="med"/>
+          </a:ln>
+        </p:spPr>
+        <p:style>
+          <a:lnRef idx="1">
+            <a:schemeClr val="accent1"/>
+          </a:lnRef>
+          <a:fillRef idx="0">
+            <a:schemeClr val="accent1"/>
+          </a:fillRef>
+          <a:effectRef idx="0">
+            <a:schemeClr val="accent1"/>
+          </a:effectRef>
+          <a:fontRef idx="minor">
+            <a:schemeClr val="tx1"/>
+          </a:fontRef>
+        </p:style>
+      </p:cxnSp>
+      <p:cxnSp>
+        <p:nvCxnSpPr>
+          <p:cNvPr id="113" name="직선 화살표 연결선 112">
+            <a:extLst>
+              <a:ext uri="{FF2B5EF4-FFF2-40B4-BE49-F238E27FC236}">
+                <a16:creationId xmlns:a16="http://schemas.microsoft.com/office/drawing/2014/main" id="{C238D784-A77C-490B-A5E0-FF4EDA21DA7F}"/>
+              </a:ext>
+            </a:extLst>
+          </p:cNvPr>
+          <p:cNvCxnSpPr>
+            <a:cxnSpLocks/>
+            <a:stCxn id="119" idx="2"/>
+            <a:endCxn id="102" idx="0"/>
+          </p:cNvCxnSpPr>
+          <p:nvPr/>
+        </p:nvCxnSpPr>
+        <p:spPr>
+          <a:xfrm>
+            <a:off x="5118321" y="854148"/>
+            <a:ext cx="182706" cy="649088"/>
+          </a:xfrm>
+          <a:prstGeom prst="straightConnector1">
+            <a:avLst/>
+          </a:prstGeom>
+          <a:ln w="28575">
+            <a:solidFill>
+              <a:srgbClr val="C00000"/>
+            </a:solidFill>
+            <a:headEnd type="none" w="med" len="med"/>
+            <a:tailEnd type="arrow" w="med" len="med"/>
+          </a:ln>
+        </p:spPr>
+        <p:style>
+          <a:lnRef idx="1">
+            <a:schemeClr val="accent1"/>
+          </a:lnRef>
+          <a:fillRef idx="0">
+            <a:schemeClr val="accent1"/>
+          </a:fillRef>
+          <a:effectRef idx="0">
+            <a:schemeClr val="accent1"/>
+          </a:effectRef>
+          <a:fontRef idx="minor">
+            <a:schemeClr val="tx1"/>
+          </a:fontRef>
+        </p:style>
+      </p:cxnSp>
+      <p:cxnSp>
+        <p:nvCxnSpPr>
+          <p:cNvPr id="24" name="직선 화살표 연결선 23">
+            <a:extLst>
+              <a:ext uri="{FF2B5EF4-FFF2-40B4-BE49-F238E27FC236}">
+                <a16:creationId xmlns:a16="http://schemas.microsoft.com/office/drawing/2014/main" id="{C07B21D4-25C2-49E4-9D30-3DBD2FC88E6C}"/>
+              </a:ext>
+            </a:extLst>
+          </p:cNvPr>
+          <p:cNvCxnSpPr>
+            <a:cxnSpLocks/>
+            <a:stCxn id="441" idx="1"/>
+            <a:endCxn id="20" idx="3"/>
+          </p:cNvCxnSpPr>
+          <p:nvPr/>
+        </p:nvCxnSpPr>
+        <p:spPr>
+          <a:xfrm flipH="1">
+            <a:off x="1406632" y="3350531"/>
+            <a:ext cx="384516" cy="0"/>
+          </a:xfrm>
+          <a:prstGeom prst="straightConnector1">
+            <a:avLst/>
+          </a:prstGeom>
+          <a:ln w="28575">
+            <a:solidFill>
+              <a:schemeClr val="accent3">
+                <a:lumMod val="75000"/>
+              </a:schemeClr>
+            </a:solidFill>
+            <a:headEnd type="none" w="med" len="med"/>
+            <a:tailEnd type="arrow" w="med" len="med"/>
+          </a:ln>
+        </p:spPr>
+        <p:style>
+          <a:lnRef idx="1">
+            <a:schemeClr val="accent1"/>
+          </a:lnRef>
+          <a:fillRef idx="0">
+            <a:schemeClr val="accent1"/>
+          </a:fillRef>
+          <a:effectRef idx="0">
+            <a:schemeClr val="accent1"/>
+          </a:effectRef>
+          <a:fontRef idx="minor">
+            <a:schemeClr val="tx1"/>
+          </a:fontRef>
+        </p:style>
+      </p:cxnSp>
+      <p:cxnSp>
+        <p:nvCxnSpPr>
+          <p:cNvPr id="359" name="직선 화살표 연결선 358">
+            <a:extLst>
+              <a:ext uri="{FF2B5EF4-FFF2-40B4-BE49-F238E27FC236}">
+                <a16:creationId xmlns:a16="http://schemas.microsoft.com/office/drawing/2014/main" id="{7BE19C43-C0B8-48F1-82EA-21340FC38584}"/>
+              </a:ext>
+            </a:extLst>
+          </p:cNvPr>
+          <p:cNvCxnSpPr>
+            <a:cxnSpLocks/>
+            <a:stCxn id="140" idx="3"/>
+            <a:endCxn id="242" idx="1"/>
+          </p:cNvCxnSpPr>
+          <p:nvPr/>
+        </p:nvCxnSpPr>
+        <p:spPr>
+          <a:xfrm>
+            <a:off x="1406632" y="2014512"/>
+            <a:ext cx="378823" cy="0"/>
+          </a:xfrm>
+          <a:prstGeom prst="straightConnector1">
+            <a:avLst/>
+          </a:prstGeom>
+          <a:ln w="28575">
+            <a:solidFill>
+              <a:schemeClr val="accent6">
+                <a:lumMod val="75000"/>
+              </a:schemeClr>
+            </a:solidFill>
+            <a:headEnd type="none" w="med" len="med"/>
+            <a:tailEnd type="arrow" w="med" len="med"/>
+          </a:ln>
+        </p:spPr>
+        <p:style>
+          <a:lnRef idx="1">
+            <a:schemeClr val="accent1"/>
+          </a:lnRef>
+          <a:fillRef idx="0">
+            <a:schemeClr val="accent1"/>
+          </a:fillRef>
+          <a:effectRef idx="0">
+            <a:schemeClr val="accent1"/>
+          </a:effectRef>
+          <a:fontRef idx="minor">
+            <a:schemeClr val="tx1"/>
+          </a:fontRef>
+        </p:style>
+      </p:cxnSp>
+      <p:sp>
+        <p:nvSpPr>
+          <p:cNvPr id="441" name="사각형: 둥근 모서리 440">
+            <a:extLst>
+              <a:ext uri="{FF2B5EF4-FFF2-40B4-BE49-F238E27FC236}">
+                <a16:creationId xmlns:a16="http://schemas.microsoft.com/office/drawing/2014/main" id="{078844A7-8EFF-4D2F-A2B3-D4A457367780}"/>
+              </a:ext>
+            </a:extLst>
+          </p:cNvPr>
+          <p:cNvSpPr/>
+          <p:nvPr/>
+        </p:nvSpPr>
+        <p:spPr>
+          <a:xfrm>
+            <a:off x="1791148" y="3170511"/>
+            <a:ext cx="998015" cy="360039"/>
+          </a:xfrm>
+          <a:prstGeom prst="roundRect">
+            <a:avLst>
+              <a:gd name="adj" fmla="val 19110"/>
+            </a:avLst>
+          </a:prstGeom>
+          <a:ln>
+            <a:solidFill>
+              <a:schemeClr val="tx2"/>
+            </a:solidFill>
+          </a:ln>
+        </p:spPr>
+        <p:style>
+          <a:lnRef idx="2">
+            <a:schemeClr val="dk1"/>
+          </a:lnRef>
+          <a:fillRef idx="1">
+            <a:schemeClr val="lt1"/>
+          </a:fillRef>
+          <a:effectRef idx="0">
+            <a:schemeClr val="dk1"/>
+          </a:effectRef>
+          <a:fontRef idx="minor">
+            <a:schemeClr val="dk1"/>
+          </a:fontRef>
+        </p:style>
+        <p:txBody>
+          <a:bodyPr rtlCol="0" anchor="ctr"/>
+          <a:lstStyle/>
+          <a:p>
+            <a:r>
+              <a:rPr lang="en-US" altLang="ko-KR" sz="1200"/>
+              <a:t>:10254</a:t>
+            </a:r>
+          </a:p>
+          <a:p>
+            <a:r>
+              <a:rPr lang="en-US" altLang="ko-KR" sz="1200"/>
+              <a:t>/metrics</a:t>
+            </a:r>
+          </a:p>
+        </p:txBody>
+      </p:sp>
+      <p:sp>
+        <p:nvSpPr>
+          <p:cNvPr id="472" name="사각형: 둥근 모서리 471">
+            <a:extLst>
+              <a:ext uri="{FF2B5EF4-FFF2-40B4-BE49-F238E27FC236}">
+                <a16:creationId xmlns:a16="http://schemas.microsoft.com/office/drawing/2014/main" id="{FDF8E4AB-0007-49BC-9B22-CB3CEFB189B4}"/>
+              </a:ext>
+            </a:extLst>
+          </p:cNvPr>
+          <p:cNvSpPr/>
+          <p:nvPr/>
+        </p:nvSpPr>
+        <p:spPr>
+          <a:xfrm>
+            <a:off x="1791148" y="2499924"/>
+            <a:ext cx="998015" cy="360039"/>
+          </a:xfrm>
+          <a:prstGeom prst="roundRect">
+            <a:avLst>
+              <a:gd name="adj" fmla="val 19110"/>
+            </a:avLst>
+          </a:prstGeom>
+          <a:ln>
+            <a:solidFill>
+              <a:schemeClr val="tx2"/>
+            </a:solidFill>
+          </a:ln>
+        </p:spPr>
+        <p:style>
+          <a:lnRef idx="2">
+            <a:schemeClr val="dk1"/>
+          </a:lnRef>
+          <a:fillRef idx="1">
+            <a:schemeClr val="lt1"/>
+          </a:fillRef>
+          <a:effectRef idx="0">
+            <a:schemeClr val="dk1"/>
+          </a:effectRef>
+          <a:fontRef idx="minor">
+            <a:schemeClr val="dk1"/>
+          </a:fontRef>
+        </p:style>
+        <p:txBody>
+          <a:bodyPr rtlCol="0" anchor="ctr"/>
+          <a:lstStyle/>
+          <a:p>
+            <a:r>
+              <a:rPr lang="en-US" altLang="ko-KR" sz="1200"/>
+              <a:t>:10254</a:t>
+            </a:r>
+          </a:p>
+          <a:p>
+            <a:r>
+              <a:rPr lang="en-US" altLang="ko-KR" sz="1200"/>
+              <a:t>/healthz </a:t>
+            </a:r>
+            <a:endParaRPr lang="ko-KR" altLang="en-US" sz="1200"/>
+          </a:p>
+        </p:txBody>
+      </p:sp>
+      <p:cxnSp>
+        <p:nvCxnSpPr>
+          <p:cNvPr id="483" name="직선 화살표 연결선 482">
+            <a:extLst>
+              <a:ext uri="{FF2B5EF4-FFF2-40B4-BE49-F238E27FC236}">
+                <a16:creationId xmlns:a16="http://schemas.microsoft.com/office/drawing/2014/main" id="{DAAF6AAC-AEA1-4398-818C-5AF53C78DFD8}"/>
+              </a:ext>
+            </a:extLst>
+          </p:cNvPr>
+          <p:cNvCxnSpPr>
+            <a:cxnSpLocks/>
+            <a:stCxn id="472" idx="3"/>
+            <a:endCxn id="337" idx="1"/>
+          </p:cNvCxnSpPr>
+          <p:nvPr/>
+        </p:nvCxnSpPr>
+        <p:spPr>
+          <a:xfrm>
+            <a:off x="2789163" y="2679944"/>
+            <a:ext cx="292436" cy="860"/>
+          </a:xfrm>
+          <a:prstGeom prst="straightConnector1">
+            <a:avLst/>
+          </a:prstGeom>
+          <a:ln w="28575">
+            <a:solidFill>
+              <a:schemeClr val="accent1"/>
+            </a:solidFill>
+            <a:headEnd type="none" w="med" len="med"/>
+            <a:tailEnd type="arrow" w="med" len="med"/>
+          </a:ln>
+        </p:spPr>
+        <p:style>
+          <a:lnRef idx="1">
+            <a:schemeClr val="accent1"/>
+          </a:lnRef>
+          <a:fillRef idx="0">
+            <a:schemeClr val="accent1"/>
+          </a:fillRef>
+          <a:effectRef idx="0">
+            <a:schemeClr val="accent1"/>
+          </a:effectRef>
+          <a:fontRef idx="minor">
+            <a:schemeClr val="tx1"/>
+          </a:fontRef>
+        </p:style>
+      </p:cxnSp>
+      <p:cxnSp>
+        <p:nvCxnSpPr>
+          <p:cNvPr id="489" name="직선 화살표 연결선 488">
+            <a:extLst>
+              <a:ext uri="{FF2B5EF4-FFF2-40B4-BE49-F238E27FC236}">
+                <a16:creationId xmlns:a16="http://schemas.microsoft.com/office/drawing/2014/main" id="{C8758275-7751-4F74-BA8E-0363CA1B6789}"/>
+              </a:ext>
+            </a:extLst>
+          </p:cNvPr>
+          <p:cNvCxnSpPr>
+            <a:cxnSpLocks/>
+            <a:stCxn id="22" idx="1"/>
+            <a:endCxn id="441" idx="3"/>
+          </p:cNvCxnSpPr>
+          <p:nvPr/>
+        </p:nvCxnSpPr>
+        <p:spPr>
+          <a:xfrm flipH="1">
+            <a:off x="2789163" y="3350531"/>
+            <a:ext cx="292437" cy="0"/>
+          </a:xfrm>
+          <a:prstGeom prst="straightConnector1">
+            <a:avLst/>
+          </a:prstGeom>
+          <a:ln w="28575">
+            <a:solidFill>
+              <a:schemeClr val="accent3">
+                <a:lumMod val="75000"/>
+              </a:schemeClr>
+            </a:solidFill>
+            <a:headEnd type="none" w="med" len="med"/>
+            <a:tailEnd type="arrow" w="med" len="med"/>
+          </a:ln>
+        </p:spPr>
+        <p:style>
+          <a:lnRef idx="1">
+            <a:schemeClr val="accent1"/>
+          </a:lnRef>
+          <a:fillRef idx="0">
+            <a:schemeClr val="accent1"/>
+          </a:fillRef>
+          <a:effectRef idx="0">
+            <a:schemeClr val="accent1"/>
+          </a:effectRef>
+          <a:fontRef idx="minor">
+            <a:schemeClr val="tx1"/>
+          </a:fontRef>
+        </p:style>
+      </p:cxnSp>
+      <p:sp>
+        <p:nvSpPr>
+          <p:cNvPr id="501" name="사각형: 둥근 모서리 500">
+            <a:extLst>
+              <a:ext uri="{FF2B5EF4-FFF2-40B4-BE49-F238E27FC236}">
+                <a16:creationId xmlns:a16="http://schemas.microsoft.com/office/drawing/2014/main" id="{E69348EF-183C-4680-97B3-4B9A3BEAD74E}"/>
+              </a:ext>
+            </a:extLst>
+          </p:cNvPr>
+          <p:cNvSpPr/>
+          <p:nvPr/>
+        </p:nvSpPr>
+        <p:spPr>
+          <a:xfrm>
+            <a:off x="6350561" y="3111663"/>
+            <a:ext cx="1233420" cy="353798"/>
+          </a:xfrm>
+          <a:prstGeom prst="roundRect">
+            <a:avLst>
+              <a:gd name="adj" fmla="val 18519"/>
+            </a:avLst>
+          </a:prstGeom>
+          <a:ln>
+            <a:solidFill>
+              <a:schemeClr val="tx1"/>
+            </a:solidFill>
+          </a:ln>
+        </p:spPr>
+        <p:style>
+          <a:lnRef idx="2">
+            <a:schemeClr val="dk1"/>
+          </a:lnRef>
+          <a:fillRef idx="1">
+            <a:schemeClr val="lt1"/>
+          </a:fillRef>
+          <a:effectRef idx="0">
+            <a:schemeClr val="dk1"/>
+          </a:effectRef>
+          <a:fontRef idx="minor">
+            <a:schemeClr val="dk1"/>
+          </a:fontRef>
+        </p:style>
+        <p:txBody>
+          <a:bodyPr rtlCol="0" anchor="ctr"/>
+          <a:lstStyle/>
+          <a:p>
+            <a:pPr algn="ctr"/>
+            <a:r>
+              <a:rPr lang="en-US" altLang="ko-KR" sz="1200"/>
+              <a:t>HTTP Stub Status Module</a:t>
+            </a:r>
+          </a:p>
+        </p:txBody>
+      </p:sp>
+      <p:cxnSp>
+        <p:nvCxnSpPr>
+          <p:cNvPr id="528" name="직선 화살표 연결선 527">
+            <a:extLst>
+              <a:ext uri="{FF2B5EF4-FFF2-40B4-BE49-F238E27FC236}">
+                <a16:creationId xmlns:a16="http://schemas.microsoft.com/office/drawing/2014/main" id="{1C7683AD-6C77-4B2B-A5FB-AB757AC98E02}"/>
+              </a:ext>
+            </a:extLst>
+          </p:cNvPr>
+          <p:cNvCxnSpPr>
+            <a:cxnSpLocks/>
+            <a:stCxn id="144" idx="3"/>
+            <a:endCxn id="501" idx="1"/>
+          </p:cNvCxnSpPr>
+          <p:nvPr/>
+        </p:nvCxnSpPr>
+        <p:spPr>
+          <a:xfrm>
+            <a:off x="6136313" y="3284116"/>
+            <a:ext cx="214248" cy="4446"/>
+          </a:xfrm>
+          <a:prstGeom prst="straightConnector1">
+            <a:avLst/>
+          </a:prstGeom>
+          <a:ln w="28575">
+            <a:solidFill>
+              <a:schemeClr val="accent3">
+                <a:lumMod val="75000"/>
+              </a:schemeClr>
+            </a:solidFill>
+            <a:headEnd type="arrow" w="med" len="med"/>
+            <a:tailEnd type="none" w="med" len="med"/>
+          </a:ln>
+        </p:spPr>
+        <p:style>
+          <a:lnRef idx="1">
+            <a:schemeClr val="accent1"/>
+          </a:lnRef>
+          <a:fillRef idx="0">
+            <a:schemeClr val="accent1"/>
+          </a:fillRef>
+          <a:effectRef idx="0">
+            <a:schemeClr val="accent1"/>
+          </a:effectRef>
+          <a:fontRef idx="minor">
+            <a:schemeClr val="tx1"/>
+          </a:fontRef>
+        </p:style>
+      </p:cxnSp>
+      <p:sp>
+        <p:nvSpPr>
+          <p:cNvPr id="537" name="사각형: 둥근 모서리 536">
+            <a:extLst>
+              <a:ext uri="{FF2B5EF4-FFF2-40B4-BE49-F238E27FC236}">
+                <a16:creationId xmlns:a16="http://schemas.microsoft.com/office/drawing/2014/main" id="{DA3CCFA4-FB3A-4931-BF2A-192780FAF215}"/>
+              </a:ext>
+            </a:extLst>
+          </p:cNvPr>
+          <p:cNvSpPr/>
+          <p:nvPr/>
+        </p:nvSpPr>
+        <p:spPr>
+          <a:xfrm>
+            <a:off x="6269041" y="1503237"/>
+            <a:ext cx="1424628" cy="1488360"/>
+          </a:xfrm>
+          <a:prstGeom prst="roundRect">
+            <a:avLst>
+              <a:gd name="adj" fmla="val 9099"/>
+            </a:avLst>
+          </a:prstGeom>
+          <a:ln>
+            <a:solidFill>
+              <a:schemeClr val="tx1"/>
+            </a:solidFill>
+          </a:ln>
+        </p:spPr>
+        <p:style>
+          <a:lnRef idx="2">
+            <a:schemeClr val="dk1"/>
+          </a:lnRef>
+          <a:fillRef idx="1">
+            <a:schemeClr val="lt1"/>
+          </a:fillRef>
+          <a:effectRef idx="0">
+            <a:schemeClr val="dk1"/>
+          </a:effectRef>
+          <a:fontRef idx="minor">
+            <a:schemeClr val="dk1"/>
+          </a:fontRef>
+        </p:style>
+        <p:txBody>
+          <a:bodyPr rtlCol="0" anchor="b"/>
+          <a:lstStyle/>
+          <a:p>
+            <a:pPr algn="ctr"/>
+            <a:r>
+              <a:rPr lang="en-US" altLang="ko-KR" sz="1200" b="1"/>
+              <a:t>Lua </a:t>
+            </a:r>
+          </a:p>
+        </p:txBody>
+      </p:sp>
+      <p:sp>
+        <p:nvSpPr>
+          <p:cNvPr id="64" name="사각형: 둥근 모서리 63">
+            <a:extLst>
+              <a:ext uri="{FF2B5EF4-FFF2-40B4-BE49-F238E27FC236}">
+                <a16:creationId xmlns:a16="http://schemas.microsoft.com/office/drawing/2014/main" id="{E40D7D5A-81B4-4C61-81EA-7FE1930C6112}"/>
+              </a:ext>
+            </a:extLst>
+          </p:cNvPr>
+          <p:cNvSpPr/>
+          <p:nvPr/>
+        </p:nvSpPr>
+        <p:spPr>
+          <a:xfrm>
+            <a:off x="6373820" y="2305181"/>
+            <a:ext cx="1233420" cy="360039"/>
+          </a:xfrm>
+          <a:prstGeom prst="roundRect">
+            <a:avLst>
+              <a:gd name="adj" fmla="val 18519"/>
+            </a:avLst>
+          </a:prstGeom>
+          <a:ln>
+            <a:solidFill>
+              <a:schemeClr val="tx1"/>
+            </a:solidFill>
+          </a:ln>
+        </p:spPr>
+        <p:style>
+          <a:lnRef idx="2">
+            <a:schemeClr val="dk1"/>
+          </a:lnRef>
+          <a:fillRef idx="1">
+            <a:schemeClr val="lt1"/>
+          </a:fillRef>
+          <a:effectRef idx="0">
+            <a:schemeClr val="dk1"/>
+          </a:effectRef>
+          <a:fontRef idx="minor">
+            <a:schemeClr val="dk1"/>
+          </a:fontRef>
+        </p:style>
+        <p:txBody>
+          <a:bodyPr rtlCol="0" anchor="ctr"/>
+          <a:lstStyle/>
+          <a:p>
+            <a:pPr algn="ctr"/>
+            <a:r>
+              <a:rPr lang="en-US" altLang="ko-KR" sz="1200"/>
+              <a:t>Configuration</a:t>
+            </a:r>
+          </a:p>
+        </p:txBody>
+      </p:sp>
+      <p:sp>
+        <p:nvSpPr>
+          <p:cNvPr id="65" name="사각형: 둥근 모서리 64">
+            <a:extLst>
+              <a:ext uri="{FF2B5EF4-FFF2-40B4-BE49-F238E27FC236}">
+                <a16:creationId xmlns:a16="http://schemas.microsoft.com/office/drawing/2014/main" id="{25F5CB1E-1470-49C3-98C8-C49126FBC353}"/>
+              </a:ext>
+            </a:extLst>
+          </p:cNvPr>
+          <p:cNvSpPr/>
+          <p:nvPr/>
+        </p:nvSpPr>
+        <p:spPr>
+          <a:xfrm>
+            <a:off x="6373820" y="1949658"/>
+            <a:ext cx="1233420" cy="360039"/>
+          </a:xfrm>
+          <a:prstGeom prst="roundRect">
+            <a:avLst>
+              <a:gd name="adj" fmla="val 16212"/>
+            </a:avLst>
+          </a:prstGeom>
+          <a:ln>
+            <a:solidFill>
+              <a:schemeClr val="tx1"/>
+            </a:solidFill>
+          </a:ln>
+        </p:spPr>
+        <p:style>
+          <a:lnRef idx="2">
+            <a:schemeClr val="dk1"/>
+          </a:lnRef>
+          <a:fillRef idx="1">
+            <a:schemeClr val="lt1"/>
+          </a:fillRef>
+          <a:effectRef idx="0">
+            <a:schemeClr val="dk1"/>
+          </a:effectRef>
+          <a:fontRef idx="minor">
+            <a:schemeClr val="dk1"/>
+          </a:fontRef>
+        </p:style>
+        <p:txBody>
+          <a:bodyPr rtlCol="0" anchor="ctr"/>
+          <a:lstStyle/>
+          <a:p>
+            <a:pPr algn="ctr"/>
+            <a:r>
+              <a:rPr lang="en-US" altLang="ko-KR" sz="1200"/>
+              <a:t>Monitor</a:t>
+            </a:r>
+          </a:p>
+        </p:txBody>
+      </p:sp>
+      <p:sp>
+        <p:nvSpPr>
+          <p:cNvPr id="97" name="사각형: 둥근 모서리 96">
+            <a:extLst>
+              <a:ext uri="{FF2B5EF4-FFF2-40B4-BE49-F238E27FC236}">
+                <a16:creationId xmlns:a16="http://schemas.microsoft.com/office/drawing/2014/main" id="{E63B818F-A4B2-4F6E-AE03-C28E040CA9D1}"/>
+              </a:ext>
+            </a:extLst>
+          </p:cNvPr>
+          <p:cNvSpPr/>
+          <p:nvPr/>
+        </p:nvSpPr>
+        <p:spPr>
+          <a:xfrm>
+            <a:off x="6369107" y="1586624"/>
+            <a:ext cx="1233418" cy="366645"/>
+          </a:xfrm>
+          <a:prstGeom prst="roundRect">
+            <a:avLst>
+              <a:gd name="adj" fmla="val 19118"/>
+            </a:avLst>
+          </a:prstGeom>
+          <a:ln>
+            <a:solidFill>
+              <a:schemeClr val="tx1"/>
+            </a:solidFill>
+          </a:ln>
+        </p:spPr>
+        <p:style>
+          <a:lnRef idx="2">
+            <a:schemeClr val="dk1"/>
+          </a:lnRef>
+          <a:fillRef idx="1">
+            <a:schemeClr val="lt1"/>
+          </a:fillRef>
+          <a:effectRef idx="0">
+            <a:schemeClr val="dk1"/>
+          </a:effectRef>
+          <a:fontRef idx="minor">
+            <a:schemeClr val="dk1"/>
+          </a:fontRef>
+        </p:style>
+        <p:txBody>
+          <a:bodyPr rtlCol="0" anchor="ctr"/>
+          <a:lstStyle/>
+          <a:p>
+            <a:pPr algn="ctr"/>
+            <a:r>
+              <a:rPr lang="en-US" altLang="ko-KR" sz="1200"/>
+              <a:t>Balancer</a:t>
+            </a:r>
+          </a:p>
+        </p:txBody>
+      </p:sp>
+      <p:cxnSp>
+        <p:nvCxnSpPr>
+          <p:cNvPr id="85" name="직선 화살표 연결선 84">
+            <a:extLst>
+              <a:ext uri="{FF2B5EF4-FFF2-40B4-BE49-F238E27FC236}">
+                <a16:creationId xmlns:a16="http://schemas.microsoft.com/office/drawing/2014/main" id="{8F4054C2-13EF-484D-8323-3DCA5DC1B6EB}"/>
+              </a:ext>
+            </a:extLst>
+          </p:cNvPr>
+          <p:cNvCxnSpPr>
+            <a:cxnSpLocks/>
+            <a:stCxn id="236" idx="3"/>
+            <a:endCxn id="64" idx="1"/>
+          </p:cNvCxnSpPr>
+          <p:nvPr/>
+        </p:nvCxnSpPr>
+        <p:spPr>
+          <a:xfrm>
+            <a:off x="6136313" y="2427428"/>
+            <a:ext cx="237507" cy="57773"/>
+          </a:xfrm>
+          <a:prstGeom prst="straightConnector1">
+            <a:avLst/>
+          </a:prstGeom>
+          <a:ln w="28575">
+            <a:solidFill>
+              <a:schemeClr val="accent6">
+                <a:lumMod val="75000"/>
+              </a:schemeClr>
+            </a:solidFill>
+            <a:headEnd type="none" w="med" len="med"/>
+            <a:tailEnd type="arrow" w="med" len="med"/>
+          </a:ln>
+        </p:spPr>
+        <p:style>
+          <a:lnRef idx="1">
+            <a:schemeClr val="accent1"/>
+          </a:lnRef>
+          <a:fillRef idx="0">
+            <a:schemeClr val="accent1"/>
+          </a:fillRef>
+          <a:effectRef idx="0">
+            <a:schemeClr val="accent1"/>
+          </a:effectRef>
+          <a:fontRef idx="minor">
+            <a:schemeClr val="tx1"/>
+          </a:fontRef>
+        </p:style>
+      </p:cxnSp>
+      <p:cxnSp>
+        <p:nvCxnSpPr>
+          <p:cNvPr id="89" name="직선 화살표 연결선 88">
+            <a:extLst>
+              <a:ext uri="{FF2B5EF4-FFF2-40B4-BE49-F238E27FC236}">
+                <a16:creationId xmlns:a16="http://schemas.microsoft.com/office/drawing/2014/main" id="{9C48922E-8E3F-4DAF-887B-D4C9B8684DC8}"/>
+              </a:ext>
+            </a:extLst>
+          </p:cNvPr>
+          <p:cNvCxnSpPr>
+            <a:cxnSpLocks/>
+            <a:stCxn id="65" idx="1"/>
+            <a:endCxn id="40" idx="3"/>
+          </p:cNvCxnSpPr>
+          <p:nvPr/>
+        </p:nvCxnSpPr>
+        <p:spPr>
+          <a:xfrm flipH="1">
+            <a:off x="5180851" y="2129678"/>
+            <a:ext cx="1192969" cy="1862971"/>
+          </a:xfrm>
+          <a:prstGeom prst="straightConnector1">
+            <a:avLst/>
+          </a:prstGeom>
+          <a:ln w="28575">
+            <a:solidFill>
+              <a:schemeClr val="accent3">
+                <a:lumMod val="75000"/>
+              </a:schemeClr>
+            </a:solidFill>
+            <a:headEnd type="none" w="med" len="med"/>
+            <a:tailEnd type="arrow" w="med" len="med"/>
+          </a:ln>
+        </p:spPr>
+        <p:style>
+          <a:lnRef idx="1">
+            <a:schemeClr val="accent1"/>
+          </a:lnRef>
+          <a:fillRef idx="0">
+            <a:schemeClr val="accent1"/>
+          </a:fillRef>
+          <a:effectRef idx="0">
+            <a:schemeClr val="accent1"/>
+          </a:effectRef>
+          <a:fontRef idx="minor">
+            <a:schemeClr val="tx1"/>
+          </a:fontRef>
+        </p:style>
+      </p:cxnSp>
+      <p:cxnSp>
+        <p:nvCxnSpPr>
+          <p:cNvPr id="123" name="직선 화살표 연결선 122">
+            <a:extLst>
+              <a:ext uri="{FF2B5EF4-FFF2-40B4-BE49-F238E27FC236}">
+                <a16:creationId xmlns:a16="http://schemas.microsoft.com/office/drawing/2014/main" id="{6D0EE204-D55B-45EE-886D-9B596B1E5AEF}"/>
+              </a:ext>
+            </a:extLst>
+          </p:cNvPr>
+          <p:cNvCxnSpPr>
+            <a:cxnSpLocks/>
+            <a:stCxn id="102" idx="3"/>
+            <a:endCxn id="97" idx="1"/>
+          </p:cNvCxnSpPr>
+          <p:nvPr/>
+        </p:nvCxnSpPr>
+        <p:spPr>
+          <a:xfrm>
+            <a:off x="6136313" y="1683256"/>
+            <a:ext cx="232794" cy="86691"/>
+          </a:xfrm>
+          <a:prstGeom prst="straightConnector1">
+            <a:avLst/>
+          </a:prstGeom>
+          <a:ln w="28575">
+            <a:solidFill>
+              <a:srgbClr val="C00000"/>
+            </a:solidFill>
+            <a:headEnd type="none" w="med" len="med"/>
+            <a:tailEnd type="arrow" w="med" len="med"/>
+          </a:ln>
+        </p:spPr>
+        <p:style>
+          <a:lnRef idx="1">
+            <a:schemeClr val="accent1"/>
+          </a:lnRef>
+          <a:fillRef idx="0">
+            <a:schemeClr val="accent1"/>
+          </a:fillRef>
+          <a:effectRef idx="0">
+            <a:schemeClr val="accent1"/>
+          </a:effectRef>
+          <a:fontRef idx="minor">
+            <a:schemeClr val="tx1"/>
+          </a:fontRef>
+        </p:style>
+      </p:cxnSp>
+      <p:cxnSp>
+        <p:nvCxnSpPr>
+          <p:cNvPr id="141" name="직선 화살표 연결선 140">
+            <a:extLst>
+              <a:ext uri="{FF2B5EF4-FFF2-40B4-BE49-F238E27FC236}">
+                <a16:creationId xmlns:a16="http://schemas.microsoft.com/office/drawing/2014/main" id="{955DDF85-C837-4ECE-BDB5-97F3B50DF794}"/>
+              </a:ext>
+            </a:extLst>
+          </p:cNvPr>
+          <p:cNvCxnSpPr>
+            <a:cxnSpLocks/>
+            <a:stCxn id="102" idx="3"/>
+            <a:endCxn id="65" idx="1"/>
+          </p:cNvCxnSpPr>
+          <p:nvPr/>
+        </p:nvCxnSpPr>
+        <p:spPr>
+          <a:xfrm>
+            <a:off x="6136313" y="1683256"/>
+            <a:ext cx="237507" cy="446422"/>
+          </a:xfrm>
+          <a:prstGeom prst="straightConnector1">
+            <a:avLst/>
+          </a:prstGeom>
+          <a:ln w="28575">
+            <a:solidFill>
+              <a:schemeClr val="accent3">
+                <a:lumMod val="75000"/>
+              </a:schemeClr>
+            </a:solidFill>
+            <a:headEnd type="none" w="med" len="med"/>
+            <a:tailEnd type="arrow" w="med" len="med"/>
+          </a:ln>
+        </p:spPr>
+        <p:style>
+          <a:lnRef idx="1">
+            <a:schemeClr val="accent1"/>
+          </a:lnRef>
+          <a:fillRef idx="0">
+            <a:schemeClr val="accent1"/>
+          </a:fillRef>
+          <a:effectRef idx="0">
+            <a:schemeClr val="accent1"/>
+          </a:effectRef>
+          <a:fontRef idx="minor">
+            <a:schemeClr val="tx1"/>
+          </a:fontRef>
+        </p:style>
+      </p:cxnSp>
+      <p:cxnSp>
+        <p:nvCxnSpPr>
+          <p:cNvPr id="273" name="직선 화살표 연결선 272">
+            <a:extLst>
+              <a:ext uri="{FF2B5EF4-FFF2-40B4-BE49-F238E27FC236}">
+                <a16:creationId xmlns:a16="http://schemas.microsoft.com/office/drawing/2014/main" id="{E326EF4B-18CC-4A5E-8239-DFF4D5CC7012}"/>
+              </a:ext>
+            </a:extLst>
+          </p:cNvPr>
+          <p:cNvCxnSpPr>
+            <a:cxnSpLocks/>
+            <a:endCxn id="97" idx="3"/>
+          </p:cNvCxnSpPr>
+          <p:nvPr/>
+        </p:nvCxnSpPr>
+        <p:spPr>
+          <a:xfrm flipH="1">
+            <a:off x="7602525" y="1769947"/>
+            <a:ext cx="394708" cy="0"/>
+          </a:xfrm>
+          <a:prstGeom prst="straightConnector1">
+            <a:avLst/>
+          </a:prstGeom>
+          <a:ln w="28575">
+            <a:solidFill>
+              <a:schemeClr val="tx1"/>
+            </a:solidFill>
+            <a:headEnd type="none" w="med" len="med"/>
+            <a:tailEnd type="arrow" w="med" len="med"/>
+          </a:ln>
+        </p:spPr>
+        <p:style>
+          <a:lnRef idx="1">
+            <a:schemeClr val="accent1"/>
+          </a:lnRef>
+          <a:fillRef idx="0">
+            <a:schemeClr val="accent1"/>
+          </a:fillRef>
+          <a:effectRef idx="0">
+            <a:schemeClr val="accent1"/>
+          </a:effectRef>
+          <a:fontRef idx="minor">
+            <a:schemeClr val="tx1"/>
+          </a:fontRef>
+        </p:style>
+      </p:cxnSp>
+      <p:cxnSp>
+        <p:nvCxnSpPr>
+          <p:cNvPr id="281" name="직선 화살표 연결선 280">
+            <a:extLst>
+              <a:ext uri="{FF2B5EF4-FFF2-40B4-BE49-F238E27FC236}">
+                <a16:creationId xmlns:a16="http://schemas.microsoft.com/office/drawing/2014/main" id="{DF167C2D-5CD1-4DDC-90AF-AB816A16FC01}"/>
+              </a:ext>
+            </a:extLst>
+          </p:cNvPr>
+          <p:cNvCxnSpPr>
+            <a:cxnSpLocks/>
+            <a:stCxn id="64" idx="3"/>
+            <a:endCxn id="272" idx="0"/>
+          </p:cNvCxnSpPr>
+          <p:nvPr/>
+        </p:nvCxnSpPr>
+        <p:spPr>
+          <a:xfrm flipV="1">
+            <a:off x="7607240" y="2483685"/>
+            <a:ext cx="389993" cy="1516"/>
+          </a:xfrm>
+          <a:prstGeom prst="straightConnector1">
+            <a:avLst/>
+          </a:prstGeom>
+          <a:ln w="28575">
+            <a:solidFill>
+              <a:schemeClr val="accent6">
+                <a:lumMod val="75000"/>
+              </a:schemeClr>
+            </a:solidFill>
+            <a:headEnd type="none" w="med" len="med"/>
+            <a:tailEnd type="arrow" w="med" len="med"/>
+          </a:ln>
+        </p:spPr>
+        <p:style>
+          <a:lnRef idx="1">
+            <a:schemeClr val="accent1"/>
+          </a:lnRef>
+          <a:fillRef idx="0">
+            <a:schemeClr val="accent1"/>
+          </a:fillRef>
+          <a:effectRef idx="0">
+            <a:schemeClr val="accent1"/>
+          </a:effectRef>
+          <a:fontRef idx="minor">
+            <a:schemeClr val="tx1"/>
+          </a:fontRef>
+        </p:style>
+      </p:cxnSp>
+      <p:cxnSp>
+        <p:nvCxnSpPr>
+          <p:cNvPr id="134" name="직선 화살표 연결선 133">
+            <a:extLst>
+              <a:ext uri="{FF2B5EF4-FFF2-40B4-BE49-F238E27FC236}">
+                <a16:creationId xmlns:a16="http://schemas.microsoft.com/office/drawing/2014/main" id="{4CE6165C-716C-4020-B63E-93D198F3C2F6}"/>
+              </a:ext>
+            </a:extLst>
+          </p:cNvPr>
+          <p:cNvCxnSpPr>
+            <a:cxnSpLocks/>
+            <a:stCxn id="97" idx="0"/>
+            <a:endCxn id="129" idx="2"/>
+          </p:cNvCxnSpPr>
+          <p:nvPr/>
+        </p:nvCxnSpPr>
+        <p:spPr>
+          <a:xfrm flipH="1" flipV="1">
+            <a:off x="6435918" y="846981"/>
+            <a:ext cx="549898" cy="739643"/>
+          </a:xfrm>
+          <a:prstGeom prst="straightConnector1">
+            <a:avLst/>
+          </a:prstGeom>
+          <a:ln w="28575">
+            <a:solidFill>
+              <a:srgbClr val="C00000"/>
+            </a:solidFill>
+            <a:headEnd type="none" w="med" len="med"/>
+            <a:tailEnd type="arrow" w="med" len="med"/>
+          </a:ln>
+        </p:spPr>
+        <p:style>
+          <a:lnRef idx="1">
+            <a:schemeClr val="accent1"/>
+          </a:lnRef>
+          <a:fillRef idx="0">
+            <a:schemeClr val="accent1"/>
+          </a:fillRef>
+          <a:effectRef idx="0">
+            <a:schemeClr val="accent1"/>
+          </a:effectRef>
+          <a:fontRef idx="minor">
+            <a:schemeClr val="tx1"/>
+          </a:fontRef>
+        </p:style>
+      </p:cxnSp>
+      <p:cxnSp>
+        <p:nvCxnSpPr>
+          <p:cNvPr id="137" name="직선 화살표 연결선 136">
+            <a:extLst>
+              <a:ext uri="{FF2B5EF4-FFF2-40B4-BE49-F238E27FC236}">
+                <a16:creationId xmlns:a16="http://schemas.microsoft.com/office/drawing/2014/main" id="{0C5B76D2-9ECA-417B-9F89-BE10BF76E83A}"/>
+              </a:ext>
+            </a:extLst>
+          </p:cNvPr>
+          <p:cNvCxnSpPr>
+            <a:cxnSpLocks/>
+            <a:stCxn id="97" idx="0"/>
+            <a:endCxn id="133" idx="2"/>
+          </p:cNvCxnSpPr>
+          <p:nvPr/>
+        </p:nvCxnSpPr>
+        <p:spPr>
+          <a:xfrm flipV="1">
+            <a:off x="6985816" y="847439"/>
+            <a:ext cx="767697" cy="739185"/>
+          </a:xfrm>
+          <a:prstGeom prst="straightConnector1">
+            <a:avLst/>
+          </a:prstGeom>
+          <a:ln w="28575">
+            <a:solidFill>
+              <a:srgbClr val="C00000"/>
+            </a:solidFill>
+            <a:headEnd type="none" w="med" len="med"/>
+            <a:tailEnd type="arrow" w="med" len="med"/>
+          </a:ln>
+        </p:spPr>
+        <p:style>
+          <a:lnRef idx="1">
+            <a:schemeClr val="accent1"/>
+          </a:lnRef>
+          <a:fillRef idx="0">
+            <a:schemeClr val="accent1"/>
+          </a:fillRef>
+          <a:effectRef idx="0">
+            <a:schemeClr val="accent1"/>
+          </a:effectRef>
+          <a:fontRef idx="minor">
+            <a:schemeClr val="tx1"/>
+          </a:fontRef>
+        </p:style>
+      </p:cxnSp>
+      <p:cxnSp>
+        <p:nvCxnSpPr>
+          <p:cNvPr id="550" name="직선 화살표 연결선 549">
+            <a:extLst>
+              <a:ext uri="{FF2B5EF4-FFF2-40B4-BE49-F238E27FC236}">
+                <a16:creationId xmlns:a16="http://schemas.microsoft.com/office/drawing/2014/main" id="{54B7B654-D3EF-4BEE-8450-F8EA54E62097}"/>
+              </a:ext>
+            </a:extLst>
+          </p:cNvPr>
+          <p:cNvCxnSpPr>
+            <a:cxnSpLocks/>
+          </p:cNvCxnSpPr>
+          <p:nvPr/>
+        </p:nvCxnSpPr>
+        <p:spPr>
+          <a:xfrm>
+            <a:off x="899592" y="4654628"/>
+            <a:ext cx="384517" cy="0"/>
+          </a:xfrm>
+          <a:prstGeom prst="straightConnector1">
+            <a:avLst/>
+          </a:prstGeom>
+          <a:ln w="28575">
+            <a:solidFill>
+              <a:srgbClr val="C00000"/>
+            </a:solidFill>
+            <a:headEnd type="none" w="med" len="med"/>
+            <a:tailEnd type="arrow" w="med" len="med"/>
+          </a:ln>
+        </p:spPr>
+        <p:style>
+          <a:lnRef idx="1">
+            <a:schemeClr val="accent1"/>
+          </a:lnRef>
+          <a:fillRef idx="0">
+            <a:schemeClr val="accent1"/>
+          </a:fillRef>
+          <a:effectRef idx="0">
+            <a:schemeClr val="accent1"/>
+          </a:effectRef>
+          <a:fontRef idx="minor">
+            <a:schemeClr val="tx1"/>
+          </a:fontRef>
+        </p:style>
+      </p:cxnSp>
+      <p:sp>
+        <p:nvSpPr>
+          <p:cNvPr id="552" name="사각형: 둥근 모서리 551">
+            <a:extLst>
+              <a:ext uri="{FF2B5EF4-FFF2-40B4-BE49-F238E27FC236}">
+                <a16:creationId xmlns:a16="http://schemas.microsoft.com/office/drawing/2014/main" id="{54D56402-3AF8-4D6E-8ACD-78D154106AAE}"/>
+              </a:ext>
+            </a:extLst>
+          </p:cNvPr>
+          <p:cNvSpPr/>
+          <p:nvPr/>
+        </p:nvSpPr>
+        <p:spPr>
+          <a:xfrm>
+            <a:off x="1263531" y="4472896"/>
+            <a:ext cx="1161462" cy="363463"/>
+          </a:xfrm>
+          <a:prstGeom prst="roundRect">
+            <a:avLst>
+              <a:gd name="adj" fmla="val 8441"/>
+            </a:avLst>
+          </a:prstGeom>
+          <a:noFill/>
+          <a:ln>
+            <a:noFill/>
+          </a:ln>
+        </p:spPr>
+        <p:style>
+          <a:lnRef idx="2">
+            <a:schemeClr val="dk1"/>
+          </a:lnRef>
+          <a:fillRef idx="1">
+            <a:schemeClr val="lt1"/>
+          </a:fillRef>
+          <a:effectRef idx="0">
+            <a:schemeClr val="dk1"/>
+          </a:effectRef>
+          <a:fontRef idx="minor">
+            <a:schemeClr val="dk1"/>
+          </a:fontRef>
+        </p:style>
+        <p:txBody>
+          <a:bodyPr rtlCol="0" anchor="ctr"/>
+          <a:lstStyle/>
+          <a:p>
+            <a:pPr algn="ctr"/>
+            <a:r>
+              <a:rPr lang="en-US" altLang="ko-KR" sz="1200"/>
+              <a:t>App Packet</a:t>
+            </a:r>
+          </a:p>
+        </p:txBody>
+      </p:sp>
+      <p:cxnSp>
+        <p:nvCxnSpPr>
+          <p:cNvPr id="553" name="직선 화살표 연결선 552">
+            <a:extLst>
+              <a:ext uri="{FF2B5EF4-FFF2-40B4-BE49-F238E27FC236}">
+                <a16:creationId xmlns:a16="http://schemas.microsoft.com/office/drawing/2014/main" id="{7F8EE3C9-71BE-45CA-B80C-8BB0F3EE9D56}"/>
+              </a:ext>
+            </a:extLst>
+          </p:cNvPr>
+          <p:cNvCxnSpPr>
+            <a:cxnSpLocks/>
+          </p:cNvCxnSpPr>
+          <p:nvPr/>
+        </p:nvCxnSpPr>
+        <p:spPr>
+          <a:xfrm>
+            <a:off x="2604019" y="4654628"/>
+            <a:ext cx="384517" cy="0"/>
+          </a:xfrm>
+          <a:prstGeom prst="straightConnector1">
+            <a:avLst/>
+          </a:prstGeom>
+          <a:ln w="28575">
+            <a:solidFill>
+              <a:schemeClr val="accent6">
+                <a:lumMod val="75000"/>
+              </a:schemeClr>
+            </a:solidFill>
+            <a:headEnd type="none" w="med" len="med"/>
+            <a:tailEnd type="arrow" w="med" len="med"/>
+          </a:ln>
+        </p:spPr>
+        <p:style>
+          <a:lnRef idx="1">
+            <a:schemeClr val="accent1"/>
+          </a:lnRef>
+          <a:fillRef idx="0">
+            <a:schemeClr val="accent1"/>
+          </a:fillRef>
+          <a:effectRef idx="0">
+            <a:schemeClr val="accent1"/>
+          </a:effectRef>
+          <a:fontRef idx="minor">
+            <a:schemeClr val="tx1"/>
+          </a:fontRef>
+        </p:style>
+      </p:cxnSp>
+      <p:sp>
+        <p:nvSpPr>
+          <p:cNvPr id="554" name="사각형: 둥근 모서리 553">
+            <a:extLst>
+              <a:ext uri="{FF2B5EF4-FFF2-40B4-BE49-F238E27FC236}">
+                <a16:creationId xmlns:a16="http://schemas.microsoft.com/office/drawing/2014/main" id="{8E68871C-7BA9-4AA1-9845-E7A2420F199C}"/>
+              </a:ext>
+            </a:extLst>
+          </p:cNvPr>
+          <p:cNvSpPr/>
+          <p:nvPr/>
+        </p:nvSpPr>
+        <p:spPr>
+          <a:xfrm>
+            <a:off x="2967958" y="4472896"/>
+            <a:ext cx="1161462" cy="363463"/>
+          </a:xfrm>
+          <a:prstGeom prst="roundRect">
+            <a:avLst>
+              <a:gd name="adj" fmla="val 8441"/>
+            </a:avLst>
+          </a:prstGeom>
+          <a:noFill/>
+          <a:ln>
+            <a:noFill/>
+          </a:ln>
+        </p:spPr>
+        <p:style>
+          <a:lnRef idx="2">
+            <a:schemeClr val="dk1"/>
+          </a:lnRef>
+          <a:fillRef idx="1">
+            <a:schemeClr val="lt1"/>
+          </a:fillRef>
+          <a:effectRef idx="0">
+            <a:schemeClr val="dk1"/>
+          </a:effectRef>
+          <a:fontRef idx="minor">
+            <a:schemeClr val="dk1"/>
+          </a:fontRef>
+        </p:style>
+        <p:txBody>
+          <a:bodyPr rtlCol="0" anchor="ctr"/>
+          <a:lstStyle/>
+          <a:p>
+            <a:pPr algn="ctr"/>
+            <a:r>
+              <a:rPr lang="en-US" altLang="ko-KR" sz="1200"/>
+              <a:t>Nginx Config </a:t>
+            </a:r>
+          </a:p>
+        </p:txBody>
+      </p:sp>
+      <p:cxnSp>
+        <p:nvCxnSpPr>
+          <p:cNvPr id="555" name="직선 화살표 연결선 554">
+            <a:extLst>
+              <a:ext uri="{FF2B5EF4-FFF2-40B4-BE49-F238E27FC236}">
+                <a16:creationId xmlns:a16="http://schemas.microsoft.com/office/drawing/2014/main" id="{6369851D-A42E-4AB9-A9F8-DE0F43F341A8}"/>
+              </a:ext>
+            </a:extLst>
+          </p:cNvPr>
+          <p:cNvCxnSpPr>
+            <a:cxnSpLocks/>
+          </p:cNvCxnSpPr>
+          <p:nvPr/>
+        </p:nvCxnSpPr>
+        <p:spPr>
+          <a:xfrm>
+            <a:off x="4318978" y="4654628"/>
+            <a:ext cx="384517" cy="0"/>
+          </a:xfrm>
+          <a:prstGeom prst="straightConnector1">
+            <a:avLst/>
+          </a:prstGeom>
+          <a:ln w="28575">
+            <a:solidFill>
+              <a:schemeClr val="accent3">
+                <a:lumMod val="75000"/>
+              </a:schemeClr>
+            </a:solidFill>
+            <a:headEnd type="none" w="med" len="med"/>
+            <a:tailEnd type="arrow" w="med" len="med"/>
+          </a:ln>
+        </p:spPr>
+        <p:style>
+          <a:lnRef idx="1">
+            <a:schemeClr val="accent1"/>
+          </a:lnRef>
+          <a:fillRef idx="0">
+            <a:schemeClr val="accent1"/>
+          </a:fillRef>
+          <a:effectRef idx="0">
+            <a:schemeClr val="accent1"/>
+          </a:effectRef>
+          <a:fontRef idx="minor">
+            <a:schemeClr val="tx1"/>
+          </a:fontRef>
+        </p:style>
+      </p:cxnSp>
+      <p:sp>
+        <p:nvSpPr>
+          <p:cNvPr id="556" name="사각형: 둥근 모서리 555">
+            <a:extLst>
+              <a:ext uri="{FF2B5EF4-FFF2-40B4-BE49-F238E27FC236}">
+                <a16:creationId xmlns:a16="http://schemas.microsoft.com/office/drawing/2014/main" id="{BE0C53E0-24F0-4895-9B55-02B458334C06}"/>
+              </a:ext>
+            </a:extLst>
+          </p:cNvPr>
+          <p:cNvSpPr/>
+          <p:nvPr/>
+        </p:nvSpPr>
+        <p:spPr>
+          <a:xfrm>
+            <a:off x="4682917" y="4472896"/>
+            <a:ext cx="1161462" cy="363463"/>
+          </a:xfrm>
+          <a:prstGeom prst="roundRect">
+            <a:avLst>
+              <a:gd name="adj" fmla="val 8441"/>
+            </a:avLst>
+          </a:prstGeom>
+          <a:noFill/>
+          <a:ln>
+            <a:noFill/>
+          </a:ln>
+        </p:spPr>
+        <p:style>
+          <a:lnRef idx="2">
+            <a:schemeClr val="dk1"/>
+          </a:lnRef>
+          <a:fillRef idx="1">
+            <a:schemeClr val="lt1"/>
+          </a:fillRef>
+          <a:effectRef idx="0">
+            <a:schemeClr val="dk1"/>
+          </a:effectRef>
+          <a:fontRef idx="minor">
+            <a:schemeClr val="dk1"/>
+          </a:fontRef>
+        </p:style>
+        <p:txBody>
+          <a:bodyPr rtlCol="0" anchor="ctr"/>
+          <a:lstStyle/>
+          <a:p>
+            <a:pPr algn="ctr"/>
+            <a:r>
+              <a:rPr lang="en-US" altLang="ko-KR" sz="1200"/>
+              <a:t>Nginx Metric</a:t>
+            </a:r>
+          </a:p>
+        </p:txBody>
+      </p:sp>
+      <p:cxnSp>
+        <p:nvCxnSpPr>
+          <p:cNvPr id="557" name="직선 화살표 연결선 556">
+            <a:extLst>
+              <a:ext uri="{FF2B5EF4-FFF2-40B4-BE49-F238E27FC236}">
+                <a16:creationId xmlns:a16="http://schemas.microsoft.com/office/drawing/2014/main" id="{D94CC75B-FE55-41D7-98BA-5A454F1A7CD0}"/>
+              </a:ext>
+            </a:extLst>
+          </p:cNvPr>
+          <p:cNvCxnSpPr>
+            <a:cxnSpLocks/>
+          </p:cNvCxnSpPr>
+          <p:nvPr/>
+        </p:nvCxnSpPr>
+        <p:spPr>
+          <a:xfrm>
+            <a:off x="6012158" y="4654628"/>
+            <a:ext cx="384517" cy="0"/>
+          </a:xfrm>
+          <a:prstGeom prst="straightConnector1">
+            <a:avLst/>
+          </a:prstGeom>
+          <a:ln w="28575">
+            <a:solidFill>
+              <a:schemeClr val="accent1"/>
+            </a:solidFill>
+            <a:headEnd type="none" w="med" len="med"/>
+            <a:tailEnd type="arrow" w="med" len="med"/>
+          </a:ln>
+        </p:spPr>
+        <p:style>
+          <a:lnRef idx="1">
+            <a:schemeClr val="accent1"/>
+          </a:lnRef>
+          <a:fillRef idx="0">
+            <a:schemeClr val="accent1"/>
+          </a:fillRef>
+          <a:effectRef idx="0">
+            <a:schemeClr val="accent1"/>
+          </a:effectRef>
+          <a:fontRef idx="minor">
+            <a:schemeClr val="tx1"/>
+          </a:fontRef>
+        </p:style>
+      </p:cxnSp>
+      <p:sp>
+        <p:nvSpPr>
+          <p:cNvPr id="558" name="사각형: 둥근 모서리 557">
+            <a:extLst>
+              <a:ext uri="{FF2B5EF4-FFF2-40B4-BE49-F238E27FC236}">
+                <a16:creationId xmlns:a16="http://schemas.microsoft.com/office/drawing/2014/main" id="{A187A017-761B-449A-8846-91B5FF8C087D}"/>
+              </a:ext>
+            </a:extLst>
+          </p:cNvPr>
+          <p:cNvSpPr/>
+          <p:nvPr/>
+        </p:nvSpPr>
+        <p:spPr>
+          <a:xfrm>
+            <a:off x="6376096" y="4472896"/>
+            <a:ext cx="1620723" cy="363463"/>
+          </a:xfrm>
+          <a:prstGeom prst="roundRect">
+            <a:avLst>
+              <a:gd name="adj" fmla="val 8441"/>
+            </a:avLst>
+          </a:prstGeom>
+          <a:noFill/>
+          <a:ln>
+            <a:noFill/>
+          </a:ln>
+        </p:spPr>
+        <p:style>
+          <a:lnRef idx="2">
+            <a:schemeClr val="dk1"/>
+          </a:lnRef>
+          <a:fillRef idx="1">
+            <a:schemeClr val="lt1"/>
+          </a:fillRef>
+          <a:effectRef idx="0">
+            <a:schemeClr val="dk1"/>
+          </a:effectRef>
+          <a:fontRef idx="minor">
+            <a:schemeClr val="dk1"/>
+          </a:fontRef>
+        </p:style>
+        <p:txBody>
+          <a:bodyPr rtlCol="0" anchor="ctr"/>
+          <a:lstStyle/>
+          <a:p>
+            <a:pPr algn="ctr"/>
+            <a:r>
+              <a:rPr lang="en-US" altLang="ko-KR" sz="1200"/>
+              <a:t>Nginx Health Check</a:t>
+            </a:r>
+          </a:p>
+        </p:txBody>
+      </p:sp>
+      <p:sp>
+        <p:nvSpPr>
+          <p:cNvPr id="561" name="사각형: 둥근 모서리 560">
+            <a:extLst>
+              <a:ext uri="{FF2B5EF4-FFF2-40B4-BE49-F238E27FC236}">
+                <a16:creationId xmlns:a16="http://schemas.microsoft.com/office/drawing/2014/main" id="{B965AE0B-5BBD-43DB-8694-68388EEEEA25}"/>
+              </a:ext>
+            </a:extLst>
+          </p:cNvPr>
+          <p:cNvSpPr/>
+          <p:nvPr/>
+        </p:nvSpPr>
+        <p:spPr>
+          <a:xfrm>
+            <a:off x="7267819" y="1304544"/>
+            <a:ext cx="1161462" cy="363463"/>
+          </a:xfrm>
+          <a:prstGeom prst="roundRect">
+            <a:avLst>
+              <a:gd name="adj" fmla="val 8441"/>
+            </a:avLst>
+          </a:prstGeom>
+          <a:noFill/>
+          <a:ln>
+            <a:noFill/>
+          </a:ln>
+        </p:spPr>
+        <p:style>
+          <a:lnRef idx="2">
+            <a:schemeClr val="dk1"/>
+          </a:lnRef>
+          <a:fillRef idx="1">
+            <a:schemeClr val="lt1"/>
+          </a:fillRef>
+          <a:effectRef idx="0">
+            <a:schemeClr val="dk1"/>
+          </a:effectRef>
+          <a:fontRef idx="minor">
+            <a:schemeClr val="dk1"/>
+          </a:fontRef>
+        </p:style>
+        <p:txBody>
+          <a:bodyPr rtlCol="0" anchor="ctr"/>
+          <a:lstStyle/>
+          <a:p>
+            <a:pPr algn="ctr"/>
+            <a:r>
+              <a:rPr lang="en-US" altLang="ko-KR" sz="1200"/>
+              <a:t>Endpoint</a:t>
+            </a:r>
+          </a:p>
+          <a:p>
+            <a:pPr algn="ctr"/>
+            <a:r>
+              <a:rPr lang="en-US" altLang="ko-KR" sz="1200"/>
+              <a:t>Info</a:t>
+            </a:r>
+          </a:p>
+        </p:txBody>
+      </p:sp>
+      <p:sp>
+        <p:nvSpPr>
+          <p:cNvPr id="584" name="사각형: 둥근 모서리 583">
+            <a:extLst>
+              <a:ext uri="{FF2B5EF4-FFF2-40B4-BE49-F238E27FC236}">
+                <a16:creationId xmlns:a16="http://schemas.microsoft.com/office/drawing/2014/main" id="{9CDF2626-A46A-4C5B-B20D-EB615B9DB7FA}"/>
+              </a:ext>
+            </a:extLst>
+          </p:cNvPr>
+          <p:cNvSpPr/>
+          <p:nvPr/>
+        </p:nvSpPr>
+        <p:spPr>
+          <a:xfrm>
+            <a:off x="354044" y="2435378"/>
+            <a:ext cx="1052588" cy="489130"/>
+          </a:xfrm>
+          <a:prstGeom prst="roundRect">
+            <a:avLst>
+              <a:gd name="adj" fmla="val 9140"/>
+            </a:avLst>
+          </a:prstGeom>
+        </p:spPr>
+        <p:style>
+          <a:lnRef idx="2">
+            <a:schemeClr val="dk1"/>
+          </a:lnRef>
+          <a:fillRef idx="1">
+            <a:schemeClr val="lt1"/>
+          </a:fillRef>
+          <a:effectRef idx="0">
+            <a:schemeClr val="dk1"/>
+          </a:effectRef>
+          <a:fontRef idx="minor">
+            <a:schemeClr val="dk1"/>
+          </a:fontRef>
+        </p:style>
+        <p:txBody>
+          <a:bodyPr rtlCol="0" anchor="ctr"/>
+          <a:lstStyle/>
+          <a:p>
+            <a:pPr algn="ctr"/>
+            <a:r>
+              <a:rPr lang="en-US" altLang="ko-KR" sz="1200"/>
+              <a:t>kubelet</a:t>
+            </a:r>
+            <a:endParaRPr lang="ko-KR" altLang="en-US" sz="1200"/>
+          </a:p>
+        </p:txBody>
+      </p:sp>
+      <p:cxnSp>
+        <p:nvCxnSpPr>
+          <p:cNvPr id="587" name="직선 화살표 연결선 586">
+            <a:extLst>
+              <a:ext uri="{FF2B5EF4-FFF2-40B4-BE49-F238E27FC236}">
+                <a16:creationId xmlns:a16="http://schemas.microsoft.com/office/drawing/2014/main" id="{F13845C6-1A8A-43A5-B771-2AE0F46F38A3}"/>
+              </a:ext>
+            </a:extLst>
+          </p:cNvPr>
+          <p:cNvCxnSpPr>
+            <a:cxnSpLocks/>
+            <a:stCxn id="584" idx="3"/>
+            <a:endCxn id="472" idx="1"/>
+          </p:cNvCxnSpPr>
+          <p:nvPr/>
+        </p:nvCxnSpPr>
+        <p:spPr>
+          <a:xfrm>
+            <a:off x="1406632" y="2679943"/>
+            <a:ext cx="384516" cy="1"/>
+          </a:xfrm>
+          <a:prstGeom prst="straightConnector1">
+            <a:avLst/>
+          </a:prstGeom>
+          <a:ln w="28575">
+            <a:solidFill>
+              <a:schemeClr val="accent1"/>
+            </a:solidFill>
+            <a:headEnd type="none" w="med" len="med"/>
+            <a:tailEnd type="arrow" w="med" len="med"/>
+          </a:ln>
+        </p:spPr>
+        <p:style>
+          <a:lnRef idx="1">
+            <a:schemeClr val="accent1"/>
+          </a:lnRef>
+          <a:fillRef idx="0">
+            <a:schemeClr val="accent1"/>
+          </a:fillRef>
+          <a:effectRef idx="0">
+            <a:schemeClr val="accent1"/>
+          </a:effectRef>
+          <a:fontRef idx="minor">
+            <a:schemeClr val="tx1"/>
+          </a:fontRef>
+        </p:style>
+      </p:cxnSp>
+      <p:cxnSp>
+        <p:nvCxnSpPr>
+          <p:cNvPr id="592" name="직선 화살표 연결선 591">
+            <a:extLst>
+              <a:ext uri="{FF2B5EF4-FFF2-40B4-BE49-F238E27FC236}">
+                <a16:creationId xmlns:a16="http://schemas.microsoft.com/office/drawing/2014/main" id="{46B0B97B-D31E-412D-A016-B7E7B5843B4F}"/>
+              </a:ext>
+            </a:extLst>
+          </p:cNvPr>
+          <p:cNvCxnSpPr>
+            <a:cxnSpLocks/>
+          </p:cNvCxnSpPr>
+          <p:nvPr/>
+        </p:nvCxnSpPr>
+        <p:spPr>
+          <a:xfrm flipH="1">
+            <a:off x="5298669" y="2035855"/>
+            <a:ext cx="2698564" cy="3429"/>
+          </a:xfrm>
+          <a:prstGeom prst="straightConnector1">
+            <a:avLst/>
+          </a:prstGeom>
+          <a:ln w="28575">
+            <a:solidFill>
+              <a:schemeClr val="tx1"/>
+            </a:solidFill>
+            <a:headEnd type="none" w="med" len="med"/>
+            <a:tailEnd type="none" w="med" len="med"/>
+          </a:ln>
+        </p:spPr>
+        <p:style>
+          <a:lnRef idx="1">
+            <a:schemeClr val="accent1"/>
+          </a:lnRef>
+          <a:fillRef idx="0">
+            <a:schemeClr val="accent1"/>
+          </a:fillRef>
+          <a:effectRef idx="0">
+            <a:schemeClr val="accent1"/>
+          </a:effectRef>
+          <a:fontRef idx="minor">
+            <a:schemeClr val="tx1"/>
+          </a:fontRef>
+        </p:style>
+      </p:cxnSp>
+      <p:cxnSp>
+        <p:nvCxnSpPr>
+          <p:cNvPr id="596" name="직선 화살표 연결선 595">
+            <a:extLst>
+              <a:ext uri="{FF2B5EF4-FFF2-40B4-BE49-F238E27FC236}">
+                <a16:creationId xmlns:a16="http://schemas.microsoft.com/office/drawing/2014/main" id="{23998ED3-1339-41B9-9AE0-4290B3F28F43}"/>
+              </a:ext>
+            </a:extLst>
+          </p:cNvPr>
+          <p:cNvCxnSpPr>
+            <a:cxnSpLocks/>
+            <a:endCxn id="102" idx="2"/>
+          </p:cNvCxnSpPr>
+          <p:nvPr/>
+        </p:nvCxnSpPr>
+        <p:spPr>
+          <a:xfrm flipV="1">
+            <a:off x="5301027" y="1863275"/>
+            <a:ext cx="0" cy="176009"/>
+          </a:xfrm>
+          <a:prstGeom prst="straightConnector1">
+            <a:avLst/>
+          </a:prstGeom>
+          <a:ln w="28575">
+            <a:solidFill>
+              <a:schemeClr val="tx1"/>
+            </a:solidFill>
+            <a:headEnd type="none" w="med" len="med"/>
+            <a:tailEnd type="arrow" w="med" len="med"/>
+          </a:ln>
+        </p:spPr>
+        <p:style>
+          <a:lnRef idx="1">
+            <a:schemeClr val="accent1"/>
+          </a:lnRef>
+          <a:fillRef idx="0">
+            <a:schemeClr val="accent1"/>
+          </a:fillRef>
+          <a:effectRef idx="0">
+            <a:schemeClr val="accent1"/>
+          </a:effectRef>
+          <a:fontRef idx="minor">
+            <a:schemeClr val="tx1"/>
+          </a:fontRef>
+        </p:style>
+      </p:cxnSp>
+      <p:sp>
+        <p:nvSpPr>
+          <p:cNvPr id="600" name="사각형: 둥근 모서리 599">
+            <a:extLst>
+              <a:ext uri="{FF2B5EF4-FFF2-40B4-BE49-F238E27FC236}">
+                <a16:creationId xmlns:a16="http://schemas.microsoft.com/office/drawing/2014/main" id="{E99E8944-83EF-49BD-B106-94653006A6FF}"/>
+              </a:ext>
+            </a:extLst>
+          </p:cNvPr>
+          <p:cNvSpPr/>
+          <p:nvPr/>
+        </p:nvSpPr>
+        <p:spPr>
+          <a:xfrm>
+            <a:off x="5188921" y="1754529"/>
+            <a:ext cx="1161462" cy="363463"/>
+          </a:xfrm>
+          <a:prstGeom prst="roundRect">
+            <a:avLst>
+              <a:gd name="adj" fmla="val 8441"/>
+            </a:avLst>
+          </a:prstGeom>
+          <a:noFill/>
+          <a:ln>
+            <a:noFill/>
+          </a:ln>
+        </p:spPr>
+        <p:style>
+          <a:lnRef idx="2">
+            <a:schemeClr val="dk1"/>
+          </a:lnRef>
+          <a:fillRef idx="1">
+            <a:schemeClr val="lt1"/>
+          </a:fillRef>
+          <a:effectRef idx="0">
+            <a:schemeClr val="dk1"/>
+          </a:effectRef>
+          <a:fontRef idx="minor">
+            <a:schemeClr val="dk1"/>
+          </a:fontRef>
+        </p:style>
+        <p:txBody>
+          <a:bodyPr rtlCol="0" anchor="ctr"/>
+          <a:lstStyle/>
+          <a:p>
+            <a:pPr algn="ctr"/>
+            <a:r>
+              <a:rPr lang="en-US" altLang="ko-KR" sz="1200"/>
+              <a:t>Certificate</a:t>
+            </a:r>
+          </a:p>
+        </p:txBody>
+      </p:sp>
+      <p:cxnSp>
+        <p:nvCxnSpPr>
+          <p:cNvPr id="69" name="직선 화살표 연결선 68">
+            <a:extLst>
+              <a:ext uri="{FF2B5EF4-FFF2-40B4-BE49-F238E27FC236}">
+                <a16:creationId xmlns:a16="http://schemas.microsoft.com/office/drawing/2014/main" id="{C7825897-E31F-4E0C-8B62-66CD249513EC}"/>
+              </a:ext>
+            </a:extLst>
+          </p:cNvPr>
+          <p:cNvCxnSpPr>
+            <a:cxnSpLocks/>
+            <a:stCxn id="64" idx="2"/>
+            <a:endCxn id="115" idx="0"/>
+          </p:cNvCxnSpPr>
+          <p:nvPr/>
+        </p:nvCxnSpPr>
+        <p:spPr>
+          <a:xfrm flipH="1">
+            <a:off x="6008322" y="2665220"/>
+            <a:ext cx="982208" cy="1019011"/>
+          </a:xfrm>
+          <a:prstGeom prst="straightConnector1">
+            <a:avLst/>
+          </a:prstGeom>
+          <a:ln w="28575">
+            <a:solidFill>
+              <a:schemeClr val="accent6">
+                <a:lumMod val="75000"/>
+              </a:schemeClr>
+            </a:solidFill>
+            <a:headEnd type="none" w="med" len="med"/>
+            <a:tailEnd type="arrow" w="med" len="med"/>
+          </a:ln>
+        </p:spPr>
+        <p:style>
+          <a:lnRef idx="1">
+            <a:schemeClr val="accent1"/>
+          </a:lnRef>
+          <a:fillRef idx="0">
+            <a:schemeClr val="accent1"/>
+          </a:fillRef>
+          <a:effectRef idx="0">
+            <a:schemeClr val="accent1"/>
+          </a:effectRef>
+          <a:fontRef idx="minor">
+            <a:schemeClr val="tx1"/>
+          </a:fontRef>
+        </p:style>
+      </p:cxnSp>
+      <p:sp>
+        <p:nvSpPr>
+          <p:cNvPr id="114" name="사각형: 둥근 모서리 113">
+            <a:extLst>
+              <a:ext uri="{FF2B5EF4-FFF2-40B4-BE49-F238E27FC236}">
+                <a16:creationId xmlns:a16="http://schemas.microsoft.com/office/drawing/2014/main" id="{735690FA-3F4E-4686-95D1-A54CE985032C}"/>
+              </a:ext>
+            </a:extLst>
+          </p:cNvPr>
+          <p:cNvSpPr/>
+          <p:nvPr/>
+        </p:nvSpPr>
+        <p:spPr>
+          <a:xfrm>
+            <a:off x="6838304" y="3684231"/>
+            <a:ext cx="1678225" cy="447390"/>
+          </a:xfrm>
+          <a:prstGeom prst="roundRect">
+            <a:avLst>
+              <a:gd name="adj" fmla="val 18519"/>
+            </a:avLst>
+          </a:prstGeom>
+          <a:ln>
+            <a:solidFill>
+              <a:schemeClr val="tx1"/>
+            </a:solidFill>
+          </a:ln>
+        </p:spPr>
+        <p:style>
+          <a:lnRef idx="2">
+            <a:schemeClr val="dk1"/>
+          </a:lnRef>
+          <a:fillRef idx="1">
+            <a:schemeClr val="lt1"/>
+          </a:fillRef>
+          <a:effectRef idx="0">
+            <a:schemeClr val="dk1"/>
+          </a:effectRef>
+          <a:fontRef idx="minor">
+            <a:schemeClr val="dk1"/>
+          </a:fontRef>
+        </p:style>
+        <p:txBody>
+          <a:bodyPr rtlCol="0" anchor="ctr"/>
+          <a:lstStyle/>
+          <a:p>
+            <a:pPr algn="ctr"/>
+            <a:r>
+              <a:rPr lang="en-US" altLang="ko-KR" sz="1200"/>
+              <a:t>/etc/nginx/template/nginx.tmpl</a:t>
+            </a:r>
+          </a:p>
+        </p:txBody>
+      </p:sp>
+      <p:sp>
+        <p:nvSpPr>
+          <p:cNvPr id="115" name="사각형: 둥근 모서리 114">
+            <a:extLst>
+              <a:ext uri="{FF2B5EF4-FFF2-40B4-BE49-F238E27FC236}">
+                <a16:creationId xmlns:a16="http://schemas.microsoft.com/office/drawing/2014/main" id="{AECB5E5C-55A2-4F5A-891C-BBC906064C03}"/>
+              </a:ext>
+            </a:extLst>
+          </p:cNvPr>
+          <p:cNvSpPr/>
+          <p:nvPr/>
+        </p:nvSpPr>
+        <p:spPr>
+          <a:xfrm>
+            <a:off x="5492193" y="3684231"/>
+            <a:ext cx="1032258" cy="447390"/>
+          </a:xfrm>
+          <a:prstGeom prst="roundRect">
+            <a:avLst>
+              <a:gd name="adj" fmla="val 18519"/>
+            </a:avLst>
+          </a:prstGeom>
+          <a:ln>
+            <a:solidFill>
+              <a:schemeClr val="tx1"/>
+            </a:solidFill>
+          </a:ln>
+        </p:spPr>
+        <p:style>
+          <a:lnRef idx="2">
+            <a:schemeClr val="dk1"/>
+          </a:lnRef>
+          <a:fillRef idx="1">
+            <a:schemeClr val="lt1"/>
+          </a:fillRef>
+          <a:effectRef idx="0">
+            <a:schemeClr val="dk1"/>
+          </a:effectRef>
+          <a:fontRef idx="minor">
+            <a:schemeClr val="dk1"/>
+          </a:fontRef>
+        </p:style>
+        <p:txBody>
+          <a:bodyPr rtlCol="0" anchor="ctr"/>
+          <a:lstStyle/>
+          <a:p>
+            <a:pPr algn="ctr"/>
+            <a:r>
+              <a:rPr lang="en-US" altLang="ko-KR" sz="1200"/>
+              <a:t>/etc/nginx/nginx.conf</a:t>
+            </a:r>
+          </a:p>
+        </p:txBody>
+      </p:sp>
+      <p:cxnSp>
+        <p:nvCxnSpPr>
+          <p:cNvPr id="117" name="직선 화살표 연결선 116">
+            <a:extLst>
+              <a:ext uri="{FF2B5EF4-FFF2-40B4-BE49-F238E27FC236}">
+                <a16:creationId xmlns:a16="http://schemas.microsoft.com/office/drawing/2014/main" id="{C710A95E-96C6-4DFC-A79E-29F55F76E974}"/>
+              </a:ext>
+            </a:extLst>
+          </p:cNvPr>
+          <p:cNvCxnSpPr>
+            <a:cxnSpLocks/>
+            <a:stCxn id="114" idx="1"/>
+            <a:endCxn id="115" idx="3"/>
+          </p:cNvCxnSpPr>
+          <p:nvPr/>
+        </p:nvCxnSpPr>
+        <p:spPr>
+          <a:xfrm flipH="1">
+            <a:off x="6524451" y="3907926"/>
+            <a:ext cx="313853" cy="0"/>
+          </a:xfrm>
+          <a:prstGeom prst="straightConnector1">
+            <a:avLst/>
+          </a:prstGeom>
+          <a:ln w="28575">
+            <a:solidFill>
+              <a:schemeClr val="tx1"/>
+            </a:solidFill>
+            <a:headEnd type="none" w="med" len="med"/>
+            <a:tailEnd type="arrow" w="med" len="med"/>
+          </a:ln>
+        </p:spPr>
+        <p:style>
+          <a:lnRef idx="1">
+            <a:schemeClr val="accent1"/>
+          </a:lnRef>
+          <a:fillRef idx="0">
+            <a:schemeClr val="accent1"/>
+          </a:fillRef>
+          <a:effectRef idx="0">
+            <a:schemeClr val="accent1"/>
+          </a:effectRef>
+          <a:fontRef idx="minor">
+            <a:schemeClr val="tx1"/>
+          </a:fontRef>
+        </p:style>
+      </p:cxnSp>
+    </p:spTree>
+    <p:extLst>
+      <p:ext uri="{BB962C8B-B14F-4D97-AF65-F5344CB8AC3E}">
+        <p14:creationId xmlns:p14="http://schemas.microsoft.com/office/powerpoint/2010/main" val="2074279122"/>
+      </p:ext>
+    </p:extLst>
+  </p:cSld>
+  <p:clrMapOvr>
+    <a:masterClrMapping/>
+  </p:clrMapOvr>
+</p:sld>
+</file>
+
+<file path=ppt/slides/slide2.xml><?xml version="1.0" encoding="utf-8"?>
+<p:sld xmlns:a="http://schemas.openxmlformats.org/drawingml/2006/main" xmlns:r="http://schemas.openxmlformats.org/officeDocument/2006/relationships" xmlns:p="http://schemas.openxmlformats.org/presentationml/2006/main">
+  <p:cSld>
+    <p:spTree>
+      <p:nvGrpSpPr>
+        <p:cNvPr id="1" name=""/>
+        <p:cNvGrpSpPr/>
+        <p:nvPr/>
+      </p:nvGrpSpPr>
+      <p:grpSpPr>
+        <a:xfrm>
+          <a:off x="0" y="0"/>
+          <a:ext cx="0" cy="0"/>
+          <a:chOff x="0" y="0"/>
+          <a:chExt cx="0" cy="0"/>
+        </a:xfrm>
+      </p:grpSpPr>
+    </p:spTree>
+    <p:extLst>
+      <p:ext uri="{BB962C8B-B14F-4D97-AF65-F5344CB8AC3E}">
+        <p14:creationId xmlns:p14="http://schemas.microsoft.com/office/powerpoint/2010/main" val="723130218"/>
+      </p:ext>
+    </p:extLst>
+  </p:cSld>
+  <p:clrMapOvr>
+    <a:masterClrMapping/>
+  </p:clrMapOvr>
+</p:sld>
+</file>
+
+<file path=ppt/slides/slide3.xml><?xml version="1.0" encoding="utf-8"?>
+<p:sld xmlns:a="http://schemas.openxmlformats.org/drawingml/2006/main" xmlns:r="http://schemas.openxmlformats.org/officeDocument/2006/relationships" xmlns:p="http://schemas.openxmlformats.org/presentationml/2006/main">
+  <p:cSld>
+    <p:spTree>
+      <p:nvGrpSpPr>
+        <p:cNvPr id="1" name=""/>
+        <p:cNvGrpSpPr/>
+        <p:nvPr/>
+      </p:nvGrpSpPr>
+      <p:grpSpPr>
+        <a:xfrm>
+          <a:off x="0" y="0"/>
+          <a:ext cx="0" cy="0"/>
+          <a:chOff x="0" y="0"/>
+          <a:chExt cx="0" cy="0"/>
+        </a:xfrm>
+      </p:grpSpPr>
+      <p:sp>
+        <p:nvSpPr>
+          <p:cNvPr id="2" name="제목 1">
+            <a:extLst>
+              <a:ext uri="{FF2B5EF4-FFF2-40B4-BE49-F238E27FC236}">
+                <a16:creationId xmlns:a16="http://schemas.microsoft.com/office/drawing/2014/main" id="{8738443D-5E72-49E2-86AC-581D61C41C39}"/>
+              </a:ext>
+            </a:extLst>
+          </p:cNvPr>
+          <p:cNvSpPr>
+            <a:spLocks noGrp="1"/>
+          </p:cNvSpPr>
+          <p:nvPr>
+            <p:ph type="title"/>
+          </p:nvPr>
+        </p:nvSpPr>
+        <p:spPr>
+          <a:xfrm>
+            <a:off x="457200" y="-812626"/>
+            <a:ext cx="8229600" cy="857250"/>
+          </a:xfrm>
+        </p:spPr>
+        <p:txBody>
+          <a:bodyPr>
+            <a:normAutofit/>
+          </a:bodyPr>
+          <a:lstStyle/>
+          <a:p>
+            <a:r>
+              <a:rPr lang="en-US" altLang="ko-KR"/>
+              <a:t>Nginx Ingress Controller</a:t>
+            </a:r>
+            <a:endParaRPr lang="ko-KR" altLang="en-US" dirty="0"/>
+          </a:p>
+        </p:txBody>
+      </p:sp>
+      <p:sp>
+        <p:nvSpPr>
+          <p:cNvPr id="140" name="사각형: 둥근 모서리 139">
+            <a:extLst>
+              <a:ext uri="{FF2B5EF4-FFF2-40B4-BE49-F238E27FC236}">
+                <a16:creationId xmlns:a16="http://schemas.microsoft.com/office/drawing/2014/main" id="{6133B965-2186-40C3-8310-51A420E789C4}"/>
+              </a:ext>
+            </a:extLst>
+          </p:cNvPr>
+          <p:cNvSpPr/>
+          <p:nvPr/>
+        </p:nvSpPr>
+        <p:spPr>
+          <a:xfrm>
+            <a:off x="107505" y="1881602"/>
+            <a:ext cx="1042245" cy="489130"/>
+          </a:xfrm>
+          <a:prstGeom prst="roundRect">
+            <a:avLst>
+              <a:gd name="adj" fmla="val 8065"/>
+            </a:avLst>
+          </a:prstGeom>
+        </p:spPr>
+        <p:style>
+          <a:lnRef idx="2">
+            <a:schemeClr val="dk1"/>
+          </a:lnRef>
+          <a:fillRef idx="1">
+            <a:schemeClr val="lt1"/>
+          </a:fillRef>
+          <a:effectRef idx="0">
+            <a:schemeClr val="dk1"/>
+          </a:effectRef>
+          <a:fontRef idx="minor">
+            <a:schemeClr val="dk1"/>
+          </a:fontRef>
+        </p:style>
+        <p:txBody>
+          <a:bodyPr rtlCol="0" anchor="ctr"/>
+          <a:lstStyle/>
+          <a:p>
+            <a:pPr algn="ctr"/>
+            <a:r>
+              <a:rPr lang="en-US" altLang="ko-KR" sz="1200"/>
+              <a:t>Kube API </a:t>
+            </a:r>
+          </a:p>
+          <a:p>
+            <a:pPr algn="ctr"/>
+            <a:r>
+              <a:rPr lang="en-US" altLang="ko-KR" sz="1200"/>
+              <a:t>Server</a:t>
+            </a:r>
+            <a:endParaRPr lang="ko-KR" altLang="en-US" sz="1200"/>
+          </a:p>
+        </p:txBody>
+      </p:sp>
+      <p:sp>
+        <p:nvSpPr>
+          <p:cNvPr id="20" name="사각형: 둥근 모서리 19">
+            <a:extLst>
+              <a:ext uri="{FF2B5EF4-FFF2-40B4-BE49-F238E27FC236}">
+                <a16:creationId xmlns:a16="http://schemas.microsoft.com/office/drawing/2014/main" id="{CA76CEC8-9AE1-4D62-A438-C3E2735DE7A3}"/>
+              </a:ext>
+            </a:extLst>
+          </p:cNvPr>
+          <p:cNvSpPr/>
+          <p:nvPr/>
+        </p:nvSpPr>
+        <p:spPr>
+          <a:xfrm>
+            <a:off x="107505" y="3217621"/>
+            <a:ext cx="1042245" cy="489130"/>
+          </a:xfrm>
+          <a:prstGeom prst="roundRect">
+            <a:avLst>
+              <a:gd name="adj" fmla="val 9140"/>
+            </a:avLst>
+          </a:prstGeom>
+        </p:spPr>
+        <p:style>
+          <a:lnRef idx="2">
+            <a:schemeClr val="dk1"/>
+          </a:lnRef>
+          <a:fillRef idx="1">
+            <a:schemeClr val="lt1"/>
+          </a:fillRef>
+          <a:effectRef idx="0">
+            <a:schemeClr val="dk1"/>
+          </a:effectRef>
+          <a:fontRef idx="minor">
+            <a:schemeClr val="dk1"/>
+          </a:fontRef>
+        </p:style>
+        <p:txBody>
+          <a:bodyPr rtlCol="0" anchor="ctr"/>
+          <a:lstStyle/>
+          <a:p>
+            <a:pPr algn="ctr"/>
+            <a:r>
+              <a:rPr lang="en-US" altLang="ko-KR" sz="1200"/>
+              <a:t>Prometheus</a:t>
+            </a:r>
+            <a:endParaRPr lang="ko-KR" altLang="en-US" sz="1200"/>
+          </a:p>
+        </p:txBody>
+      </p:sp>
+      <p:sp>
+        <p:nvSpPr>
+          <p:cNvPr id="119" name="사각형: 둥근 모서리 118">
+            <a:extLst>
+              <a:ext uri="{FF2B5EF4-FFF2-40B4-BE49-F238E27FC236}">
+                <a16:creationId xmlns:a16="http://schemas.microsoft.com/office/drawing/2014/main" id="{A334B54C-8078-48AF-8265-FADA53E12ABF}"/>
+              </a:ext>
+            </a:extLst>
+          </p:cNvPr>
+          <p:cNvSpPr/>
+          <p:nvPr/>
+        </p:nvSpPr>
+        <p:spPr>
+          <a:xfrm>
+            <a:off x="5148064" y="602340"/>
+            <a:ext cx="1124464" cy="363463"/>
+          </a:xfrm>
+          <a:prstGeom prst="roundRect">
+            <a:avLst>
+              <a:gd name="adj" fmla="val 8441"/>
+            </a:avLst>
+          </a:prstGeom>
+        </p:spPr>
+        <p:style>
+          <a:lnRef idx="2">
+            <a:schemeClr val="dk1"/>
+          </a:lnRef>
+          <a:fillRef idx="1">
+            <a:schemeClr val="lt1"/>
+          </a:fillRef>
+          <a:effectRef idx="0">
+            <a:schemeClr val="dk1"/>
+          </a:effectRef>
+          <a:fontRef idx="minor">
+            <a:schemeClr val="dk1"/>
+          </a:fontRef>
+        </p:style>
+        <p:txBody>
+          <a:bodyPr rtlCol="0" anchor="ctr"/>
+          <a:lstStyle/>
+          <a:p>
+            <a:pPr algn="ctr"/>
+            <a:r>
+              <a:rPr lang="en-US" altLang="ko-KR" sz="1200"/>
+              <a:t>Client</a:t>
+            </a:r>
+          </a:p>
+        </p:txBody>
+      </p:sp>
+      <p:sp>
+        <p:nvSpPr>
+          <p:cNvPr id="129" name="사각형: 둥근 모서리 128">
+            <a:extLst>
+              <a:ext uri="{FF2B5EF4-FFF2-40B4-BE49-F238E27FC236}">
+                <a16:creationId xmlns:a16="http://schemas.microsoft.com/office/drawing/2014/main" id="{B9DB8EE3-ED5D-485F-8070-845DDAD06649}"/>
+              </a:ext>
+            </a:extLst>
+          </p:cNvPr>
+          <p:cNvSpPr/>
+          <p:nvPr/>
+        </p:nvSpPr>
+        <p:spPr>
+          <a:xfrm>
+            <a:off x="6465661" y="595173"/>
+            <a:ext cx="1124464" cy="363463"/>
+          </a:xfrm>
+          <a:prstGeom prst="roundRect">
+            <a:avLst>
+              <a:gd name="adj" fmla="val 8441"/>
+            </a:avLst>
+          </a:prstGeom>
+        </p:spPr>
+        <p:style>
+          <a:lnRef idx="2">
+            <a:schemeClr val="dk1"/>
+          </a:lnRef>
+          <a:fillRef idx="1">
+            <a:schemeClr val="lt1"/>
+          </a:fillRef>
+          <a:effectRef idx="0">
+            <a:schemeClr val="dk1"/>
+          </a:effectRef>
+          <a:fontRef idx="minor">
+            <a:schemeClr val="dk1"/>
+          </a:fontRef>
+        </p:style>
+        <p:txBody>
+          <a:bodyPr rtlCol="0" anchor="ctr"/>
+          <a:lstStyle/>
+          <a:p>
+            <a:pPr algn="ctr"/>
+            <a:r>
+              <a:rPr lang="en-US" altLang="ko-KR" sz="1200"/>
+              <a:t>app Pod A</a:t>
+            </a:r>
+          </a:p>
+        </p:txBody>
+      </p:sp>
+      <p:sp>
+        <p:nvSpPr>
+          <p:cNvPr id="133" name="사각형: 둥근 모서리 132">
+            <a:extLst>
+              <a:ext uri="{FF2B5EF4-FFF2-40B4-BE49-F238E27FC236}">
+                <a16:creationId xmlns:a16="http://schemas.microsoft.com/office/drawing/2014/main" id="{DA6E8B67-C65B-4CA2-B000-74AF8665BA12}"/>
+              </a:ext>
+            </a:extLst>
+          </p:cNvPr>
+          <p:cNvSpPr/>
+          <p:nvPr/>
+        </p:nvSpPr>
+        <p:spPr>
+          <a:xfrm>
+            <a:off x="7783256" y="595631"/>
+            <a:ext cx="1124464" cy="363463"/>
+          </a:xfrm>
+          <a:prstGeom prst="roundRect">
+            <a:avLst>
+              <a:gd name="adj" fmla="val 8441"/>
+            </a:avLst>
+          </a:prstGeom>
+        </p:spPr>
+        <p:style>
+          <a:lnRef idx="2">
+            <a:schemeClr val="dk1"/>
+          </a:lnRef>
+          <a:fillRef idx="1">
+            <a:schemeClr val="lt1"/>
+          </a:fillRef>
+          <a:effectRef idx="0">
+            <a:schemeClr val="dk1"/>
+          </a:effectRef>
+          <a:fontRef idx="minor">
+            <a:schemeClr val="dk1"/>
+          </a:fontRef>
+        </p:style>
+        <p:txBody>
+          <a:bodyPr rtlCol="0" anchor="ctr"/>
+          <a:lstStyle/>
+          <a:p>
+            <a:pPr algn="ctr"/>
+            <a:r>
+              <a:rPr lang="en-US" altLang="ko-KR" sz="1200"/>
+              <a:t>app Pod B</a:t>
+            </a:r>
+          </a:p>
+        </p:txBody>
+      </p:sp>
+      <p:sp>
+        <p:nvSpPr>
+          <p:cNvPr id="139" name="사각형: 둥근 모서리 138">
+            <a:extLst>
+              <a:ext uri="{FF2B5EF4-FFF2-40B4-BE49-F238E27FC236}">
+                <a16:creationId xmlns:a16="http://schemas.microsoft.com/office/drawing/2014/main" id="{76159E96-5B63-4234-AD8C-F0184670315E}"/>
+              </a:ext>
+            </a:extLst>
+          </p:cNvPr>
+          <p:cNvSpPr/>
+          <p:nvPr/>
+        </p:nvSpPr>
+        <p:spPr>
+          <a:xfrm>
+            <a:off x="1269587" y="1074851"/>
+            <a:ext cx="7645813" cy="3364186"/>
+          </a:xfrm>
+          <a:prstGeom prst="roundRect">
+            <a:avLst>
+              <a:gd name="adj" fmla="val 3766"/>
+            </a:avLst>
+          </a:prstGeom>
+        </p:spPr>
+        <p:style>
+          <a:lnRef idx="2">
+            <a:schemeClr val="dk1"/>
+          </a:lnRef>
+          <a:fillRef idx="1">
+            <a:schemeClr val="lt1"/>
+          </a:fillRef>
+          <a:effectRef idx="0">
+            <a:schemeClr val="dk1"/>
+          </a:effectRef>
+          <a:fontRef idx="minor">
+            <a:schemeClr val="dk1"/>
+          </a:fontRef>
+        </p:style>
+        <p:txBody>
+          <a:bodyPr rtlCol="0" anchor="b"/>
+          <a:lstStyle/>
+          <a:p>
+            <a:pPr algn="r"/>
+            <a:r>
+              <a:rPr lang="en-US" altLang="ko-KR" sz="1400" b="1"/>
+              <a:t>Nginx Ingress Controller Pod</a:t>
+            </a:r>
+            <a:endParaRPr lang="ko-KR" altLang="en-US" sz="1400" b="1"/>
+          </a:p>
+        </p:txBody>
+      </p:sp>
+      <p:sp>
+        <p:nvSpPr>
+          <p:cNvPr id="143" name="사각형: 둥근 모서리 142">
+            <a:extLst>
+              <a:ext uri="{FF2B5EF4-FFF2-40B4-BE49-F238E27FC236}">
+                <a16:creationId xmlns:a16="http://schemas.microsoft.com/office/drawing/2014/main" id="{68F9AD81-A223-4D05-8A9B-00DD54217704}"/>
+              </a:ext>
+            </a:extLst>
+          </p:cNvPr>
+          <p:cNvSpPr/>
+          <p:nvPr/>
+        </p:nvSpPr>
+        <p:spPr>
+          <a:xfrm>
+            <a:off x="4074356" y="1266816"/>
+            <a:ext cx="4726744" cy="2430904"/>
+          </a:xfrm>
+          <a:prstGeom prst="roundRect">
+            <a:avLst>
+              <a:gd name="adj" fmla="val 4176"/>
+            </a:avLst>
+          </a:prstGeom>
+        </p:spPr>
+        <p:style>
+          <a:lnRef idx="2">
+            <a:schemeClr val="dk1"/>
+          </a:lnRef>
+          <a:fillRef idx="1">
+            <a:schemeClr val="lt1"/>
+          </a:fillRef>
+          <a:effectRef idx="0">
+            <a:schemeClr val="dk1"/>
+          </a:effectRef>
+          <a:fontRef idx="minor">
+            <a:schemeClr val="dk1"/>
+          </a:fontRef>
+        </p:style>
+        <p:txBody>
+          <a:bodyPr rtlCol="0" anchor="t"/>
+          <a:lstStyle/>
+          <a:p>
+            <a:pPr algn="ctr"/>
+            <a:r>
+              <a:rPr lang="en-US" altLang="ko-KR" sz="1400" b="1"/>
+              <a:t>Nginx</a:t>
+            </a:r>
+            <a:endParaRPr lang="ko-KR" altLang="en-US" sz="1400" b="1"/>
+          </a:p>
+        </p:txBody>
+      </p:sp>
+      <p:sp>
+        <p:nvSpPr>
+          <p:cNvPr id="144" name="사각형: 둥근 모서리 143">
+            <a:extLst>
+              <a:ext uri="{FF2B5EF4-FFF2-40B4-BE49-F238E27FC236}">
+                <a16:creationId xmlns:a16="http://schemas.microsoft.com/office/drawing/2014/main" id="{2B1E0DF8-FE5F-4C3C-8398-FFCA7DC29090}"/>
+              </a:ext>
+            </a:extLst>
+          </p:cNvPr>
+          <p:cNvSpPr/>
+          <p:nvPr/>
+        </p:nvSpPr>
+        <p:spPr>
+          <a:xfrm>
+            <a:off x="4208859" y="3215751"/>
+            <a:ext cx="1670573" cy="360039"/>
+          </a:xfrm>
+          <a:prstGeom prst="roundRect">
+            <a:avLst>
+              <a:gd name="adj" fmla="val 19110"/>
+            </a:avLst>
+          </a:prstGeom>
+          <a:ln>
+            <a:solidFill>
+              <a:schemeClr val="tx2"/>
+            </a:solidFill>
+          </a:ln>
+        </p:spPr>
+        <p:style>
+          <a:lnRef idx="2">
+            <a:schemeClr val="dk1"/>
+          </a:lnRef>
+          <a:fillRef idx="1">
+            <a:schemeClr val="lt1"/>
+          </a:fillRef>
+          <a:effectRef idx="0">
+            <a:schemeClr val="dk1"/>
+          </a:effectRef>
+          <a:fontRef idx="minor">
+            <a:schemeClr val="dk1"/>
+          </a:fontRef>
+        </p:style>
+        <p:txBody>
+          <a:bodyPr rtlCol="0" anchor="ctr"/>
+          <a:lstStyle/>
+          <a:p>
+            <a:r>
+              <a:rPr lang="en-US" altLang="ko-KR" sz="1200"/>
+              <a:t>:[10246, 80]</a:t>
+            </a:r>
+          </a:p>
+          <a:p>
+            <a:r>
+              <a:rPr lang="en-US" altLang="ko-KR" sz="1200"/>
+              <a:t>/nginx_status </a:t>
+            </a:r>
+          </a:p>
+        </p:txBody>
+      </p:sp>
+      <p:sp>
+        <p:nvSpPr>
+          <p:cNvPr id="236" name="사각형: 둥근 모서리 235">
+            <a:extLst>
+              <a:ext uri="{FF2B5EF4-FFF2-40B4-BE49-F238E27FC236}">
+                <a16:creationId xmlns:a16="http://schemas.microsoft.com/office/drawing/2014/main" id="{94B4B987-4AEB-4C59-B850-DA6D34771A97}"/>
+              </a:ext>
+            </a:extLst>
+          </p:cNvPr>
+          <p:cNvSpPr/>
+          <p:nvPr/>
+        </p:nvSpPr>
+        <p:spPr>
+          <a:xfrm>
+            <a:off x="4208857" y="2221802"/>
+            <a:ext cx="1670575" cy="634561"/>
+          </a:xfrm>
+          <a:prstGeom prst="roundRect">
+            <a:avLst>
+              <a:gd name="adj" fmla="val 11412"/>
+            </a:avLst>
+          </a:prstGeom>
+          <a:ln>
+            <a:solidFill>
+              <a:schemeClr val="tx2"/>
+            </a:solidFill>
+          </a:ln>
+        </p:spPr>
+        <p:style>
+          <a:lnRef idx="2">
+            <a:schemeClr val="dk1"/>
+          </a:lnRef>
+          <a:fillRef idx="1">
+            <a:schemeClr val="lt1"/>
+          </a:fillRef>
+          <a:effectRef idx="0">
+            <a:schemeClr val="dk1"/>
+          </a:effectRef>
+          <a:fontRef idx="minor">
+            <a:schemeClr val="dk1"/>
+          </a:fontRef>
+        </p:style>
+        <p:txBody>
+          <a:bodyPr rtlCol="0" anchor="ctr"/>
+          <a:lstStyle/>
+          <a:p>
+            <a:r>
+              <a:rPr lang="en-US" altLang="ko-KR" sz="1200"/>
+              <a:t>:10246/configuration/[backends, servers, general]</a:t>
+            </a:r>
+            <a:endParaRPr lang="ko-KR" altLang="en-US" sz="1200"/>
+          </a:p>
+        </p:txBody>
+      </p:sp>
+      <p:sp>
+        <p:nvSpPr>
+          <p:cNvPr id="19" name="사각형: 둥근 모서리 18">
+            <a:extLst>
+              <a:ext uri="{FF2B5EF4-FFF2-40B4-BE49-F238E27FC236}">
+                <a16:creationId xmlns:a16="http://schemas.microsoft.com/office/drawing/2014/main" id="{2E1EB2F0-F130-43BF-AB8B-9414EAD07553}"/>
+              </a:ext>
+            </a:extLst>
+          </p:cNvPr>
+          <p:cNvSpPr/>
+          <p:nvPr/>
+        </p:nvSpPr>
+        <p:spPr>
+          <a:xfrm>
+            <a:off x="4208859" y="2856363"/>
+            <a:ext cx="1670573" cy="360039"/>
+          </a:xfrm>
+          <a:prstGeom prst="roundRect">
+            <a:avLst>
+              <a:gd name="adj" fmla="val 19110"/>
+            </a:avLst>
+          </a:prstGeom>
+          <a:ln>
+            <a:solidFill>
+              <a:schemeClr val="tx2"/>
+            </a:solidFill>
+          </a:ln>
+        </p:spPr>
+        <p:style>
+          <a:lnRef idx="2">
+            <a:schemeClr val="dk1"/>
+          </a:lnRef>
+          <a:fillRef idx="1">
+            <a:schemeClr val="lt1"/>
+          </a:fillRef>
+          <a:effectRef idx="0">
+            <a:schemeClr val="dk1"/>
+          </a:effectRef>
+          <a:fontRef idx="minor">
+            <a:schemeClr val="dk1"/>
+          </a:fontRef>
+        </p:style>
+        <p:txBody>
+          <a:bodyPr rtlCol="0" anchor="ctr"/>
+          <a:lstStyle/>
+          <a:p>
+            <a:r>
+              <a:rPr lang="en-US" altLang="ko-KR" sz="1200"/>
+              <a:t>:[10246, 80]</a:t>
+            </a:r>
+          </a:p>
+          <a:p>
+            <a:r>
+              <a:rPr lang="en-US" altLang="ko-KR" sz="1200"/>
+              <a:t>/healthz </a:t>
+            </a:r>
+          </a:p>
+        </p:txBody>
+      </p:sp>
+      <p:sp>
+        <p:nvSpPr>
+          <p:cNvPr id="26" name="사각형: 둥근 모서리 25">
+            <a:extLst>
+              <a:ext uri="{FF2B5EF4-FFF2-40B4-BE49-F238E27FC236}">
+                <a16:creationId xmlns:a16="http://schemas.microsoft.com/office/drawing/2014/main" id="{F2323ECB-AF40-49C3-BD44-988540CAD053}"/>
+              </a:ext>
+            </a:extLst>
+          </p:cNvPr>
+          <p:cNvSpPr/>
+          <p:nvPr/>
+        </p:nvSpPr>
+        <p:spPr>
+          <a:xfrm>
+            <a:off x="2195736" y="3879088"/>
+            <a:ext cx="1017054" cy="450432"/>
+          </a:xfrm>
+          <a:prstGeom prst="roundRect">
+            <a:avLst>
+              <a:gd name="adj" fmla="val 13997"/>
+            </a:avLst>
+          </a:prstGeom>
+        </p:spPr>
+        <p:style>
+          <a:lnRef idx="2">
+            <a:schemeClr val="dk1"/>
+          </a:lnRef>
+          <a:fillRef idx="1">
+            <a:schemeClr val="lt1"/>
+          </a:fillRef>
+          <a:effectRef idx="0">
+            <a:schemeClr val="dk1"/>
+          </a:effectRef>
+          <a:fontRef idx="minor">
+            <a:schemeClr val="dk1"/>
+          </a:fontRef>
+        </p:style>
+        <p:txBody>
+          <a:bodyPr rtlCol="0" anchor="ctr"/>
+          <a:lstStyle/>
+          <a:p>
+            <a:pPr algn="ctr"/>
+            <a:r>
+              <a:rPr lang="en-US" altLang="ko-KR" sz="1200"/>
+              <a:t>/proc (procfs)</a:t>
+            </a:r>
+            <a:endParaRPr lang="ko-KR" altLang="en-US" sz="1200"/>
+          </a:p>
+        </p:txBody>
+      </p:sp>
+      <p:sp>
+        <p:nvSpPr>
+          <p:cNvPr id="40" name="사각형: 둥근 모서리 39">
+            <a:extLst>
+              <a:ext uri="{FF2B5EF4-FFF2-40B4-BE49-F238E27FC236}">
+                <a16:creationId xmlns:a16="http://schemas.microsoft.com/office/drawing/2014/main" id="{E63E86B2-2124-4989-9233-29DF518955DB}"/>
+              </a:ext>
+            </a:extLst>
+          </p:cNvPr>
+          <p:cNvSpPr/>
+          <p:nvPr/>
+        </p:nvSpPr>
+        <p:spPr>
+          <a:xfrm>
+            <a:off x="3335020" y="3879088"/>
+            <a:ext cx="1588950" cy="450432"/>
+          </a:xfrm>
+          <a:prstGeom prst="roundRect">
+            <a:avLst>
+              <a:gd name="adj" fmla="val 12118"/>
+            </a:avLst>
+          </a:prstGeom>
+        </p:spPr>
+        <p:style>
+          <a:lnRef idx="2">
+            <a:schemeClr val="dk1"/>
+          </a:lnRef>
+          <a:fillRef idx="1">
+            <a:schemeClr val="lt1"/>
+          </a:fillRef>
+          <a:effectRef idx="0">
+            <a:schemeClr val="dk1"/>
+          </a:effectRef>
+          <a:fontRef idx="minor">
+            <a:schemeClr val="dk1"/>
+          </a:fontRef>
+        </p:style>
+        <p:txBody>
+          <a:bodyPr rtlCol="0" anchor="ctr"/>
+          <a:lstStyle/>
+          <a:p>
+            <a:pPr algn="ctr"/>
+            <a:r>
+              <a:rPr lang="en-US" altLang="ko-KR" sz="1200"/>
+              <a:t>/tmp/prometheus-nginx.socket</a:t>
+            </a:r>
+            <a:endParaRPr lang="ko-KR" altLang="en-US" sz="1200"/>
+          </a:p>
+        </p:txBody>
+      </p:sp>
+      <p:sp>
+        <p:nvSpPr>
+          <p:cNvPr id="237" name="사각형: 둥근 모서리 236">
+            <a:extLst>
+              <a:ext uri="{FF2B5EF4-FFF2-40B4-BE49-F238E27FC236}">
+                <a16:creationId xmlns:a16="http://schemas.microsoft.com/office/drawing/2014/main" id="{41CF082C-4079-4C3D-8B6F-4C3A296D899C}"/>
+              </a:ext>
+            </a:extLst>
+          </p:cNvPr>
+          <p:cNvSpPr/>
+          <p:nvPr/>
+        </p:nvSpPr>
+        <p:spPr>
+          <a:xfrm>
+            <a:off x="1391531" y="1184919"/>
+            <a:ext cx="2523010" cy="2594698"/>
+          </a:xfrm>
+          <a:prstGeom prst="roundRect">
+            <a:avLst>
+              <a:gd name="adj" fmla="val 3553"/>
+            </a:avLst>
+          </a:prstGeom>
+        </p:spPr>
+        <p:style>
+          <a:lnRef idx="2">
+            <a:schemeClr val="dk1"/>
+          </a:lnRef>
+          <a:fillRef idx="1">
+            <a:schemeClr val="lt1"/>
+          </a:fillRef>
+          <a:effectRef idx="0">
+            <a:schemeClr val="dk1"/>
+          </a:effectRef>
+          <a:fontRef idx="minor">
+            <a:schemeClr val="dk1"/>
+          </a:fontRef>
+        </p:style>
+        <p:txBody>
+          <a:bodyPr rtlCol="0" anchor="t"/>
+          <a:lstStyle/>
+          <a:p>
+            <a:pPr algn="ctr"/>
+            <a:r>
+              <a:rPr lang="en-US" altLang="ko-KR" sz="1400" b="1"/>
+              <a:t>Nginx Ingress Controller </a:t>
+            </a:r>
+          </a:p>
+          <a:p>
+            <a:pPr algn="ctr"/>
+            <a:r>
+              <a:rPr lang="en-US" altLang="ko-KR" sz="1400" b="1"/>
+              <a:t>(Leader or Non-leader)</a:t>
+            </a:r>
+            <a:endParaRPr lang="ko-KR" altLang="en-US" sz="1400" b="1"/>
+          </a:p>
+        </p:txBody>
+      </p:sp>
+      <p:grpSp>
+        <p:nvGrpSpPr>
+          <p:cNvPr id="4" name="그룹 3">
+            <a:extLst>
+              <a:ext uri="{FF2B5EF4-FFF2-40B4-BE49-F238E27FC236}">
+                <a16:creationId xmlns:a16="http://schemas.microsoft.com/office/drawing/2014/main" id="{72648EF2-47D1-46EA-A6C6-E7EDA388E97C}"/>
+              </a:ext>
+            </a:extLst>
+          </p:cNvPr>
+          <p:cNvGrpSpPr/>
+          <p:nvPr/>
+        </p:nvGrpSpPr>
+        <p:grpSpPr>
+          <a:xfrm>
+            <a:off x="1528574" y="1759139"/>
+            <a:ext cx="1003708" cy="734055"/>
+            <a:chOff x="2880900" y="2460170"/>
+            <a:chExt cx="1357808" cy="901775"/>
+          </a:xfrm>
+        </p:grpSpPr>
+        <p:sp>
+          <p:nvSpPr>
+            <p:cNvPr id="242" name="사각형: 둥근 모서리 241">
+              <a:extLst>
+                <a:ext uri="{FF2B5EF4-FFF2-40B4-BE49-F238E27FC236}">
+                  <a16:creationId xmlns:a16="http://schemas.microsoft.com/office/drawing/2014/main" id="{38C32A90-447A-4BAB-8F2C-8FBDA366DE32}"/>
+                </a:ext>
+              </a:extLst>
+            </p:cNvPr>
+            <p:cNvSpPr/>
+            <p:nvPr/>
+          </p:nvSpPr>
+          <p:spPr>
+            <a:xfrm>
+              <a:off x="2880900" y="2460170"/>
+              <a:ext cx="1357808" cy="901775"/>
+            </a:xfrm>
+            <a:prstGeom prst="roundRect">
+              <a:avLst>
+                <a:gd name="adj" fmla="val 8441"/>
+              </a:avLst>
+            </a:prstGeom>
+          </p:spPr>
+          <p:style>
+            <a:lnRef idx="2">
+              <a:schemeClr val="dk1"/>
+            </a:lnRef>
+            <a:fillRef idx="1">
+              <a:schemeClr val="lt1"/>
+            </a:fillRef>
+            <a:effectRef idx="0">
+              <a:schemeClr val="dk1"/>
+            </a:effectRef>
+            <a:fontRef idx="minor">
+              <a:schemeClr val="dk1"/>
+            </a:fontRef>
+          </p:style>
+          <p:txBody>
+            <a:bodyPr rtlCol="0" anchor="b"/>
+            <a:lstStyle/>
+            <a:p>
+              <a:pPr algn="ctr"/>
+              <a:r>
+                <a:rPr lang="en-US" altLang="ko-KR" sz="1200" b="1"/>
+                <a:t>Store</a:t>
+              </a:r>
+              <a:endParaRPr lang="ko-KR" altLang="en-US" sz="1200" b="1"/>
+            </a:p>
+          </p:txBody>
+        </p:sp>
+        <p:sp>
+          <p:nvSpPr>
+            <p:cNvPr id="244" name="사각형: 둥근 모서리 243">
+              <a:extLst>
+                <a:ext uri="{FF2B5EF4-FFF2-40B4-BE49-F238E27FC236}">
+                  <a16:creationId xmlns:a16="http://schemas.microsoft.com/office/drawing/2014/main" id="{3659B64B-8DE2-4BDF-849A-D964DBFF07DC}"/>
+                </a:ext>
+              </a:extLst>
+            </p:cNvPr>
+            <p:cNvSpPr/>
+            <p:nvPr/>
+          </p:nvSpPr>
+          <p:spPr>
+            <a:xfrm>
+              <a:off x="3007324" y="2571750"/>
+              <a:ext cx="1104960" cy="432049"/>
+            </a:xfrm>
+            <a:prstGeom prst="roundRect">
+              <a:avLst>
+                <a:gd name="adj" fmla="val 12199"/>
+              </a:avLst>
+            </a:prstGeom>
+          </p:spPr>
+          <p:style>
+            <a:lnRef idx="2">
+              <a:schemeClr val="dk1"/>
+            </a:lnRef>
+            <a:fillRef idx="1">
+              <a:schemeClr val="lt1"/>
+            </a:fillRef>
+            <a:effectRef idx="0">
+              <a:schemeClr val="dk1"/>
+            </a:effectRef>
+            <a:fontRef idx="minor">
+              <a:schemeClr val="dk1"/>
+            </a:fontRef>
+          </p:style>
+          <p:txBody>
+            <a:bodyPr rtlCol="0" anchor="ctr"/>
+            <a:lstStyle/>
+            <a:p>
+              <a:pPr algn="ctr"/>
+              <a:r>
+                <a:rPr lang="en-US" altLang="ko-KR" sz="1200"/>
+                <a:t>client-go</a:t>
+              </a:r>
+              <a:endParaRPr lang="ko-KR" altLang="en-US" sz="1200"/>
+            </a:p>
+          </p:txBody>
+        </p:sp>
+      </p:grpSp>
+      <p:sp>
+        <p:nvSpPr>
+          <p:cNvPr id="22" name="사각형: 둥근 모서리 21">
+            <a:extLst>
+              <a:ext uri="{FF2B5EF4-FFF2-40B4-BE49-F238E27FC236}">
+                <a16:creationId xmlns:a16="http://schemas.microsoft.com/office/drawing/2014/main" id="{83408C6A-E44E-4249-9891-91255735842D}"/>
+              </a:ext>
+            </a:extLst>
+          </p:cNvPr>
+          <p:cNvSpPr/>
+          <p:nvPr/>
+        </p:nvSpPr>
+        <p:spPr>
+          <a:xfrm>
+            <a:off x="2824719" y="3203916"/>
+            <a:ext cx="944970" cy="516539"/>
+          </a:xfrm>
+          <a:prstGeom prst="roundRect">
+            <a:avLst>
+              <a:gd name="adj" fmla="val 8441"/>
+            </a:avLst>
+          </a:prstGeom>
+        </p:spPr>
+        <p:style>
+          <a:lnRef idx="2">
+            <a:schemeClr val="dk1"/>
+          </a:lnRef>
+          <a:fillRef idx="1">
+            <a:schemeClr val="lt1"/>
+          </a:fillRef>
+          <a:effectRef idx="0">
+            <a:schemeClr val="dk1"/>
+          </a:effectRef>
+          <a:fontRef idx="minor">
+            <a:schemeClr val="dk1"/>
+          </a:fontRef>
+        </p:style>
+        <p:txBody>
+          <a:bodyPr rtlCol="0" anchor="ctr"/>
+          <a:lstStyle/>
+          <a:p>
+            <a:pPr algn="ctr"/>
+            <a:r>
+              <a:rPr lang="en-US" altLang="ko-KR" sz="1200"/>
+              <a:t>Metric</a:t>
+            </a:r>
+          </a:p>
+          <a:p>
+            <a:pPr algn="ctr"/>
+            <a:r>
+              <a:rPr lang="en-US" altLang="ko-KR" sz="1200"/>
+              <a:t>Collector</a:t>
+            </a:r>
+            <a:endParaRPr lang="ko-KR" altLang="en-US" sz="1200"/>
+          </a:p>
+        </p:txBody>
+      </p:sp>
+      <p:sp>
+        <p:nvSpPr>
+          <p:cNvPr id="37" name="사각형: 둥근 모서리 36">
+            <a:extLst>
+              <a:ext uri="{FF2B5EF4-FFF2-40B4-BE49-F238E27FC236}">
+                <a16:creationId xmlns:a16="http://schemas.microsoft.com/office/drawing/2014/main" id="{82E4D7C0-EE8E-46CE-B621-6B4C3602335C}"/>
+              </a:ext>
+            </a:extLst>
+          </p:cNvPr>
+          <p:cNvSpPr/>
+          <p:nvPr/>
+        </p:nvSpPr>
+        <p:spPr>
+          <a:xfrm>
+            <a:off x="2824718" y="1867898"/>
+            <a:ext cx="944970" cy="516539"/>
+          </a:xfrm>
+          <a:prstGeom prst="roundRect">
+            <a:avLst>
+              <a:gd name="adj" fmla="val 8441"/>
+            </a:avLst>
+          </a:prstGeom>
+        </p:spPr>
+        <p:style>
+          <a:lnRef idx="2">
+            <a:schemeClr val="dk1"/>
+          </a:lnRef>
+          <a:fillRef idx="1">
+            <a:schemeClr val="lt1"/>
+          </a:fillRef>
+          <a:effectRef idx="0">
+            <a:schemeClr val="dk1"/>
+          </a:effectRef>
+          <a:fontRef idx="minor">
+            <a:schemeClr val="dk1"/>
+          </a:fontRef>
+        </p:style>
+        <p:txBody>
+          <a:bodyPr rtlCol="0" anchor="ctr"/>
+          <a:lstStyle/>
+          <a:p>
+            <a:pPr algn="ctr"/>
+            <a:r>
+              <a:rPr lang="en-US" altLang="ko-KR" sz="1200"/>
+              <a:t>Ingress Sync</a:t>
+            </a:r>
+            <a:endParaRPr lang="ko-KR" altLang="en-US" sz="1200"/>
+          </a:p>
+        </p:txBody>
+      </p:sp>
+      <p:cxnSp>
+        <p:nvCxnSpPr>
+          <p:cNvPr id="38" name="직선 화살표 연결선 37">
+            <a:extLst>
+              <a:ext uri="{FF2B5EF4-FFF2-40B4-BE49-F238E27FC236}">
+                <a16:creationId xmlns:a16="http://schemas.microsoft.com/office/drawing/2014/main" id="{6AAEC1A2-1FF1-46CE-9C2B-740C248EF18F}"/>
+              </a:ext>
+            </a:extLst>
+          </p:cNvPr>
+          <p:cNvCxnSpPr>
+            <a:cxnSpLocks/>
+            <a:stCxn id="242" idx="3"/>
+            <a:endCxn id="37" idx="1"/>
+          </p:cNvCxnSpPr>
+          <p:nvPr/>
+        </p:nvCxnSpPr>
+        <p:spPr>
+          <a:xfrm>
+            <a:off x="2532282" y="2126167"/>
+            <a:ext cx="292436" cy="1"/>
+          </a:xfrm>
+          <a:prstGeom prst="straightConnector1">
+            <a:avLst/>
+          </a:prstGeom>
+          <a:ln w="28575">
+            <a:solidFill>
+              <a:schemeClr val="accent6">
+                <a:lumMod val="75000"/>
+              </a:schemeClr>
+            </a:solidFill>
+            <a:headEnd type="none" w="med" len="med"/>
+            <a:tailEnd type="arrow" w="med" len="med"/>
+          </a:ln>
+        </p:spPr>
+        <p:style>
+          <a:lnRef idx="1">
+            <a:schemeClr val="accent1"/>
+          </a:lnRef>
+          <a:fillRef idx="0">
+            <a:schemeClr val="accent1"/>
+          </a:fillRef>
+          <a:effectRef idx="0">
+            <a:schemeClr val="accent1"/>
+          </a:effectRef>
+          <a:fontRef idx="minor">
+            <a:schemeClr val="tx1"/>
+          </a:fontRef>
+        </p:style>
+      </p:cxnSp>
+      <p:cxnSp>
+        <p:nvCxnSpPr>
+          <p:cNvPr id="42" name="직선 화살표 연결선 41">
+            <a:extLst>
+              <a:ext uri="{FF2B5EF4-FFF2-40B4-BE49-F238E27FC236}">
+                <a16:creationId xmlns:a16="http://schemas.microsoft.com/office/drawing/2014/main" id="{5781D721-61BD-4174-A590-5A9B11283E44}"/>
+              </a:ext>
+            </a:extLst>
+          </p:cNvPr>
+          <p:cNvCxnSpPr>
+            <a:cxnSpLocks/>
+            <a:stCxn id="37" idx="3"/>
+            <a:endCxn id="236" idx="1"/>
+          </p:cNvCxnSpPr>
+          <p:nvPr/>
+        </p:nvCxnSpPr>
+        <p:spPr>
+          <a:xfrm>
+            <a:off x="3769688" y="2126168"/>
+            <a:ext cx="439169" cy="412915"/>
+          </a:xfrm>
+          <a:prstGeom prst="straightConnector1">
+            <a:avLst/>
+          </a:prstGeom>
+          <a:ln w="28575">
+            <a:solidFill>
+              <a:schemeClr val="accent6">
+                <a:lumMod val="75000"/>
+              </a:schemeClr>
+            </a:solidFill>
+            <a:headEnd type="none" w="med" len="med"/>
+            <a:tailEnd type="arrow" w="med" len="med"/>
+          </a:ln>
+        </p:spPr>
+        <p:style>
+          <a:lnRef idx="1">
+            <a:schemeClr val="accent1"/>
+          </a:lnRef>
+          <a:fillRef idx="0">
+            <a:schemeClr val="accent1"/>
+          </a:fillRef>
+          <a:effectRef idx="0">
+            <a:schemeClr val="accent1"/>
+          </a:effectRef>
+          <a:fontRef idx="minor">
+            <a:schemeClr val="tx1"/>
+          </a:fontRef>
+        </p:style>
+      </p:cxnSp>
+      <p:sp>
+        <p:nvSpPr>
+          <p:cNvPr id="102" name="사각형: 둥근 모서리 101">
+            <a:extLst>
+              <a:ext uri="{FF2B5EF4-FFF2-40B4-BE49-F238E27FC236}">
+                <a16:creationId xmlns:a16="http://schemas.microsoft.com/office/drawing/2014/main" id="{59D0AD7F-34EB-4208-9232-C4A53801FD9B}"/>
+              </a:ext>
+            </a:extLst>
+          </p:cNvPr>
+          <p:cNvSpPr/>
+          <p:nvPr/>
+        </p:nvSpPr>
+        <p:spPr>
+          <a:xfrm>
+            <a:off x="4208859" y="1614891"/>
+            <a:ext cx="1670573" cy="360039"/>
+          </a:xfrm>
+          <a:prstGeom prst="roundRect">
+            <a:avLst>
+              <a:gd name="adj" fmla="val 19110"/>
+            </a:avLst>
+          </a:prstGeom>
+          <a:ln>
+            <a:solidFill>
+              <a:schemeClr val="tx2"/>
+            </a:solidFill>
+          </a:ln>
+        </p:spPr>
+        <p:style>
+          <a:lnRef idx="2">
+            <a:schemeClr val="dk1"/>
+          </a:lnRef>
+          <a:fillRef idx="1">
+            <a:schemeClr val="lt1"/>
+          </a:fillRef>
+          <a:effectRef idx="0">
+            <a:schemeClr val="dk1"/>
+          </a:effectRef>
+          <a:fontRef idx="minor">
+            <a:schemeClr val="dk1"/>
+          </a:fontRef>
+        </p:style>
+        <p:txBody>
+          <a:bodyPr rtlCol="0" anchor="ctr"/>
+          <a:lstStyle/>
+          <a:p>
+            <a:r>
+              <a:rPr lang="en-US" altLang="ko-KR" sz="1200"/>
+              <a:t>/app</a:t>
+            </a:r>
+            <a:endParaRPr lang="ko-KR" altLang="en-US" sz="1200"/>
+          </a:p>
+        </p:txBody>
+      </p:sp>
+      <p:cxnSp>
+        <p:nvCxnSpPr>
+          <p:cNvPr id="25" name="직선 화살표 연결선 24">
+            <a:extLst>
+              <a:ext uri="{FF2B5EF4-FFF2-40B4-BE49-F238E27FC236}">
+                <a16:creationId xmlns:a16="http://schemas.microsoft.com/office/drawing/2014/main" id="{95E2DB36-7E46-4BD7-911D-7562E3780029}"/>
+              </a:ext>
+            </a:extLst>
+          </p:cNvPr>
+          <p:cNvCxnSpPr>
+            <a:cxnSpLocks/>
+            <a:stCxn id="22" idx="2"/>
+            <a:endCxn id="26" idx="0"/>
+          </p:cNvCxnSpPr>
+          <p:nvPr/>
+        </p:nvCxnSpPr>
+        <p:spPr>
+          <a:xfrm flipH="1">
+            <a:off x="2704263" y="3720455"/>
+            <a:ext cx="592941" cy="158633"/>
+          </a:xfrm>
+          <a:prstGeom prst="straightConnector1">
+            <a:avLst/>
+          </a:prstGeom>
+          <a:ln w="28575">
+            <a:solidFill>
+              <a:schemeClr val="accent3">
+                <a:lumMod val="75000"/>
+              </a:schemeClr>
+            </a:solidFill>
+            <a:headEnd type="arrow" w="med" len="med"/>
+            <a:tailEnd type="none" w="med" len="med"/>
+          </a:ln>
+        </p:spPr>
+        <p:style>
+          <a:lnRef idx="1">
+            <a:schemeClr val="accent1"/>
+          </a:lnRef>
+          <a:fillRef idx="0">
+            <a:schemeClr val="accent1"/>
+          </a:fillRef>
+          <a:effectRef idx="0">
+            <a:schemeClr val="accent1"/>
+          </a:effectRef>
+          <a:fontRef idx="minor">
+            <a:schemeClr val="tx1"/>
+          </a:fontRef>
+        </p:style>
+      </p:cxnSp>
+      <p:sp>
+        <p:nvSpPr>
+          <p:cNvPr id="272" name="사각형: 둥근 모서리 271">
+            <a:extLst>
+              <a:ext uri="{FF2B5EF4-FFF2-40B4-BE49-F238E27FC236}">
+                <a16:creationId xmlns:a16="http://schemas.microsoft.com/office/drawing/2014/main" id="{2B02C52A-C3E8-4D9C-8956-DAB9B4232F7E}"/>
+              </a:ext>
+            </a:extLst>
+          </p:cNvPr>
+          <p:cNvSpPr/>
+          <p:nvPr/>
+        </p:nvSpPr>
+        <p:spPr>
+          <a:xfrm rot="16200000">
+            <a:off x="6959343" y="2395899"/>
+            <a:ext cx="1960900" cy="398882"/>
+          </a:xfrm>
+          <a:prstGeom prst="roundRect">
+            <a:avLst>
+              <a:gd name="adj" fmla="val 18519"/>
+            </a:avLst>
+          </a:prstGeom>
+          <a:ln>
+            <a:solidFill>
+              <a:schemeClr val="tx1"/>
+            </a:solidFill>
+          </a:ln>
+        </p:spPr>
+        <p:style>
+          <a:lnRef idx="2">
+            <a:schemeClr val="dk1"/>
+          </a:lnRef>
+          <a:fillRef idx="1">
+            <a:schemeClr val="lt1"/>
+          </a:fillRef>
+          <a:effectRef idx="0">
+            <a:schemeClr val="dk1"/>
+          </a:effectRef>
+          <a:fontRef idx="minor">
+            <a:schemeClr val="dk1"/>
+          </a:fontRef>
+        </p:style>
+        <p:txBody>
+          <a:bodyPr rtlCol="0" anchor="ctr"/>
+          <a:lstStyle/>
+          <a:p>
+            <a:pPr algn="ctr"/>
+            <a:r>
+              <a:rPr lang="en-US" altLang="ko-KR" sz="1200"/>
+              <a:t>Endpoint, Certificate </a:t>
+            </a:r>
+          </a:p>
+          <a:p>
+            <a:pPr algn="ctr"/>
+            <a:r>
+              <a:rPr lang="en-US" altLang="ko-KR" sz="1200" b="1"/>
+              <a:t>Shared Memory</a:t>
+            </a:r>
+          </a:p>
+        </p:txBody>
+      </p:sp>
+      <p:cxnSp>
+        <p:nvCxnSpPr>
+          <p:cNvPr id="285" name="직선 화살표 연결선 284">
+            <a:extLst>
+              <a:ext uri="{FF2B5EF4-FFF2-40B4-BE49-F238E27FC236}">
+                <a16:creationId xmlns:a16="http://schemas.microsoft.com/office/drawing/2014/main" id="{7AD63DC0-5832-4767-BCA9-E08374D4457F}"/>
+              </a:ext>
+            </a:extLst>
+          </p:cNvPr>
+          <p:cNvCxnSpPr>
+            <a:cxnSpLocks/>
+            <a:stCxn id="337" idx="3"/>
+            <a:endCxn id="19" idx="1"/>
+          </p:cNvCxnSpPr>
+          <p:nvPr/>
+        </p:nvCxnSpPr>
+        <p:spPr>
+          <a:xfrm>
+            <a:off x="3769688" y="2792459"/>
+            <a:ext cx="439171" cy="243924"/>
+          </a:xfrm>
+          <a:prstGeom prst="straightConnector1">
+            <a:avLst/>
+          </a:prstGeom>
+          <a:ln w="28575">
+            <a:solidFill>
+              <a:schemeClr val="accent1"/>
+            </a:solidFill>
+            <a:headEnd type="none" w="med" len="med"/>
+            <a:tailEnd type="arrow" w="med" len="med"/>
+          </a:ln>
+        </p:spPr>
+        <p:style>
+          <a:lnRef idx="1">
+            <a:schemeClr val="accent1"/>
+          </a:lnRef>
+          <a:fillRef idx="0">
+            <a:schemeClr val="accent1"/>
+          </a:fillRef>
+          <a:effectRef idx="0">
+            <a:schemeClr val="accent1"/>
+          </a:effectRef>
+          <a:fontRef idx="minor">
+            <a:schemeClr val="tx1"/>
+          </a:fontRef>
+        </p:style>
+      </p:cxnSp>
+      <p:sp>
+        <p:nvSpPr>
+          <p:cNvPr id="337" name="사각형: 둥근 모서리 336">
+            <a:extLst>
+              <a:ext uri="{FF2B5EF4-FFF2-40B4-BE49-F238E27FC236}">
+                <a16:creationId xmlns:a16="http://schemas.microsoft.com/office/drawing/2014/main" id="{38A723FC-583B-4106-854F-B32AD5CB9CBC}"/>
+              </a:ext>
+            </a:extLst>
+          </p:cNvPr>
+          <p:cNvSpPr/>
+          <p:nvPr/>
+        </p:nvSpPr>
+        <p:spPr>
+          <a:xfrm>
+            <a:off x="2824718" y="2534189"/>
+            <a:ext cx="944970" cy="516539"/>
+          </a:xfrm>
+          <a:prstGeom prst="roundRect">
+            <a:avLst>
+              <a:gd name="adj" fmla="val 8441"/>
+            </a:avLst>
+          </a:prstGeom>
+        </p:spPr>
+        <p:style>
+          <a:lnRef idx="2">
+            <a:schemeClr val="dk1"/>
+          </a:lnRef>
+          <a:fillRef idx="1">
+            <a:schemeClr val="lt1"/>
+          </a:fillRef>
+          <a:effectRef idx="0">
+            <a:schemeClr val="dk1"/>
+          </a:effectRef>
+          <a:fontRef idx="minor">
+            <a:schemeClr val="dk1"/>
+          </a:fontRef>
+        </p:style>
+        <p:txBody>
+          <a:bodyPr rtlCol="0" anchor="ctr"/>
+          <a:lstStyle/>
+          <a:p>
+            <a:pPr algn="ctr"/>
+            <a:r>
+              <a:rPr lang="en-US" altLang="ko-KR" sz="1200"/>
+              <a:t>Healthz</a:t>
+            </a:r>
+            <a:endParaRPr lang="ko-KR" altLang="en-US" sz="1200"/>
+          </a:p>
+        </p:txBody>
+      </p:sp>
+      <p:cxnSp>
+        <p:nvCxnSpPr>
+          <p:cNvPr id="34" name="직선 화살표 연결선 33">
+            <a:extLst>
+              <a:ext uri="{FF2B5EF4-FFF2-40B4-BE49-F238E27FC236}">
+                <a16:creationId xmlns:a16="http://schemas.microsoft.com/office/drawing/2014/main" id="{3817D038-8A84-4FBB-976F-C23494877D28}"/>
+              </a:ext>
+            </a:extLst>
+          </p:cNvPr>
+          <p:cNvCxnSpPr>
+            <a:cxnSpLocks/>
+            <a:stCxn id="22" idx="3"/>
+            <a:endCxn id="144" idx="1"/>
+          </p:cNvCxnSpPr>
+          <p:nvPr/>
+        </p:nvCxnSpPr>
+        <p:spPr>
+          <a:xfrm flipV="1">
+            <a:off x="3769689" y="3395771"/>
+            <a:ext cx="439170" cy="66415"/>
+          </a:xfrm>
+          <a:prstGeom prst="straightConnector1">
+            <a:avLst/>
+          </a:prstGeom>
+          <a:ln w="28575">
+            <a:solidFill>
+              <a:schemeClr val="accent3">
+                <a:lumMod val="75000"/>
+              </a:schemeClr>
+            </a:solidFill>
+            <a:headEnd type="arrow" w="med" len="med"/>
+            <a:tailEnd type="none" w="med" len="med"/>
+          </a:ln>
+        </p:spPr>
+        <p:style>
+          <a:lnRef idx="1">
+            <a:schemeClr val="accent1"/>
+          </a:lnRef>
+          <a:fillRef idx="0">
+            <a:schemeClr val="accent1"/>
+          </a:fillRef>
+          <a:effectRef idx="0">
+            <a:schemeClr val="accent1"/>
+          </a:effectRef>
+          <a:fontRef idx="minor">
+            <a:schemeClr val="tx1"/>
+          </a:fontRef>
+        </p:style>
+      </p:cxnSp>
+      <p:cxnSp>
+        <p:nvCxnSpPr>
+          <p:cNvPr id="31" name="직선 화살표 연결선 30">
+            <a:extLst>
+              <a:ext uri="{FF2B5EF4-FFF2-40B4-BE49-F238E27FC236}">
+                <a16:creationId xmlns:a16="http://schemas.microsoft.com/office/drawing/2014/main" id="{E6604724-CCA8-4396-ADA3-752A404BB118}"/>
+              </a:ext>
+            </a:extLst>
+          </p:cNvPr>
+          <p:cNvCxnSpPr>
+            <a:cxnSpLocks/>
+            <a:stCxn id="22" idx="2"/>
+            <a:endCxn id="40" idx="0"/>
+          </p:cNvCxnSpPr>
+          <p:nvPr/>
+        </p:nvCxnSpPr>
+        <p:spPr>
+          <a:xfrm>
+            <a:off x="3297204" y="3720455"/>
+            <a:ext cx="832291" cy="158633"/>
+          </a:xfrm>
+          <a:prstGeom prst="straightConnector1">
+            <a:avLst/>
+          </a:prstGeom>
+          <a:ln w="28575">
+            <a:solidFill>
+              <a:schemeClr val="accent3">
+                <a:lumMod val="75000"/>
+              </a:schemeClr>
+            </a:solidFill>
+            <a:headEnd type="arrow" w="med" len="med"/>
+            <a:tailEnd type="none" w="med" len="med"/>
+          </a:ln>
+        </p:spPr>
+        <p:style>
+          <a:lnRef idx="1">
+            <a:schemeClr val="accent1"/>
+          </a:lnRef>
+          <a:fillRef idx="0">
+            <a:schemeClr val="accent1"/>
+          </a:fillRef>
+          <a:effectRef idx="0">
+            <a:schemeClr val="accent1"/>
+          </a:effectRef>
+          <a:fontRef idx="minor">
+            <a:schemeClr val="tx1"/>
+          </a:fontRef>
+        </p:style>
+      </p:cxnSp>
+      <p:cxnSp>
+        <p:nvCxnSpPr>
+          <p:cNvPr id="113" name="직선 화살표 연결선 112">
+            <a:extLst>
+              <a:ext uri="{FF2B5EF4-FFF2-40B4-BE49-F238E27FC236}">
+                <a16:creationId xmlns:a16="http://schemas.microsoft.com/office/drawing/2014/main" id="{C238D784-A77C-490B-A5E0-FF4EDA21DA7F}"/>
+              </a:ext>
+            </a:extLst>
+          </p:cNvPr>
+          <p:cNvCxnSpPr>
+            <a:cxnSpLocks/>
+            <a:stCxn id="119" idx="2"/>
+            <a:endCxn id="102" idx="0"/>
+          </p:cNvCxnSpPr>
+          <p:nvPr/>
+        </p:nvCxnSpPr>
+        <p:spPr>
+          <a:xfrm flipH="1">
+            <a:off x="5044146" y="965803"/>
+            <a:ext cx="666150" cy="649088"/>
+          </a:xfrm>
+          <a:prstGeom prst="straightConnector1">
+            <a:avLst/>
+          </a:prstGeom>
+          <a:ln w="28575">
+            <a:solidFill>
+              <a:srgbClr val="C00000"/>
+            </a:solidFill>
+            <a:headEnd type="none" w="med" len="med"/>
+            <a:tailEnd type="arrow" w="med" len="med"/>
+          </a:ln>
+        </p:spPr>
+        <p:style>
+          <a:lnRef idx="1">
+            <a:schemeClr val="accent1"/>
+          </a:lnRef>
+          <a:fillRef idx="0">
+            <a:schemeClr val="accent1"/>
+          </a:fillRef>
+          <a:effectRef idx="0">
+            <a:schemeClr val="accent1"/>
+          </a:effectRef>
+          <a:fontRef idx="minor">
+            <a:schemeClr val="tx1"/>
+          </a:fontRef>
+        </p:style>
+      </p:cxnSp>
+      <p:cxnSp>
+        <p:nvCxnSpPr>
+          <p:cNvPr id="24" name="직선 화살표 연결선 23">
+            <a:extLst>
+              <a:ext uri="{FF2B5EF4-FFF2-40B4-BE49-F238E27FC236}">
+                <a16:creationId xmlns:a16="http://schemas.microsoft.com/office/drawing/2014/main" id="{C07B21D4-25C2-49E4-9D30-3DBD2FC88E6C}"/>
+              </a:ext>
+            </a:extLst>
+          </p:cNvPr>
+          <p:cNvCxnSpPr>
+            <a:cxnSpLocks/>
+            <a:stCxn id="441" idx="1"/>
+            <a:endCxn id="20" idx="3"/>
+          </p:cNvCxnSpPr>
+          <p:nvPr/>
+        </p:nvCxnSpPr>
+        <p:spPr>
+          <a:xfrm flipH="1">
+            <a:off x="1149750" y="3462186"/>
+            <a:ext cx="384517" cy="0"/>
+          </a:xfrm>
+          <a:prstGeom prst="straightConnector1">
+            <a:avLst/>
+          </a:prstGeom>
+          <a:ln w="28575">
+            <a:solidFill>
+              <a:schemeClr val="accent3">
+                <a:lumMod val="75000"/>
+              </a:schemeClr>
+            </a:solidFill>
+            <a:headEnd type="none" w="med" len="med"/>
+            <a:tailEnd type="arrow" w="med" len="med"/>
+          </a:ln>
+        </p:spPr>
+        <p:style>
+          <a:lnRef idx="1">
+            <a:schemeClr val="accent1"/>
+          </a:lnRef>
+          <a:fillRef idx="0">
+            <a:schemeClr val="accent1"/>
+          </a:fillRef>
+          <a:effectRef idx="0">
+            <a:schemeClr val="accent1"/>
+          </a:effectRef>
+          <a:fontRef idx="minor">
+            <a:schemeClr val="tx1"/>
+          </a:fontRef>
+        </p:style>
+      </p:cxnSp>
+      <p:cxnSp>
+        <p:nvCxnSpPr>
+          <p:cNvPr id="359" name="직선 화살표 연결선 358">
+            <a:extLst>
+              <a:ext uri="{FF2B5EF4-FFF2-40B4-BE49-F238E27FC236}">
+                <a16:creationId xmlns:a16="http://schemas.microsoft.com/office/drawing/2014/main" id="{7BE19C43-C0B8-48F1-82EA-21340FC38584}"/>
+              </a:ext>
+            </a:extLst>
+          </p:cNvPr>
+          <p:cNvCxnSpPr>
+            <a:cxnSpLocks/>
+            <a:stCxn id="140" idx="3"/>
+            <a:endCxn id="242" idx="1"/>
+          </p:cNvCxnSpPr>
+          <p:nvPr/>
+        </p:nvCxnSpPr>
+        <p:spPr>
+          <a:xfrm>
+            <a:off x="1149750" y="2126167"/>
+            <a:ext cx="378824" cy="0"/>
+          </a:xfrm>
+          <a:prstGeom prst="straightConnector1">
+            <a:avLst/>
+          </a:prstGeom>
+          <a:ln w="28575">
+            <a:solidFill>
+              <a:schemeClr val="accent6">
+                <a:lumMod val="75000"/>
+              </a:schemeClr>
+            </a:solidFill>
+            <a:headEnd type="none" w="med" len="med"/>
+            <a:tailEnd type="arrow" w="med" len="med"/>
+          </a:ln>
+        </p:spPr>
+        <p:style>
+          <a:lnRef idx="1">
+            <a:schemeClr val="accent1"/>
+          </a:lnRef>
+          <a:fillRef idx="0">
+            <a:schemeClr val="accent1"/>
+          </a:fillRef>
+          <a:effectRef idx="0">
+            <a:schemeClr val="accent1"/>
+          </a:effectRef>
+          <a:fontRef idx="minor">
+            <a:schemeClr val="tx1"/>
+          </a:fontRef>
+        </p:style>
+      </p:cxnSp>
+      <p:sp>
+        <p:nvSpPr>
+          <p:cNvPr id="441" name="사각형: 둥근 모서리 440">
+            <a:extLst>
+              <a:ext uri="{FF2B5EF4-FFF2-40B4-BE49-F238E27FC236}">
+                <a16:creationId xmlns:a16="http://schemas.microsoft.com/office/drawing/2014/main" id="{078844A7-8EFF-4D2F-A2B3-D4A457367780}"/>
+              </a:ext>
+            </a:extLst>
+          </p:cNvPr>
+          <p:cNvSpPr/>
+          <p:nvPr/>
+        </p:nvSpPr>
+        <p:spPr>
+          <a:xfrm>
+            <a:off x="1534267" y="3282166"/>
+            <a:ext cx="998015" cy="360039"/>
+          </a:xfrm>
+          <a:prstGeom prst="roundRect">
+            <a:avLst>
+              <a:gd name="adj" fmla="val 19110"/>
+            </a:avLst>
+          </a:prstGeom>
+          <a:ln>
+            <a:solidFill>
+              <a:schemeClr val="tx2"/>
+            </a:solidFill>
+          </a:ln>
+        </p:spPr>
+        <p:style>
+          <a:lnRef idx="2">
+            <a:schemeClr val="dk1"/>
+          </a:lnRef>
+          <a:fillRef idx="1">
+            <a:schemeClr val="lt1"/>
+          </a:fillRef>
+          <a:effectRef idx="0">
+            <a:schemeClr val="dk1"/>
+          </a:effectRef>
+          <a:fontRef idx="minor">
+            <a:schemeClr val="dk1"/>
+          </a:fontRef>
+        </p:style>
+        <p:txBody>
+          <a:bodyPr rtlCol="0" anchor="ctr"/>
+          <a:lstStyle/>
+          <a:p>
+            <a:r>
+              <a:rPr lang="en-US" altLang="ko-KR" sz="1200"/>
+              <a:t>:10254</a:t>
+            </a:r>
+          </a:p>
+          <a:p>
+            <a:r>
+              <a:rPr lang="en-US" altLang="ko-KR" sz="1200"/>
+              <a:t>/metrics</a:t>
+            </a:r>
+          </a:p>
+        </p:txBody>
+      </p:sp>
+      <p:sp>
+        <p:nvSpPr>
+          <p:cNvPr id="472" name="사각형: 둥근 모서리 471">
+            <a:extLst>
+              <a:ext uri="{FF2B5EF4-FFF2-40B4-BE49-F238E27FC236}">
+                <a16:creationId xmlns:a16="http://schemas.microsoft.com/office/drawing/2014/main" id="{FDF8E4AB-0007-49BC-9B22-CB3CEFB189B4}"/>
+              </a:ext>
+            </a:extLst>
+          </p:cNvPr>
+          <p:cNvSpPr/>
+          <p:nvPr/>
+        </p:nvSpPr>
+        <p:spPr>
+          <a:xfrm>
+            <a:off x="1534267" y="2611579"/>
+            <a:ext cx="998015" cy="360039"/>
+          </a:xfrm>
+          <a:prstGeom prst="roundRect">
+            <a:avLst>
+              <a:gd name="adj" fmla="val 19110"/>
+            </a:avLst>
+          </a:prstGeom>
+          <a:ln>
+            <a:solidFill>
+              <a:schemeClr val="tx2"/>
+            </a:solidFill>
+          </a:ln>
+        </p:spPr>
+        <p:style>
+          <a:lnRef idx="2">
+            <a:schemeClr val="dk1"/>
+          </a:lnRef>
+          <a:fillRef idx="1">
+            <a:schemeClr val="lt1"/>
+          </a:fillRef>
+          <a:effectRef idx="0">
+            <a:schemeClr val="dk1"/>
+          </a:effectRef>
+          <a:fontRef idx="minor">
+            <a:schemeClr val="dk1"/>
+          </a:fontRef>
+        </p:style>
+        <p:txBody>
+          <a:bodyPr rtlCol="0" anchor="ctr"/>
+          <a:lstStyle/>
+          <a:p>
+            <a:r>
+              <a:rPr lang="en-US" altLang="ko-KR" sz="1200"/>
+              <a:t>:10254</a:t>
+            </a:r>
+          </a:p>
+          <a:p>
+            <a:r>
+              <a:rPr lang="en-US" altLang="ko-KR" sz="1200"/>
+              <a:t>/healthz </a:t>
+            </a:r>
+            <a:endParaRPr lang="ko-KR" altLang="en-US" sz="1200"/>
+          </a:p>
+        </p:txBody>
+      </p:sp>
+      <p:cxnSp>
+        <p:nvCxnSpPr>
+          <p:cNvPr id="483" name="직선 화살표 연결선 482">
+            <a:extLst>
+              <a:ext uri="{FF2B5EF4-FFF2-40B4-BE49-F238E27FC236}">
+                <a16:creationId xmlns:a16="http://schemas.microsoft.com/office/drawing/2014/main" id="{DAAF6AAC-AEA1-4398-818C-5AF53C78DFD8}"/>
+              </a:ext>
+            </a:extLst>
+          </p:cNvPr>
+          <p:cNvCxnSpPr>
+            <a:cxnSpLocks/>
+            <a:stCxn id="472" idx="3"/>
+            <a:endCxn id="337" idx="1"/>
+          </p:cNvCxnSpPr>
+          <p:nvPr/>
+        </p:nvCxnSpPr>
+        <p:spPr>
+          <a:xfrm>
+            <a:off x="2532282" y="2791599"/>
+            <a:ext cx="292436" cy="860"/>
+          </a:xfrm>
+          <a:prstGeom prst="straightConnector1">
+            <a:avLst/>
+          </a:prstGeom>
+          <a:ln w="28575">
+            <a:solidFill>
+              <a:schemeClr val="accent1"/>
+            </a:solidFill>
+            <a:headEnd type="none" w="med" len="med"/>
+            <a:tailEnd type="arrow" w="med" len="med"/>
+          </a:ln>
+        </p:spPr>
+        <p:style>
+          <a:lnRef idx="1">
+            <a:schemeClr val="accent1"/>
+          </a:lnRef>
+          <a:fillRef idx="0">
+            <a:schemeClr val="accent1"/>
+          </a:fillRef>
+          <a:effectRef idx="0">
+            <a:schemeClr val="accent1"/>
+          </a:effectRef>
+          <a:fontRef idx="minor">
+            <a:schemeClr val="tx1"/>
+          </a:fontRef>
+        </p:style>
+      </p:cxnSp>
+      <p:cxnSp>
+        <p:nvCxnSpPr>
+          <p:cNvPr id="489" name="직선 화살표 연결선 488">
+            <a:extLst>
+              <a:ext uri="{FF2B5EF4-FFF2-40B4-BE49-F238E27FC236}">
+                <a16:creationId xmlns:a16="http://schemas.microsoft.com/office/drawing/2014/main" id="{C8758275-7751-4F74-BA8E-0363CA1B6789}"/>
+              </a:ext>
+            </a:extLst>
+          </p:cNvPr>
+          <p:cNvCxnSpPr>
+            <a:cxnSpLocks/>
+            <a:stCxn id="22" idx="1"/>
+            <a:endCxn id="441" idx="3"/>
+          </p:cNvCxnSpPr>
+          <p:nvPr/>
+        </p:nvCxnSpPr>
+        <p:spPr>
+          <a:xfrm flipH="1">
+            <a:off x="2532282" y="3462186"/>
+            <a:ext cx="292437" cy="0"/>
+          </a:xfrm>
+          <a:prstGeom prst="straightConnector1">
+            <a:avLst/>
+          </a:prstGeom>
+          <a:ln w="28575">
+            <a:solidFill>
+              <a:schemeClr val="accent3">
+                <a:lumMod val="75000"/>
+              </a:schemeClr>
+            </a:solidFill>
+            <a:headEnd type="none" w="med" len="med"/>
+            <a:tailEnd type="arrow" w="med" len="med"/>
+          </a:ln>
+        </p:spPr>
+        <p:style>
+          <a:lnRef idx="1">
+            <a:schemeClr val="accent1"/>
+          </a:lnRef>
+          <a:fillRef idx="0">
+            <a:schemeClr val="accent1"/>
+          </a:fillRef>
+          <a:effectRef idx="0">
+            <a:schemeClr val="accent1"/>
+          </a:effectRef>
+          <a:fontRef idx="minor">
+            <a:schemeClr val="tx1"/>
+          </a:fontRef>
+        </p:style>
+      </p:cxnSp>
+      <p:sp>
+        <p:nvSpPr>
+          <p:cNvPr id="501" name="사각형: 둥근 모서리 500">
+            <a:extLst>
+              <a:ext uri="{FF2B5EF4-FFF2-40B4-BE49-F238E27FC236}">
+                <a16:creationId xmlns:a16="http://schemas.microsoft.com/office/drawing/2014/main" id="{E69348EF-183C-4680-97B3-4B9A3BEAD74E}"/>
+              </a:ext>
+            </a:extLst>
+          </p:cNvPr>
+          <p:cNvSpPr/>
+          <p:nvPr/>
+        </p:nvSpPr>
+        <p:spPr>
+          <a:xfrm>
+            <a:off x="6093680" y="3223318"/>
+            <a:ext cx="1233420" cy="353798"/>
+          </a:xfrm>
+          <a:prstGeom prst="roundRect">
+            <a:avLst>
+              <a:gd name="adj" fmla="val 18519"/>
+            </a:avLst>
+          </a:prstGeom>
+          <a:ln>
+            <a:solidFill>
+              <a:schemeClr val="tx1"/>
+            </a:solidFill>
+          </a:ln>
+        </p:spPr>
+        <p:style>
+          <a:lnRef idx="2">
+            <a:schemeClr val="dk1"/>
+          </a:lnRef>
+          <a:fillRef idx="1">
+            <a:schemeClr val="lt1"/>
+          </a:fillRef>
+          <a:effectRef idx="0">
+            <a:schemeClr val="dk1"/>
+          </a:effectRef>
+          <a:fontRef idx="minor">
+            <a:schemeClr val="dk1"/>
+          </a:fontRef>
+        </p:style>
+        <p:txBody>
+          <a:bodyPr rtlCol="0" anchor="ctr"/>
+          <a:lstStyle/>
+          <a:p>
+            <a:pPr algn="ctr"/>
+            <a:r>
+              <a:rPr lang="en-US" altLang="ko-KR" sz="1200"/>
+              <a:t>HTTP Stub Status Module</a:t>
+            </a:r>
+          </a:p>
+        </p:txBody>
+      </p:sp>
+      <p:cxnSp>
+        <p:nvCxnSpPr>
+          <p:cNvPr id="528" name="직선 화살표 연결선 527">
+            <a:extLst>
+              <a:ext uri="{FF2B5EF4-FFF2-40B4-BE49-F238E27FC236}">
+                <a16:creationId xmlns:a16="http://schemas.microsoft.com/office/drawing/2014/main" id="{1C7683AD-6C77-4B2B-A5FB-AB757AC98E02}"/>
+              </a:ext>
+            </a:extLst>
+          </p:cNvPr>
+          <p:cNvCxnSpPr>
+            <a:cxnSpLocks/>
+            <a:stCxn id="144" idx="3"/>
+            <a:endCxn id="501" idx="1"/>
+          </p:cNvCxnSpPr>
+          <p:nvPr/>
+        </p:nvCxnSpPr>
+        <p:spPr>
+          <a:xfrm>
+            <a:off x="5879432" y="3395771"/>
+            <a:ext cx="214248" cy="4446"/>
+          </a:xfrm>
+          <a:prstGeom prst="straightConnector1">
+            <a:avLst/>
+          </a:prstGeom>
+          <a:ln w="28575">
+            <a:solidFill>
+              <a:schemeClr val="accent3">
+                <a:lumMod val="75000"/>
+              </a:schemeClr>
+            </a:solidFill>
+            <a:headEnd type="arrow" w="med" len="med"/>
+            <a:tailEnd type="none" w="med" len="med"/>
+          </a:ln>
+        </p:spPr>
+        <p:style>
+          <a:lnRef idx="1">
+            <a:schemeClr val="accent1"/>
+          </a:lnRef>
+          <a:fillRef idx="0">
+            <a:schemeClr val="accent1"/>
+          </a:fillRef>
+          <a:effectRef idx="0">
+            <a:schemeClr val="accent1"/>
+          </a:effectRef>
+          <a:fontRef idx="minor">
+            <a:schemeClr val="tx1"/>
+          </a:fontRef>
+        </p:style>
+      </p:cxnSp>
+      <p:sp>
+        <p:nvSpPr>
+          <p:cNvPr id="537" name="사각형: 둥근 모서리 536">
+            <a:extLst>
+              <a:ext uri="{FF2B5EF4-FFF2-40B4-BE49-F238E27FC236}">
+                <a16:creationId xmlns:a16="http://schemas.microsoft.com/office/drawing/2014/main" id="{DA3CCFA4-FB3A-4931-BF2A-192780FAF215}"/>
+              </a:ext>
+            </a:extLst>
+          </p:cNvPr>
+          <p:cNvSpPr/>
+          <p:nvPr/>
+        </p:nvSpPr>
+        <p:spPr>
+          <a:xfrm>
+            <a:off x="6012160" y="1614892"/>
+            <a:ext cx="1424628" cy="1488360"/>
+          </a:xfrm>
+          <a:prstGeom prst="roundRect">
+            <a:avLst>
+              <a:gd name="adj" fmla="val 9099"/>
+            </a:avLst>
+          </a:prstGeom>
+          <a:ln>
+            <a:solidFill>
+              <a:schemeClr val="tx1"/>
+            </a:solidFill>
+          </a:ln>
+        </p:spPr>
+        <p:style>
+          <a:lnRef idx="2">
+            <a:schemeClr val="dk1"/>
+          </a:lnRef>
+          <a:fillRef idx="1">
+            <a:schemeClr val="lt1"/>
+          </a:fillRef>
+          <a:effectRef idx="0">
+            <a:schemeClr val="dk1"/>
+          </a:effectRef>
+          <a:fontRef idx="minor">
+            <a:schemeClr val="dk1"/>
+          </a:fontRef>
+        </p:style>
+        <p:txBody>
+          <a:bodyPr rtlCol="0" anchor="b"/>
+          <a:lstStyle/>
+          <a:p>
+            <a:pPr algn="ctr"/>
+            <a:r>
+              <a:rPr lang="en-US" altLang="ko-KR" sz="1200" b="1"/>
+              <a:t>Lua </a:t>
+            </a:r>
+          </a:p>
+        </p:txBody>
+      </p:sp>
+      <p:sp>
+        <p:nvSpPr>
+          <p:cNvPr id="64" name="사각형: 둥근 모서리 63">
+            <a:extLst>
+              <a:ext uri="{FF2B5EF4-FFF2-40B4-BE49-F238E27FC236}">
+                <a16:creationId xmlns:a16="http://schemas.microsoft.com/office/drawing/2014/main" id="{E40D7D5A-81B4-4C61-81EA-7FE1930C6112}"/>
+              </a:ext>
+            </a:extLst>
+          </p:cNvPr>
+          <p:cNvSpPr/>
+          <p:nvPr/>
+        </p:nvSpPr>
+        <p:spPr>
+          <a:xfrm>
+            <a:off x="6116939" y="2416836"/>
+            <a:ext cx="1233420" cy="360039"/>
+          </a:xfrm>
+          <a:prstGeom prst="roundRect">
+            <a:avLst>
+              <a:gd name="adj" fmla="val 18519"/>
+            </a:avLst>
+          </a:prstGeom>
+          <a:ln>
+            <a:solidFill>
+              <a:schemeClr val="tx1"/>
+            </a:solidFill>
+          </a:ln>
+        </p:spPr>
+        <p:style>
+          <a:lnRef idx="2">
+            <a:schemeClr val="dk1"/>
+          </a:lnRef>
+          <a:fillRef idx="1">
+            <a:schemeClr val="lt1"/>
+          </a:fillRef>
+          <a:effectRef idx="0">
+            <a:schemeClr val="dk1"/>
+          </a:effectRef>
+          <a:fontRef idx="minor">
+            <a:schemeClr val="dk1"/>
+          </a:fontRef>
+        </p:style>
+        <p:txBody>
+          <a:bodyPr rtlCol="0" anchor="ctr"/>
+          <a:lstStyle/>
+          <a:p>
+            <a:pPr algn="ctr"/>
+            <a:r>
+              <a:rPr lang="en-US" altLang="ko-KR" sz="1200"/>
+              <a:t>Configuration</a:t>
+            </a:r>
+          </a:p>
+        </p:txBody>
+      </p:sp>
+      <p:sp>
+        <p:nvSpPr>
+          <p:cNvPr id="65" name="사각형: 둥근 모서리 64">
+            <a:extLst>
+              <a:ext uri="{FF2B5EF4-FFF2-40B4-BE49-F238E27FC236}">
+                <a16:creationId xmlns:a16="http://schemas.microsoft.com/office/drawing/2014/main" id="{25F5CB1E-1470-49C3-98C8-C49126FBC353}"/>
+              </a:ext>
+            </a:extLst>
+          </p:cNvPr>
+          <p:cNvSpPr/>
+          <p:nvPr/>
+        </p:nvSpPr>
+        <p:spPr>
+          <a:xfrm>
+            <a:off x="6116939" y="2061313"/>
+            <a:ext cx="1233420" cy="360039"/>
+          </a:xfrm>
+          <a:prstGeom prst="roundRect">
+            <a:avLst>
+              <a:gd name="adj" fmla="val 16212"/>
+            </a:avLst>
+          </a:prstGeom>
+          <a:ln>
+            <a:solidFill>
+              <a:schemeClr val="tx1"/>
+            </a:solidFill>
+          </a:ln>
+        </p:spPr>
+        <p:style>
+          <a:lnRef idx="2">
+            <a:schemeClr val="dk1"/>
+          </a:lnRef>
+          <a:fillRef idx="1">
+            <a:schemeClr val="lt1"/>
+          </a:fillRef>
+          <a:effectRef idx="0">
+            <a:schemeClr val="dk1"/>
+          </a:effectRef>
+          <a:fontRef idx="minor">
+            <a:schemeClr val="dk1"/>
+          </a:fontRef>
+        </p:style>
+        <p:txBody>
+          <a:bodyPr rtlCol="0" anchor="ctr"/>
+          <a:lstStyle/>
+          <a:p>
+            <a:pPr algn="ctr"/>
+            <a:r>
+              <a:rPr lang="en-US" altLang="ko-KR" sz="1200"/>
+              <a:t>Monitor</a:t>
+            </a:r>
+          </a:p>
+        </p:txBody>
+      </p:sp>
+      <p:sp>
+        <p:nvSpPr>
+          <p:cNvPr id="97" name="사각형: 둥근 모서리 96">
+            <a:extLst>
+              <a:ext uri="{FF2B5EF4-FFF2-40B4-BE49-F238E27FC236}">
+                <a16:creationId xmlns:a16="http://schemas.microsoft.com/office/drawing/2014/main" id="{E63B818F-A4B2-4F6E-AE03-C28E040CA9D1}"/>
+              </a:ext>
+            </a:extLst>
+          </p:cNvPr>
+          <p:cNvSpPr/>
+          <p:nvPr/>
+        </p:nvSpPr>
+        <p:spPr>
+          <a:xfrm>
+            <a:off x="6112226" y="1698279"/>
+            <a:ext cx="1233418" cy="366645"/>
+          </a:xfrm>
+          <a:prstGeom prst="roundRect">
+            <a:avLst>
+              <a:gd name="adj" fmla="val 19118"/>
+            </a:avLst>
+          </a:prstGeom>
+          <a:ln>
+            <a:solidFill>
+              <a:schemeClr val="tx1"/>
+            </a:solidFill>
+          </a:ln>
+        </p:spPr>
+        <p:style>
+          <a:lnRef idx="2">
+            <a:schemeClr val="dk1"/>
+          </a:lnRef>
+          <a:fillRef idx="1">
+            <a:schemeClr val="lt1"/>
+          </a:fillRef>
+          <a:effectRef idx="0">
+            <a:schemeClr val="dk1"/>
+          </a:effectRef>
+          <a:fontRef idx="minor">
+            <a:schemeClr val="dk1"/>
+          </a:fontRef>
+        </p:style>
+        <p:txBody>
+          <a:bodyPr rtlCol="0" anchor="ctr"/>
+          <a:lstStyle/>
+          <a:p>
+            <a:pPr algn="ctr"/>
+            <a:r>
+              <a:rPr lang="en-US" altLang="ko-KR" sz="1200"/>
+              <a:t>Balancer</a:t>
+            </a:r>
+          </a:p>
+        </p:txBody>
+      </p:sp>
+      <p:cxnSp>
+        <p:nvCxnSpPr>
+          <p:cNvPr id="85" name="직선 화살표 연결선 84">
+            <a:extLst>
+              <a:ext uri="{FF2B5EF4-FFF2-40B4-BE49-F238E27FC236}">
+                <a16:creationId xmlns:a16="http://schemas.microsoft.com/office/drawing/2014/main" id="{8F4054C2-13EF-484D-8323-3DCA5DC1B6EB}"/>
+              </a:ext>
+            </a:extLst>
+          </p:cNvPr>
+          <p:cNvCxnSpPr>
+            <a:cxnSpLocks/>
+            <a:stCxn id="236" idx="3"/>
+            <a:endCxn id="64" idx="1"/>
+          </p:cNvCxnSpPr>
+          <p:nvPr/>
+        </p:nvCxnSpPr>
+        <p:spPr>
+          <a:xfrm>
+            <a:off x="5879432" y="2539083"/>
+            <a:ext cx="237507" cy="57773"/>
+          </a:xfrm>
+          <a:prstGeom prst="straightConnector1">
+            <a:avLst/>
+          </a:prstGeom>
+          <a:ln w="28575">
+            <a:solidFill>
+              <a:schemeClr val="accent6">
+                <a:lumMod val="75000"/>
+              </a:schemeClr>
+            </a:solidFill>
+            <a:headEnd type="none" w="med" len="med"/>
+            <a:tailEnd type="arrow" w="med" len="med"/>
+          </a:ln>
+        </p:spPr>
+        <p:style>
+          <a:lnRef idx="1">
+            <a:schemeClr val="accent1"/>
+          </a:lnRef>
+          <a:fillRef idx="0">
+            <a:schemeClr val="accent1"/>
+          </a:fillRef>
+          <a:effectRef idx="0">
+            <a:schemeClr val="accent1"/>
+          </a:effectRef>
+          <a:fontRef idx="minor">
+            <a:schemeClr val="tx1"/>
+          </a:fontRef>
+        </p:style>
+      </p:cxnSp>
+      <p:cxnSp>
+        <p:nvCxnSpPr>
+          <p:cNvPr id="89" name="직선 화살표 연결선 88">
+            <a:extLst>
+              <a:ext uri="{FF2B5EF4-FFF2-40B4-BE49-F238E27FC236}">
+                <a16:creationId xmlns:a16="http://schemas.microsoft.com/office/drawing/2014/main" id="{9C48922E-8E3F-4DAF-887B-D4C9B8684DC8}"/>
+              </a:ext>
+            </a:extLst>
+          </p:cNvPr>
+          <p:cNvCxnSpPr>
+            <a:cxnSpLocks/>
+            <a:stCxn id="65" idx="1"/>
+            <a:endCxn id="40" idx="3"/>
+          </p:cNvCxnSpPr>
+          <p:nvPr/>
+        </p:nvCxnSpPr>
+        <p:spPr>
+          <a:xfrm flipH="1">
+            <a:off x="4923970" y="2241333"/>
+            <a:ext cx="1192969" cy="1862971"/>
+          </a:xfrm>
+          <a:prstGeom prst="straightConnector1">
+            <a:avLst/>
+          </a:prstGeom>
+          <a:ln w="28575">
+            <a:solidFill>
+              <a:schemeClr val="accent3">
+                <a:lumMod val="75000"/>
+              </a:schemeClr>
+            </a:solidFill>
+            <a:headEnd type="none" w="med" len="med"/>
+            <a:tailEnd type="arrow" w="med" len="med"/>
+          </a:ln>
+        </p:spPr>
+        <p:style>
+          <a:lnRef idx="1">
+            <a:schemeClr val="accent1"/>
+          </a:lnRef>
+          <a:fillRef idx="0">
+            <a:schemeClr val="accent1"/>
+          </a:fillRef>
+          <a:effectRef idx="0">
+            <a:schemeClr val="accent1"/>
+          </a:effectRef>
+          <a:fontRef idx="minor">
+            <a:schemeClr val="tx1"/>
+          </a:fontRef>
+        </p:style>
+      </p:cxnSp>
+      <p:cxnSp>
+        <p:nvCxnSpPr>
+          <p:cNvPr id="123" name="직선 화살표 연결선 122">
+            <a:extLst>
+              <a:ext uri="{FF2B5EF4-FFF2-40B4-BE49-F238E27FC236}">
+                <a16:creationId xmlns:a16="http://schemas.microsoft.com/office/drawing/2014/main" id="{6D0EE204-D55B-45EE-886D-9B596B1E5AEF}"/>
+              </a:ext>
+            </a:extLst>
+          </p:cNvPr>
+          <p:cNvCxnSpPr>
+            <a:cxnSpLocks/>
+            <a:stCxn id="102" idx="3"/>
+            <a:endCxn id="97" idx="1"/>
+          </p:cNvCxnSpPr>
+          <p:nvPr/>
+        </p:nvCxnSpPr>
+        <p:spPr>
+          <a:xfrm>
+            <a:off x="5879432" y="1794911"/>
+            <a:ext cx="232794" cy="86691"/>
+          </a:xfrm>
+          <a:prstGeom prst="straightConnector1">
+            <a:avLst/>
+          </a:prstGeom>
+          <a:ln w="28575">
+            <a:solidFill>
+              <a:srgbClr val="C00000"/>
+            </a:solidFill>
+            <a:headEnd type="none" w="med" len="med"/>
+            <a:tailEnd type="arrow" w="med" len="med"/>
+          </a:ln>
+        </p:spPr>
+        <p:style>
+          <a:lnRef idx="1">
+            <a:schemeClr val="accent1"/>
+          </a:lnRef>
+          <a:fillRef idx="0">
+            <a:schemeClr val="accent1"/>
+          </a:fillRef>
+          <a:effectRef idx="0">
+            <a:schemeClr val="accent1"/>
+          </a:effectRef>
+          <a:fontRef idx="minor">
+            <a:schemeClr val="tx1"/>
+          </a:fontRef>
+        </p:style>
+      </p:cxnSp>
+      <p:cxnSp>
+        <p:nvCxnSpPr>
+          <p:cNvPr id="141" name="직선 화살표 연결선 140">
+            <a:extLst>
+              <a:ext uri="{FF2B5EF4-FFF2-40B4-BE49-F238E27FC236}">
+                <a16:creationId xmlns:a16="http://schemas.microsoft.com/office/drawing/2014/main" id="{955DDF85-C837-4ECE-BDB5-97F3B50DF794}"/>
+              </a:ext>
+            </a:extLst>
+          </p:cNvPr>
+          <p:cNvCxnSpPr>
+            <a:cxnSpLocks/>
+            <a:stCxn id="102" idx="3"/>
+            <a:endCxn id="65" idx="1"/>
+          </p:cNvCxnSpPr>
+          <p:nvPr/>
+        </p:nvCxnSpPr>
+        <p:spPr>
+          <a:xfrm>
+            <a:off x="5879432" y="1794911"/>
+            <a:ext cx="237507" cy="446422"/>
+          </a:xfrm>
+          <a:prstGeom prst="straightConnector1">
+            <a:avLst/>
+          </a:prstGeom>
+          <a:ln w="28575">
+            <a:solidFill>
+              <a:schemeClr val="accent3">
+                <a:lumMod val="75000"/>
+              </a:schemeClr>
+            </a:solidFill>
+            <a:headEnd type="none" w="med" len="med"/>
+            <a:tailEnd type="arrow" w="med" len="med"/>
+          </a:ln>
+        </p:spPr>
+        <p:style>
+          <a:lnRef idx="1">
+            <a:schemeClr val="accent1"/>
+          </a:lnRef>
+          <a:fillRef idx="0">
+            <a:schemeClr val="accent1"/>
+          </a:fillRef>
+          <a:effectRef idx="0">
+            <a:schemeClr val="accent1"/>
+          </a:effectRef>
+          <a:fontRef idx="minor">
+            <a:schemeClr val="tx1"/>
+          </a:fontRef>
+        </p:style>
+      </p:cxnSp>
+      <p:cxnSp>
+        <p:nvCxnSpPr>
+          <p:cNvPr id="273" name="직선 화살표 연결선 272">
+            <a:extLst>
+              <a:ext uri="{FF2B5EF4-FFF2-40B4-BE49-F238E27FC236}">
+                <a16:creationId xmlns:a16="http://schemas.microsoft.com/office/drawing/2014/main" id="{E326EF4B-18CC-4A5E-8239-DFF4D5CC7012}"/>
+              </a:ext>
+            </a:extLst>
+          </p:cNvPr>
+          <p:cNvCxnSpPr>
+            <a:cxnSpLocks/>
+            <a:endCxn id="97" idx="3"/>
+          </p:cNvCxnSpPr>
+          <p:nvPr/>
+        </p:nvCxnSpPr>
+        <p:spPr>
+          <a:xfrm flipH="1">
+            <a:off x="7345644" y="1881602"/>
+            <a:ext cx="394708" cy="0"/>
+          </a:xfrm>
+          <a:prstGeom prst="straightConnector1">
+            <a:avLst/>
+          </a:prstGeom>
+          <a:ln w="28575">
+            <a:solidFill>
+              <a:schemeClr val="tx1"/>
+            </a:solidFill>
+            <a:headEnd type="none" w="med" len="med"/>
+            <a:tailEnd type="arrow" w="med" len="med"/>
+          </a:ln>
+        </p:spPr>
+        <p:style>
+          <a:lnRef idx="1">
+            <a:schemeClr val="accent1"/>
+          </a:lnRef>
+          <a:fillRef idx="0">
+            <a:schemeClr val="accent1"/>
+          </a:fillRef>
+          <a:effectRef idx="0">
+            <a:schemeClr val="accent1"/>
+          </a:effectRef>
+          <a:fontRef idx="minor">
+            <a:schemeClr val="tx1"/>
+          </a:fontRef>
+        </p:style>
+      </p:cxnSp>
+      <p:cxnSp>
+        <p:nvCxnSpPr>
+          <p:cNvPr id="281" name="직선 화살표 연결선 280">
+            <a:extLst>
+              <a:ext uri="{FF2B5EF4-FFF2-40B4-BE49-F238E27FC236}">
+                <a16:creationId xmlns:a16="http://schemas.microsoft.com/office/drawing/2014/main" id="{DF167C2D-5CD1-4DDC-90AF-AB816A16FC01}"/>
+              </a:ext>
+            </a:extLst>
+          </p:cNvPr>
+          <p:cNvCxnSpPr>
+            <a:cxnSpLocks/>
+            <a:stCxn id="64" idx="3"/>
+            <a:endCxn id="272" idx="0"/>
+          </p:cNvCxnSpPr>
+          <p:nvPr/>
+        </p:nvCxnSpPr>
+        <p:spPr>
+          <a:xfrm flipV="1">
+            <a:off x="7350359" y="2595340"/>
+            <a:ext cx="389993" cy="1516"/>
+          </a:xfrm>
+          <a:prstGeom prst="straightConnector1">
+            <a:avLst/>
+          </a:prstGeom>
+          <a:ln w="28575">
+            <a:solidFill>
+              <a:schemeClr val="accent6">
+                <a:lumMod val="75000"/>
+              </a:schemeClr>
+            </a:solidFill>
+            <a:headEnd type="none" w="med" len="med"/>
+            <a:tailEnd type="arrow" w="med" len="med"/>
+          </a:ln>
+        </p:spPr>
+        <p:style>
+          <a:lnRef idx="1">
+            <a:schemeClr val="accent1"/>
+          </a:lnRef>
+          <a:fillRef idx="0">
+            <a:schemeClr val="accent1"/>
+          </a:fillRef>
+          <a:effectRef idx="0">
+            <a:schemeClr val="accent1"/>
+          </a:effectRef>
+          <a:fontRef idx="minor">
+            <a:schemeClr val="tx1"/>
+          </a:fontRef>
+        </p:style>
+      </p:cxnSp>
+      <p:cxnSp>
+        <p:nvCxnSpPr>
+          <p:cNvPr id="134" name="직선 화살표 연결선 133">
+            <a:extLst>
+              <a:ext uri="{FF2B5EF4-FFF2-40B4-BE49-F238E27FC236}">
+                <a16:creationId xmlns:a16="http://schemas.microsoft.com/office/drawing/2014/main" id="{4CE6165C-716C-4020-B63E-93D198F3C2F6}"/>
+              </a:ext>
+            </a:extLst>
+          </p:cNvPr>
+          <p:cNvCxnSpPr>
+            <a:cxnSpLocks/>
+            <a:stCxn id="97" idx="0"/>
+            <a:endCxn id="129" idx="2"/>
+          </p:cNvCxnSpPr>
+          <p:nvPr/>
+        </p:nvCxnSpPr>
+        <p:spPr>
+          <a:xfrm flipV="1">
+            <a:off x="6728935" y="958636"/>
+            <a:ext cx="298958" cy="739643"/>
+          </a:xfrm>
+          <a:prstGeom prst="straightConnector1">
+            <a:avLst/>
+          </a:prstGeom>
+          <a:ln w="28575">
+            <a:solidFill>
+              <a:srgbClr val="C00000"/>
+            </a:solidFill>
+            <a:headEnd type="none" w="med" len="med"/>
+            <a:tailEnd type="arrow" w="med" len="med"/>
+          </a:ln>
+        </p:spPr>
+        <p:style>
+          <a:lnRef idx="1">
+            <a:schemeClr val="accent1"/>
+          </a:lnRef>
+          <a:fillRef idx="0">
+            <a:schemeClr val="accent1"/>
+          </a:fillRef>
+          <a:effectRef idx="0">
+            <a:schemeClr val="accent1"/>
+          </a:effectRef>
+          <a:fontRef idx="minor">
+            <a:schemeClr val="tx1"/>
+          </a:fontRef>
+        </p:style>
+      </p:cxnSp>
+      <p:cxnSp>
+        <p:nvCxnSpPr>
+          <p:cNvPr id="137" name="직선 화살표 연결선 136">
+            <a:extLst>
+              <a:ext uri="{FF2B5EF4-FFF2-40B4-BE49-F238E27FC236}">
+                <a16:creationId xmlns:a16="http://schemas.microsoft.com/office/drawing/2014/main" id="{0C5B76D2-9ECA-417B-9F89-BE10BF76E83A}"/>
+              </a:ext>
+            </a:extLst>
+          </p:cNvPr>
+          <p:cNvCxnSpPr>
+            <a:cxnSpLocks/>
+            <a:stCxn id="97" idx="0"/>
+            <a:endCxn id="133" idx="2"/>
+          </p:cNvCxnSpPr>
+          <p:nvPr/>
+        </p:nvCxnSpPr>
+        <p:spPr>
+          <a:xfrm flipV="1">
+            <a:off x="6728935" y="959094"/>
+            <a:ext cx="1616553" cy="739185"/>
+          </a:xfrm>
+          <a:prstGeom prst="straightConnector1">
+            <a:avLst/>
+          </a:prstGeom>
+          <a:ln w="28575">
+            <a:solidFill>
+              <a:srgbClr val="C00000"/>
+            </a:solidFill>
+            <a:headEnd type="none" w="med" len="med"/>
+            <a:tailEnd type="arrow" w="med" len="med"/>
+          </a:ln>
+        </p:spPr>
+        <p:style>
+          <a:lnRef idx="1">
+            <a:schemeClr val="accent1"/>
+          </a:lnRef>
+          <a:fillRef idx="0">
+            <a:schemeClr val="accent1"/>
+          </a:fillRef>
+          <a:effectRef idx="0">
+            <a:schemeClr val="accent1"/>
+          </a:effectRef>
+          <a:fontRef idx="minor">
+            <a:schemeClr val="tx1"/>
+          </a:fontRef>
+        </p:style>
+      </p:cxnSp>
+      <p:cxnSp>
+        <p:nvCxnSpPr>
+          <p:cNvPr id="550" name="직선 화살표 연결선 549">
+            <a:extLst>
+              <a:ext uri="{FF2B5EF4-FFF2-40B4-BE49-F238E27FC236}">
+                <a16:creationId xmlns:a16="http://schemas.microsoft.com/office/drawing/2014/main" id="{54B7B654-D3EF-4BEE-8450-F8EA54E62097}"/>
+              </a:ext>
+            </a:extLst>
+          </p:cNvPr>
+          <p:cNvCxnSpPr>
+            <a:cxnSpLocks/>
+          </p:cNvCxnSpPr>
+          <p:nvPr/>
+        </p:nvCxnSpPr>
+        <p:spPr>
+          <a:xfrm>
+            <a:off x="971600" y="4622267"/>
+            <a:ext cx="384517" cy="0"/>
+          </a:xfrm>
+          <a:prstGeom prst="straightConnector1">
+            <a:avLst/>
+          </a:prstGeom>
+          <a:ln w="28575">
+            <a:solidFill>
+              <a:srgbClr val="C00000"/>
+            </a:solidFill>
+            <a:headEnd type="none" w="med" len="med"/>
+            <a:tailEnd type="arrow" w="med" len="med"/>
+          </a:ln>
+        </p:spPr>
+        <p:style>
+          <a:lnRef idx="1">
+            <a:schemeClr val="accent1"/>
+          </a:lnRef>
+          <a:fillRef idx="0">
+            <a:schemeClr val="accent1"/>
+          </a:fillRef>
+          <a:effectRef idx="0">
+            <a:schemeClr val="accent1"/>
+          </a:effectRef>
+          <a:fontRef idx="minor">
+            <a:schemeClr val="tx1"/>
+          </a:fontRef>
+        </p:style>
+      </p:cxnSp>
+      <p:sp>
+        <p:nvSpPr>
+          <p:cNvPr id="552" name="사각형: 둥근 모서리 551">
+            <a:extLst>
+              <a:ext uri="{FF2B5EF4-FFF2-40B4-BE49-F238E27FC236}">
+                <a16:creationId xmlns:a16="http://schemas.microsoft.com/office/drawing/2014/main" id="{54D56402-3AF8-4D6E-8ACD-78D154106AAE}"/>
+              </a:ext>
+            </a:extLst>
+          </p:cNvPr>
+          <p:cNvSpPr/>
+          <p:nvPr/>
+        </p:nvSpPr>
+        <p:spPr>
+          <a:xfrm>
+            <a:off x="1335539" y="4440535"/>
+            <a:ext cx="1161462" cy="363463"/>
+          </a:xfrm>
+          <a:prstGeom prst="roundRect">
+            <a:avLst>
+              <a:gd name="adj" fmla="val 8441"/>
+            </a:avLst>
+          </a:prstGeom>
+          <a:noFill/>
+          <a:ln>
+            <a:noFill/>
+          </a:ln>
+        </p:spPr>
+        <p:style>
+          <a:lnRef idx="2">
+            <a:schemeClr val="dk1"/>
+          </a:lnRef>
+          <a:fillRef idx="1">
+            <a:schemeClr val="lt1"/>
+          </a:fillRef>
+          <a:effectRef idx="0">
+            <a:schemeClr val="dk1"/>
+          </a:effectRef>
+          <a:fontRef idx="minor">
+            <a:schemeClr val="dk1"/>
+          </a:fontRef>
+        </p:style>
+        <p:txBody>
+          <a:bodyPr rtlCol="0" anchor="ctr"/>
+          <a:lstStyle/>
+          <a:p>
+            <a:pPr algn="ctr"/>
+            <a:r>
+              <a:rPr lang="en-US" altLang="ko-KR" sz="1200"/>
+              <a:t>App Packet</a:t>
+            </a:r>
+          </a:p>
+        </p:txBody>
+      </p:sp>
+      <p:cxnSp>
+        <p:nvCxnSpPr>
+          <p:cNvPr id="553" name="직선 화살표 연결선 552">
+            <a:extLst>
+              <a:ext uri="{FF2B5EF4-FFF2-40B4-BE49-F238E27FC236}">
+                <a16:creationId xmlns:a16="http://schemas.microsoft.com/office/drawing/2014/main" id="{7F8EE3C9-71BE-45CA-B80C-8BB0F3EE9D56}"/>
+              </a:ext>
+            </a:extLst>
+          </p:cNvPr>
+          <p:cNvCxnSpPr>
+            <a:cxnSpLocks/>
+          </p:cNvCxnSpPr>
+          <p:nvPr/>
+        </p:nvCxnSpPr>
+        <p:spPr>
+          <a:xfrm>
+            <a:off x="2676027" y="4622267"/>
+            <a:ext cx="384517" cy="0"/>
+          </a:xfrm>
+          <a:prstGeom prst="straightConnector1">
+            <a:avLst/>
+          </a:prstGeom>
+          <a:ln w="28575">
+            <a:solidFill>
+              <a:schemeClr val="accent6">
+                <a:lumMod val="75000"/>
+              </a:schemeClr>
+            </a:solidFill>
+            <a:headEnd type="none" w="med" len="med"/>
+            <a:tailEnd type="arrow" w="med" len="med"/>
+          </a:ln>
+        </p:spPr>
+        <p:style>
+          <a:lnRef idx="1">
+            <a:schemeClr val="accent1"/>
+          </a:lnRef>
+          <a:fillRef idx="0">
+            <a:schemeClr val="accent1"/>
+          </a:fillRef>
+          <a:effectRef idx="0">
+            <a:schemeClr val="accent1"/>
+          </a:effectRef>
+          <a:fontRef idx="minor">
+            <a:schemeClr val="tx1"/>
+          </a:fontRef>
+        </p:style>
+      </p:cxnSp>
+      <p:sp>
+        <p:nvSpPr>
+          <p:cNvPr id="554" name="사각형: 둥근 모서리 553">
+            <a:extLst>
+              <a:ext uri="{FF2B5EF4-FFF2-40B4-BE49-F238E27FC236}">
+                <a16:creationId xmlns:a16="http://schemas.microsoft.com/office/drawing/2014/main" id="{8E68871C-7BA9-4AA1-9845-E7A2420F199C}"/>
+              </a:ext>
+            </a:extLst>
+          </p:cNvPr>
+          <p:cNvSpPr/>
+          <p:nvPr/>
+        </p:nvSpPr>
+        <p:spPr>
+          <a:xfrm>
+            <a:off x="3039966" y="4440535"/>
+            <a:ext cx="1161462" cy="363463"/>
+          </a:xfrm>
+          <a:prstGeom prst="roundRect">
+            <a:avLst>
+              <a:gd name="adj" fmla="val 8441"/>
+            </a:avLst>
+          </a:prstGeom>
+          <a:noFill/>
+          <a:ln>
+            <a:noFill/>
+          </a:ln>
+        </p:spPr>
+        <p:style>
+          <a:lnRef idx="2">
+            <a:schemeClr val="dk1"/>
+          </a:lnRef>
+          <a:fillRef idx="1">
+            <a:schemeClr val="lt1"/>
+          </a:fillRef>
+          <a:effectRef idx="0">
+            <a:schemeClr val="dk1"/>
+          </a:effectRef>
+          <a:fontRef idx="minor">
+            <a:schemeClr val="dk1"/>
+          </a:fontRef>
+        </p:style>
+        <p:txBody>
+          <a:bodyPr rtlCol="0" anchor="ctr"/>
+          <a:lstStyle/>
+          <a:p>
+            <a:pPr algn="ctr"/>
+            <a:r>
+              <a:rPr lang="en-US" altLang="ko-KR" sz="1200"/>
+              <a:t>Nginx Config </a:t>
+            </a:r>
+          </a:p>
+        </p:txBody>
+      </p:sp>
+      <p:cxnSp>
+        <p:nvCxnSpPr>
+          <p:cNvPr id="555" name="직선 화살표 연결선 554">
+            <a:extLst>
+              <a:ext uri="{FF2B5EF4-FFF2-40B4-BE49-F238E27FC236}">
+                <a16:creationId xmlns:a16="http://schemas.microsoft.com/office/drawing/2014/main" id="{6369851D-A42E-4AB9-A9F8-DE0F43F341A8}"/>
+              </a:ext>
+            </a:extLst>
+          </p:cNvPr>
+          <p:cNvCxnSpPr>
+            <a:cxnSpLocks/>
+          </p:cNvCxnSpPr>
+          <p:nvPr/>
+        </p:nvCxnSpPr>
+        <p:spPr>
+          <a:xfrm>
+            <a:off x="4390986" y="4622267"/>
+            <a:ext cx="384517" cy="0"/>
+          </a:xfrm>
+          <a:prstGeom prst="straightConnector1">
+            <a:avLst/>
+          </a:prstGeom>
+          <a:ln w="28575">
+            <a:solidFill>
+              <a:schemeClr val="accent3">
+                <a:lumMod val="75000"/>
+              </a:schemeClr>
+            </a:solidFill>
+            <a:headEnd type="none" w="med" len="med"/>
+            <a:tailEnd type="arrow" w="med" len="med"/>
+          </a:ln>
+        </p:spPr>
+        <p:style>
+          <a:lnRef idx="1">
+            <a:schemeClr val="accent1"/>
+          </a:lnRef>
+          <a:fillRef idx="0">
+            <a:schemeClr val="accent1"/>
+          </a:fillRef>
+          <a:effectRef idx="0">
+            <a:schemeClr val="accent1"/>
+          </a:effectRef>
+          <a:fontRef idx="minor">
+            <a:schemeClr val="tx1"/>
+          </a:fontRef>
+        </p:style>
+      </p:cxnSp>
+      <p:sp>
+        <p:nvSpPr>
+          <p:cNvPr id="556" name="사각형: 둥근 모서리 555">
+            <a:extLst>
+              <a:ext uri="{FF2B5EF4-FFF2-40B4-BE49-F238E27FC236}">
+                <a16:creationId xmlns:a16="http://schemas.microsoft.com/office/drawing/2014/main" id="{BE0C53E0-24F0-4895-9B55-02B458334C06}"/>
+              </a:ext>
+            </a:extLst>
+          </p:cNvPr>
+          <p:cNvSpPr/>
+          <p:nvPr/>
+        </p:nvSpPr>
+        <p:spPr>
+          <a:xfrm>
+            <a:off x="4754925" y="4440535"/>
+            <a:ext cx="1161462" cy="363463"/>
+          </a:xfrm>
+          <a:prstGeom prst="roundRect">
+            <a:avLst>
+              <a:gd name="adj" fmla="val 8441"/>
+            </a:avLst>
+          </a:prstGeom>
+          <a:noFill/>
+          <a:ln>
+            <a:noFill/>
+          </a:ln>
+        </p:spPr>
+        <p:style>
+          <a:lnRef idx="2">
+            <a:schemeClr val="dk1"/>
+          </a:lnRef>
+          <a:fillRef idx="1">
+            <a:schemeClr val="lt1"/>
+          </a:fillRef>
+          <a:effectRef idx="0">
+            <a:schemeClr val="dk1"/>
+          </a:effectRef>
+          <a:fontRef idx="minor">
+            <a:schemeClr val="dk1"/>
+          </a:fontRef>
+        </p:style>
+        <p:txBody>
+          <a:bodyPr rtlCol="0" anchor="ctr"/>
+          <a:lstStyle/>
+          <a:p>
+            <a:pPr algn="ctr"/>
+            <a:r>
+              <a:rPr lang="en-US" altLang="ko-KR" sz="1200"/>
+              <a:t>Nginx Metric</a:t>
+            </a:r>
+          </a:p>
+        </p:txBody>
+      </p:sp>
+      <p:cxnSp>
+        <p:nvCxnSpPr>
+          <p:cNvPr id="557" name="직선 화살표 연결선 556">
+            <a:extLst>
+              <a:ext uri="{FF2B5EF4-FFF2-40B4-BE49-F238E27FC236}">
+                <a16:creationId xmlns:a16="http://schemas.microsoft.com/office/drawing/2014/main" id="{D94CC75B-FE55-41D7-98BA-5A454F1A7CD0}"/>
+              </a:ext>
+            </a:extLst>
+          </p:cNvPr>
+          <p:cNvCxnSpPr>
+            <a:cxnSpLocks/>
+          </p:cNvCxnSpPr>
+          <p:nvPr/>
+        </p:nvCxnSpPr>
+        <p:spPr>
+          <a:xfrm>
+            <a:off x="6084166" y="4622267"/>
+            <a:ext cx="384517" cy="0"/>
+          </a:xfrm>
+          <a:prstGeom prst="straightConnector1">
+            <a:avLst/>
+          </a:prstGeom>
+          <a:ln w="28575">
+            <a:solidFill>
+              <a:schemeClr val="accent1"/>
+            </a:solidFill>
+            <a:headEnd type="none" w="med" len="med"/>
+            <a:tailEnd type="arrow" w="med" len="med"/>
+          </a:ln>
+        </p:spPr>
+        <p:style>
+          <a:lnRef idx="1">
+            <a:schemeClr val="accent1"/>
+          </a:lnRef>
+          <a:fillRef idx="0">
+            <a:schemeClr val="accent1"/>
+          </a:fillRef>
+          <a:effectRef idx="0">
+            <a:schemeClr val="accent1"/>
+          </a:effectRef>
+          <a:fontRef idx="minor">
+            <a:schemeClr val="tx1"/>
+          </a:fontRef>
+        </p:style>
+      </p:cxnSp>
+      <p:sp>
+        <p:nvSpPr>
+          <p:cNvPr id="558" name="사각형: 둥근 모서리 557">
+            <a:extLst>
+              <a:ext uri="{FF2B5EF4-FFF2-40B4-BE49-F238E27FC236}">
+                <a16:creationId xmlns:a16="http://schemas.microsoft.com/office/drawing/2014/main" id="{A187A017-761B-449A-8846-91B5FF8C087D}"/>
+              </a:ext>
+            </a:extLst>
+          </p:cNvPr>
+          <p:cNvSpPr/>
+          <p:nvPr/>
+        </p:nvSpPr>
+        <p:spPr>
+          <a:xfrm>
+            <a:off x="6448104" y="4440535"/>
+            <a:ext cx="1620723" cy="363463"/>
+          </a:xfrm>
+          <a:prstGeom prst="roundRect">
+            <a:avLst>
+              <a:gd name="adj" fmla="val 8441"/>
+            </a:avLst>
+          </a:prstGeom>
+          <a:noFill/>
+          <a:ln>
+            <a:noFill/>
+          </a:ln>
+        </p:spPr>
+        <p:style>
+          <a:lnRef idx="2">
+            <a:schemeClr val="dk1"/>
+          </a:lnRef>
+          <a:fillRef idx="1">
+            <a:schemeClr val="lt1"/>
+          </a:fillRef>
+          <a:effectRef idx="0">
+            <a:schemeClr val="dk1"/>
+          </a:effectRef>
+          <a:fontRef idx="minor">
+            <a:schemeClr val="dk1"/>
+          </a:fontRef>
+        </p:style>
+        <p:txBody>
+          <a:bodyPr rtlCol="0" anchor="ctr"/>
+          <a:lstStyle/>
+          <a:p>
+            <a:pPr algn="ctr"/>
+            <a:r>
+              <a:rPr lang="en-US" altLang="ko-KR" sz="1200"/>
+              <a:t>Nginx Health Check</a:t>
+            </a:r>
+          </a:p>
+        </p:txBody>
+      </p:sp>
+      <p:sp>
+        <p:nvSpPr>
+          <p:cNvPr id="561" name="사각형: 둥근 모서리 560">
+            <a:extLst>
+              <a:ext uri="{FF2B5EF4-FFF2-40B4-BE49-F238E27FC236}">
+                <a16:creationId xmlns:a16="http://schemas.microsoft.com/office/drawing/2014/main" id="{B965AE0B-5BBD-43DB-8694-68388EEEEA25}"/>
+              </a:ext>
+            </a:extLst>
+          </p:cNvPr>
+          <p:cNvSpPr/>
+          <p:nvPr/>
+        </p:nvSpPr>
+        <p:spPr>
+          <a:xfrm>
+            <a:off x="7010938" y="1419622"/>
+            <a:ext cx="1161462" cy="363463"/>
+          </a:xfrm>
+          <a:prstGeom prst="roundRect">
+            <a:avLst>
+              <a:gd name="adj" fmla="val 8441"/>
+            </a:avLst>
+          </a:prstGeom>
+          <a:noFill/>
+          <a:ln>
+            <a:noFill/>
+          </a:ln>
+        </p:spPr>
+        <p:style>
+          <a:lnRef idx="2">
+            <a:schemeClr val="dk1"/>
+          </a:lnRef>
+          <a:fillRef idx="1">
+            <a:schemeClr val="lt1"/>
+          </a:fillRef>
+          <a:effectRef idx="0">
+            <a:schemeClr val="dk1"/>
+          </a:effectRef>
+          <a:fontRef idx="minor">
+            <a:schemeClr val="dk1"/>
+          </a:fontRef>
+        </p:style>
+        <p:txBody>
+          <a:bodyPr rtlCol="0" anchor="ctr"/>
+          <a:lstStyle/>
+          <a:p>
+            <a:pPr algn="ctr"/>
+            <a:r>
+              <a:rPr lang="en-US" altLang="ko-KR" sz="1200"/>
+              <a:t>Endpoint</a:t>
+            </a:r>
+          </a:p>
+          <a:p>
+            <a:pPr algn="ctr"/>
+            <a:r>
+              <a:rPr lang="en-US" altLang="ko-KR" sz="1200"/>
+              <a:t>Info</a:t>
+            </a:r>
+          </a:p>
+        </p:txBody>
+      </p:sp>
+      <p:sp>
+        <p:nvSpPr>
+          <p:cNvPr id="584" name="사각형: 둥근 모서리 583">
+            <a:extLst>
+              <a:ext uri="{FF2B5EF4-FFF2-40B4-BE49-F238E27FC236}">
+                <a16:creationId xmlns:a16="http://schemas.microsoft.com/office/drawing/2014/main" id="{9CDF2626-A46A-4C5B-B20D-EB615B9DB7FA}"/>
+              </a:ext>
+            </a:extLst>
+          </p:cNvPr>
+          <p:cNvSpPr/>
+          <p:nvPr/>
+        </p:nvSpPr>
+        <p:spPr>
+          <a:xfrm>
+            <a:off x="107505" y="2547033"/>
+            <a:ext cx="1042245" cy="489130"/>
+          </a:xfrm>
+          <a:prstGeom prst="roundRect">
+            <a:avLst>
+              <a:gd name="adj" fmla="val 9140"/>
+            </a:avLst>
+          </a:prstGeom>
+        </p:spPr>
+        <p:style>
+          <a:lnRef idx="2">
+            <a:schemeClr val="dk1"/>
+          </a:lnRef>
+          <a:fillRef idx="1">
+            <a:schemeClr val="lt1"/>
+          </a:fillRef>
+          <a:effectRef idx="0">
+            <a:schemeClr val="dk1"/>
+          </a:effectRef>
+          <a:fontRef idx="minor">
+            <a:schemeClr val="dk1"/>
+          </a:fontRef>
+        </p:style>
+        <p:txBody>
+          <a:bodyPr rtlCol="0" anchor="ctr"/>
+          <a:lstStyle/>
+          <a:p>
+            <a:pPr algn="ctr"/>
+            <a:r>
+              <a:rPr lang="en-US" altLang="ko-KR" sz="1200"/>
+              <a:t>kubelet</a:t>
+            </a:r>
+            <a:endParaRPr lang="ko-KR" altLang="en-US" sz="1200"/>
+          </a:p>
+        </p:txBody>
+      </p:sp>
+      <p:cxnSp>
+        <p:nvCxnSpPr>
+          <p:cNvPr id="587" name="직선 화살표 연결선 586">
+            <a:extLst>
+              <a:ext uri="{FF2B5EF4-FFF2-40B4-BE49-F238E27FC236}">
+                <a16:creationId xmlns:a16="http://schemas.microsoft.com/office/drawing/2014/main" id="{F13845C6-1A8A-43A5-B771-2AE0F46F38A3}"/>
+              </a:ext>
+            </a:extLst>
+          </p:cNvPr>
+          <p:cNvCxnSpPr>
+            <a:cxnSpLocks/>
+            <a:stCxn id="584" idx="3"/>
+            <a:endCxn id="472" idx="1"/>
+          </p:cNvCxnSpPr>
+          <p:nvPr/>
+        </p:nvCxnSpPr>
+        <p:spPr>
+          <a:xfrm>
+            <a:off x="1149750" y="2791598"/>
+            <a:ext cx="384517" cy="1"/>
+          </a:xfrm>
+          <a:prstGeom prst="straightConnector1">
+            <a:avLst/>
+          </a:prstGeom>
+          <a:ln w="28575">
+            <a:solidFill>
+              <a:schemeClr val="accent1"/>
+            </a:solidFill>
+            <a:headEnd type="none" w="med" len="med"/>
+            <a:tailEnd type="arrow" w="med" len="med"/>
+          </a:ln>
+        </p:spPr>
+        <p:style>
+          <a:lnRef idx="1">
+            <a:schemeClr val="accent1"/>
+          </a:lnRef>
+          <a:fillRef idx="0">
+            <a:schemeClr val="accent1"/>
+          </a:fillRef>
+          <a:effectRef idx="0">
+            <a:schemeClr val="accent1"/>
+          </a:effectRef>
+          <a:fontRef idx="minor">
+            <a:schemeClr val="tx1"/>
+          </a:fontRef>
+        </p:style>
+      </p:cxnSp>
+      <p:cxnSp>
+        <p:nvCxnSpPr>
+          <p:cNvPr id="592" name="직선 화살표 연결선 591">
+            <a:extLst>
+              <a:ext uri="{FF2B5EF4-FFF2-40B4-BE49-F238E27FC236}">
+                <a16:creationId xmlns:a16="http://schemas.microsoft.com/office/drawing/2014/main" id="{46B0B97B-D31E-412D-A016-B7E7B5843B4F}"/>
+              </a:ext>
+            </a:extLst>
+          </p:cNvPr>
+          <p:cNvCxnSpPr>
+            <a:cxnSpLocks/>
+          </p:cNvCxnSpPr>
+          <p:nvPr/>
+        </p:nvCxnSpPr>
+        <p:spPr>
+          <a:xfrm flipH="1">
+            <a:off x="5041788" y="2147510"/>
+            <a:ext cx="2698564" cy="3429"/>
+          </a:xfrm>
+          <a:prstGeom prst="straightConnector1">
+            <a:avLst/>
+          </a:prstGeom>
+          <a:ln w="28575">
+            <a:solidFill>
+              <a:schemeClr val="tx1"/>
+            </a:solidFill>
+            <a:headEnd type="none" w="med" len="med"/>
+            <a:tailEnd type="none" w="med" len="med"/>
+          </a:ln>
+        </p:spPr>
+        <p:style>
+          <a:lnRef idx="1">
+            <a:schemeClr val="accent1"/>
+          </a:lnRef>
+          <a:fillRef idx="0">
+            <a:schemeClr val="accent1"/>
+          </a:fillRef>
+          <a:effectRef idx="0">
+            <a:schemeClr val="accent1"/>
+          </a:effectRef>
+          <a:fontRef idx="minor">
+            <a:schemeClr val="tx1"/>
+          </a:fontRef>
+        </p:style>
+      </p:cxnSp>
+      <p:cxnSp>
+        <p:nvCxnSpPr>
+          <p:cNvPr id="596" name="직선 화살표 연결선 595">
+            <a:extLst>
+              <a:ext uri="{FF2B5EF4-FFF2-40B4-BE49-F238E27FC236}">
+                <a16:creationId xmlns:a16="http://schemas.microsoft.com/office/drawing/2014/main" id="{23998ED3-1339-41B9-9AE0-4290B3F28F43}"/>
+              </a:ext>
+            </a:extLst>
+          </p:cNvPr>
+          <p:cNvCxnSpPr>
+            <a:cxnSpLocks/>
+            <a:endCxn id="102" idx="2"/>
+          </p:cNvCxnSpPr>
+          <p:nvPr/>
+        </p:nvCxnSpPr>
+        <p:spPr>
+          <a:xfrm flipV="1">
+            <a:off x="5044146" y="1974930"/>
+            <a:ext cx="0" cy="176009"/>
+          </a:xfrm>
+          <a:prstGeom prst="straightConnector1">
+            <a:avLst/>
+          </a:prstGeom>
+          <a:ln w="28575">
+            <a:solidFill>
+              <a:schemeClr val="tx1"/>
+            </a:solidFill>
+            <a:headEnd type="none" w="med" len="med"/>
+            <a:tailEnd type="arrow" w="med" len="med"/>
+          </a:ln>
+        </p:spPr>
+        <p:style>
+          <a:lnRef idx="1">
+            <a:schemeClr val="accent1"/>
+          </a:lnRef>
+          <a:fillRef idx="0">
+            <a:schemeClr val="accent1"/>
+          </a:fillRef>
+          <a:effectRef idx="0">
+            <a:schemeClr val="accent1"/>
+          </a:effectRef>
+          <a:fontRef idx="minor">
+            <a:schemeClr val="tx1"/>
+          </a:fontRef>
+        </p:style>
+      </p:cxnSp>
+      <p:sp>
+        <p:nvSpPr>
+          <p:cNvPr id="600" name="사각형: 둥근 모서리 599">
+            <a:extLst>
+              <a:ext uri="{FF2B5EF4-FFF2-40B4-BE49-F238E27FC236}">
+                <a16:creationId xmlns:a16="http://schemas.microsoft.com/office/drawing/2014/main" id="{E99E8944-83EF-49BD-B106-94653006A6FF}"/>
+              </a:ext>
+            </a:extLst>
+          </p:cNvPr>
+          <p:cNvSpPr/>
+          <p:nvPr/>
+        </p:nvSpPr>
+        <p:spPr>
+          <a:xfrm>
+            <a:off x="4932040" y="1866184"/>
+            <a:ext cx="1161462" cy="363463"/>
+          </a:xfrm>
+          <a:prstGeom prst="roundRect">
+            <a:avLst>
+              <a:gd name="adj" fmla="val 8441"/>
+            </a:avLst>
+          </a:prstGeom>
+          <a:noFill/>
+          <a:ln>
+            <a:noFill/>
+          </a:ln>
+        </p:spPr>
+        <p:style>
+          <a:lnRef idx="2">
+            <a:schemeClr val="dk1"/>
+          </a:lnRef>
+          <a:fillRef idx="1">
+            <a:schemeClr val="lt1"/>
+          </a:fillRef>
+          <a:effectRef idx="0">
+            <a:schemeClr val="dk1"/>
+          </a:effectRef>
+          <a:fontRef idx="minor">
+            <a:schemeClr val="dk1"/>
+          </a:fontRef>
+        </p:style>
+        <p:txBody>
+          <a:bodyPr rtlCol="0" anchor="ctr"/>
+          <a:lstStyle/>
+          <a:p>
+            <a:pPr algn="ctr"/>
+            <a:r>
+              <a:rPr lang="en-US" altLang="ko-KR" sz="1200"/>
+              <a:t>Certificate</a:t>
+            </a:r>
+          </a:p>
+        </p:txBody>
+      </p:sp>
+      <p:sp>
+        <p:nvSpPr>
+          <p:cNvPr id="66" name="사각형: 둥근 모서리 65">
+            <a:extLst>
+              <a:ext uri="{FF2B5EF4-FFF2-40B4-BE49-F238E27FC236}">
+                <a16:creationId xmlns:a16="http://schemas.microsoft.com/office/drawing/2014/main" id="{4CF9B3D7-DBCA-4962-BD18-F48CEAF98A07}"/>
+              </a:ext>
+            </a:extLst>
+          </p:cNvPr>
+          <p:cNvSpPr/>
+          <p:nvPr/>
+        </p:nvSpPr>
+        <p:spPr>
+          <a:xfrm rot="16200000">
+            <a:off x="7502205" y="2395899"/>
+            <a:ext cx="1960901" cy="398882"/>
+          </a:xfrm>
+          <a:prstGeom prst="roundRect">
+            <a:avLst>
+              <a:gd name="adj" fmla="val 18519"/>
+            </a:avLst>
+          </a:prstGeom>
+          <a:ln>
+            <a:solidFill>
+              <a:schemeClr val="tx1"/>
+            </a:solidFill>
+          </a:ln>
+        </p:spPr>
+        <p:style>
+          <a:lnRef idx="2">
+            <a:schemeClr val="dk1"/>
+          </a:lnRef>
+          <a:fillRef idx="1">
+            <a:schemeClr val="lt1"/>
+          </a:fillRef>
+          <a:effectRef idx="0">
+            <a:schemeClr val="dk1"/>
+          </a:effectRef>
+          <a:fontRef idx="minor">
+            <a:schemeClr val="dk1"/>
+          </a:fontRef>
+        </p:style>
+        <p:txBody>
+          <a:bodyPr rtlCol="0" anchor="ctr"/>
+          <a:lstStyle/>
+          <a:p>
+            <a:pPr algn="ctr"/>
+            <a:r>
+              <a:rPr lang="en-US" altLang="ko-KR" sz="1200"/>
+              <a:t>/etc/nginx/nginx.conf</a:t>
+            </a:r>
+          </a:p>
+        </p:txBody>
+      </p:sp>
+      <p:cxnSp>
+        <p:nvCxnSpPr>
+          <p:cNvPr id="69" name="직선 화살표 연결선 68">
+            <a:extLst>
+              <a:ext uri="{FF2B5EF4-FFF2-40B4-BE49-F238E27FC236}">
+                <a16:creationId xmlns:a16="http://schemas.microsoft.com/office/drawing/2014/main" id="{C7825897-E31F-4E0C-8B62-66CD249513EC}"/>
+              </a:ext>
+            </a:extLst>
+          </p:cNvPr>
+          <p:cNvCxnSpPr>
+            <a:cxnSpLocks/>
+          </p:cNvCxnSpPr>
+          <p:nvPr/>
+        </p:nvCxnSpPr>
+        <p:spPr>
+          <a:xfrm>
+            <a:off x="7172677" y="3173214"/>
+            <a:ext cx="1113092" cy="0"/>
+          </a:xfrm>
+          <a:prstGeom prst="straightConnector1">
+            <a:avLst/>
+          </a:prstGeom>
+          <a:ln w="28575">
+            <a:solidFill>
+              <a:schemeClr val="accent6">
+                <a:lumMod val="75000"/>
+              </a:schemeClr>
+            </a:solidFill>
+            <a:headEnd type="none" w="med" len="med"/>
+            <a:tailEnd type="arrow" w="med" len="med"/>
+          </a:ln>
+        </p:spPr>
+        <p:style>
+          <a:lnRef idx="1">
+            <a:schemeClr val="accent1"/>
+          </a:lnRef>
+          <a:fillRef idx="0">
+            <a:schemeClr val="accent1"/>
+          </a:fillRef>
+          <a:effectRef idx="0">
+            <a:schemeClr val="accent1"/>
+          </a:effectRef>
+          <a:fontRef idx="minor">
+            <a:schemeClr val="tx1"/>
+          </a:fontRef>
+        </p:style>
+      </p:cxnSp>
+      <p:cxnSp>
+        <p:nvCxnSpPr>
+          <p:cNvPr id="77" name="직선 화살표 연결선 76">
+            <a:extLst>
+              <a:ext uri="{FF2B5EF4-FFF2-40B4-BE49-F238E27FC236}">
+                <a16:creationId xmlns:a16="http://schemas.microsoft.com/office/drawing/2014/main" id="{3646D7BD-7C42-42CE-8161-512F4AE9BA91}"/>
+              </a:ext>
+            </a:extLst>
+          </p:cNvPr>
+          <p:cNvCxnSpPr>
+            <a:cxnSpLocks/>
+          </p:cNvCxnSpPr>
+          <p:nvPr/>
+        </p:nvCxnSpPr>
+        <p:spPr>
+          <a:xfrm>
+            <a:off x="7172677" y="2784386"/>
+            <a:ext cx="0" cy="388828"/>
+          </a:xfrm>
+          <a:prstGeom prst="straightConnector1">
+            <a:avLst/>
+          </a:prstGeom>
+          <a:ln w="28575">
+            <a:solidFill>
+              <a:schemeClr val="accent6">
+                <a:lumMod val="75000"/>
+              </a:schemeClr>
+            </a:solidFill>
+            <a:headEnd type="none" w="med" len="med"/>
+            <a:tailEnd type="none" w="med" len="med"/>
+          </a:ln>
+        </p:spPr>
+        <p:style>
+          <a:lnRef idx="1">
+            <a:schemeClr val="accent1"/>
+          </a:lnRef>
+          <a:fillRef idx="0">
+            <a:schemeClr val="accent1"/>
+          </a:fillRef>
+          <a:effectRef idx="0">
+            <a:schemeClr val="accent1"/>
+          </a:effectRef>
+          <a:fontRef idx="minor">
+            <a:schemeClr val="tx1"/>
+          </a:fontRef>
+        </p:style>
+      </p:cxnSp>
+    </p:spTree>
+    <p:extLst>
+      <p:ext uri="{BB962C8B-B14F-4D97-AF65-F5344CB8AC3E}">
+        <p14:creationId xmlns:p14="http://schemas.microsoft.com/office/powerpoint/2010/main" val="2547442345"/>
+      </p:ext>
+    </p:extLst>
+  </p:cSld>
+  <p:clrMapOvr>
+    <a:masterClrMapping/>
+  </p:clrMapOvr>
+</p:sld>
+</file>
+
+<file path=ppt/slides/slide4.xml><?xml version="1.0" encoding="utf-8"?>
+<p:sld xmlns:a="http://schemas.openxmlformats.org/drawingml/2006/main" xmlns:r="http://schemas.openxmlformats.org/officeDocument/2006/relationships" xmlns:p="http://schemas.openxmlformats.org/presentationml/2006/main">
+  <p:cSld>
+    <p:spTree>
+      <p:nvGrpSpPr>
+        <p:cNvPr id="1" name=""/>
+        <p:cNvGrpSpPr/>
+        <p:nvPr/>
+      </p:nvGrpSpPr>
+      <p:grpSpPr>
+        <a:xfrm>
+          <a:off x="0" y="0"/>
+          <a:ext cx="0" cy="0"/>
+          <a:chOff x="0" y="0"/>
+          <a:chExt cx="0" cy="0"/>
+        </a:xfrm>
+      </p:grpSpPr>
+      <p:sp>
+        <p:nvSpPr>
+          <p:cNvPr id="2" name="제목 1">
+            <a:extLst>
+              <a:ext uri="{FF2B5EF4-FFF2-40B4-BE49-F238E27FC236}">
+                <a16:creationId xmlns:a16="http://schemas.microsoft.com/office/drawing/2014/main" id="{8738443D-5E72-49E2-86AC-581D61C41C39}"/>
+              </a:ext>
+            </a:extLst>
+          </p:cNvPr>
+          <p:cNvSpPr>
+            <a:spLocks noGrp="1"/>
+          </p:cNvSpPr>
+          <p:nvPr>
+            <p:ph type="title"/>
+          </p:nvPr>
+        </p:nvSpPr>
+        <p:spPr>
+          <a:xfrm>
+            <a:off x="457200" y="-812626"/>
+            <a:ext cx="8229600" cy="857250"/>
+          </a:xfrm>
+        </p:spPr>
+        <p:txBody>
+          <a:bodyPr>
+            <a:normAutofit/>
+          </a:bodyPr>
+          <a:lstStyle/>
+          <a:p>
+            <a:r>
+              <a:rPr lang="en-US" altLang="ko-KR"/>
+              <a:t>Nginx Ingress Controller</a:t>
+            </a:r>
+            <a:endParaRPr lang="ko-KR" altLang="en-US" dirty="0"/>
+          </a:p>
+        </p:txBody>
+      </p:sp>
+      <p:sp>
+        <p:nvSpPr>
+          <p:cNvPr id="140" name="사각형: 둥근 모서리 139">
+            <a:extLst>
+              <a:ext uri="{FF2B5EF4-FFF2-40B4-BE49-F238E27FC236}">
+                <a16:creationId xmlns:a16="http://schemas.microsoft.com/office/drawing/2014/main" id="{6133B965-2186-40C3-8310-51A420E789C4}"/>
+              </a:ext>
+            </a:extLst>
+          </p:cNvPr>
+          <p:cNvSpPr/>
+          <p:nvPr/>
+        </p:nvSpPr>
+        <p:spPr>
+          <a:xfrm>
+            <a:off x="251520" y="1881602"/>
+            <a:ext cx="1042245" cy="489130"/>
+          </a:xfrm>
+          <a:prstGeom prst="roundRect">
+            <a:avLst>
+              <a:gd name="adj" fmla="val 8065"/>
+            </a:avLst>
+          </a:prstGeom>
+        </p:spPr>
+        <p:style>
+          <a:lnRef idx="2">
+            <a:schemeClr val="dk1"/>
+          </a:lnRef>
+          <a:fillRef idx="1">
+            <a:schemeClr val="lt1"/>
+          </a:fillRef>
+          <a:effectRef idx="0">
+            <a:schemeClr val="dk1"/>
+          </a:effectRef>
+          <a:fontRef idx="minor">
+            <a:schemeClr val="dk1"/>
+          </a:fontRef>
+        </p:style>
+        <p:txBody>
+          <a:bodyPr rtlCol="0" anchor="ctr"/>
+          <a:lstStyle/>
+          <a:p>
+            <a:pPr algn="ctr"/>
+            <a:r>
+              <a:rPr lang="en-US" altLang="ko-KR" sz="1200"/>
+              <a:t>Kube API </a:t>
+            </a:r>
+          </a:p>
+          <a:p>
+            <a:pPr algn="ctr"/>
+            <a:r>
+              <a:rPr lang="en-US" altLang="ko-KR" sz="1200"/>
+              <a:t>Server</a:t>
+            </a:r>
+            <a:endParaRPr lang="ko-KR" altLang="en-US" sz="1200"/>
+          </a:p>
+        </p:txBody>
+      </p:sp>
+      <p:sp>
+        <p:nvSpPr>
+          <p:cNvPr id="20" name="사각형: 둥근 모서리 19">
+            <a:extLst>
+              <a:ext uri="{FF2B5EF4-FFF2-40B4-BE49-F238E27FC236}">
+                <a16:creationId xmlns:a16="http://schemas.microsoft.com/office/drawing/2014/main" id="{CA76CEC8-9AE1-4D62-A438-C3E2735DE7A3}"/>
+              </a:ext>
+            </a:extLst>
+          </p:cNvPr>
+          <p:cNvSpPr/>
+          <p:nvPr/>
+        </p:nvSpPr>
+        <p:spPr>
+          <a:xfrm>
+            <a:off x="251520" y="3217621"/>
+            <a:ext cx="1042245" cy="489130"/>
+          </a:xfrm>
+          <a:prstGeom prst="roundRect">
+            <a:avLst>
+              <a:gd name="adj" fmla="val 9140"/>
+            </a:avLst>
+          </a:prstGeom>
+        </p:spPr>
+        <p:style>
+          <a:lnRef idx="2">
+            <a:schemeClr val="dk1"/>
+          </a:lnRef>
+          <a:fillRef idx="1">
+            <a:schemeClr val="lt1"/>
+          </a:fillRef>
+          <a:effectRef idx="0">
+            <a:schemeClr val="dk1"/>
+          </a:effectRef>
+          <a:fontRef idx="minor">
+            <a:schemeClr val="dk1"/>
+          </a:fontRef>
+        </p:style>
+        <p:txBody>
+          <a:bodyPr rtlCol="0" anchor="ctr"/>
+          <a:lstStyle/>
+          <a:p>
+            <a:pPr algn="ctr"/>
+            <a:r>
+              <a:rPr lang="en-US" altLang="ko-KR" sz="1200"/>
+              <a:t>Prometheus</a:t>
+            </a:r>
+            <a:endParaRPr lang="ko-KR" altLang="en-US" sz="1200"/>
+          </a:p>
+        </p:txBody>
+      </p:sp>
+      <p:sp>
+        <p:nvSpPr>
+          <p:cNvPr id="119" name="사각형: 둥근 모서리 118">
+            <a:extLst>
+              <a:ext uri="{FF2B5EF4-FFF2-40B4-BE49-F238E27FC236}">
+                <a16:creationId xmlns:a16="http://schemas.microsoft.com/office/drawing/2014/main" id="{A334B54C-8078-48AF-8265-FADA53E12ABF}"/>
+              </a:ext>
+            </a:extLst>
+          </p:cNvPr>
+          <p:cNvSpPr/>
+          <p:nvPr/>
+        </p:nvSpPr>
+        <p:spPr>
+          <a:xfrm>
+            <a:off x="4177629" y="562693"/>
+            <a:ext cx="1124464" cy="363463"/>
+          </a:xfrm>
+          <a:prstGeom prst="roundRect">
+            <a:avLst>
+              <a:gd name="adj" fmla="val 8441"/>
+            </a:avLst>
+          </a:prstGeom>
+        </p:spPr>
+        <p:style>
+          <a:lnRef idx="2">
+            <a:schemeClr val="dk1"/>
+          </a:lnRef>
+          <a:fillRef idx="1">
+            <a:schemeClr val="lt1"/>
+          </a:fillRef>
+          <a:effectRef idx="0">
+            <a:schemeClr val="dk1"/>
+          </a:effectRef>
+          <a:fontRef idx="minor">
+            <a:schemeClr val="dk1"/>
+          </a:fontRef>
+        </p:style>
+        <p:txBody>
+          <a:bodyPr rtlCol="0" anchor="ctr"/>
+          <a:lstStyle/>
+          <a:p>
+            <a:pPr algn="ctr"/>
+            <a:r>
+              <a:rPr lang="en-US" altLang="ko-KR" sz="1200"/>
+              <a:t>Client</a:t>
+            </a:r>
+          </a:p>
+        </p:txBody>
+      </p:sp>
+      <p:sp>
+        <p:nvSpPr>
+          <p:cNvPr id="129" name="사각형: 둥근 모서리 128">
+            <a:extLst>
+              <a:ext uri="{FF2B5EF4-FFF2-40B4-BE49-F238E27FC236}">
+                <a16:creationId xmlns:a16="http://schemas.microsoft.com/office/drawing/2014/main" id="{B9DB8EE3-ED5D-485F-8070-845DDAD06649}"/>
+              </a:ext>
+            </a:extLst>
+          </p:cNvPr>
+          <p:cNvSpPr/>
+          <p:nvPr/>
+        </p:nvSpPr>
+        <p:spPr>
+          <a:xfrm>
+            <a:off x="5495226" y="555526"/>
+            <a:ext cx="1124464" cy="363463"/>
+          </a:xfrm>
+          <a:prstGeom prst="roundRect">
+            <a:avLst>
+              <a:gd name="adj" fmla="val 8441"/>
+            </a:avLst>
+          </a:prstGeom>
+        </p:spPr>
+        <p:style>
+          <a:lnRef idx="2">
+            <a:schemeClr val="dk1"/>
+          </a:lnRef>
+          <a:fillRef idx="1">
+            <a:schemeClr val="lt1"/>
+          </a:fillRef>
+          <a:effectRef idx="0">
+            <a:schemeClr val="dk1"/>
+          </a:effectRef>
+          <a:fontRef idx="minor">
+            <a:schemeClr val="dk1"/>
+          </a:fontRef>
+        </p:style>
+        <p:txBody>
+          <a:bodyPr rtlCol="0" anchor="ctr"/>
+          <a:lstStyle/>
+          <a:p>
+            <a:pPr algn="ctr"/>
+            <a:r>
+              <a:rPr lang="en-US" altLang="ko-KR" sz="1200"/>
+              <a:t>app Pod A</a:t>
+            </a:r>
+          </a:p>
+        </p:txBody>
+      </p:sp>
+      <p:sp>
+        <p:nvSpPr>
+          <p:cNvPr id="133" name="사각형: 둥근 모서리 132">
+            <a:extLst>
+              <a:ext uri="{FF2B5EF4-FFF2-40B4-BE49-F238E27FC236}">
+                <a16:creationId xmlns:a16="http://schemas.microsoft.com/office/drawing/2014/main" id="{DA6E8B67-C65B-4CA2-B000-74AF8665BA12}"/>
+              </a:ext>
+            </a:extLst>
+          </p:cNvPr>
+          <p:cNvSpPr/>
+          <p:nvPr/>
+        </p:nvSpPr>
+        <p:spPr>
+          <a:xfrm>
+            <a:off x="6812821" y="555984"/>
+            <a:ext cx="1124464" cy="363463"/>
+          </a:xfrm>
+          <a:prstGeom prst="roundRect">
+            <a:avLst>
+              <a:gd name="adj" fmla="val 8441"/>
+            </a:avLst>
+          </a:prstGeom>
+        </p:spPr>
+        <p:style>
+          <a:lnRef idx="2">
+            <a:schemeClr val="dk1"/>
+          </a:lnRef>
+          <a:fillRef idx="1">
+            <a:schemeClr val="lt1"/>
+          </a:fillRef>
+          <a:effectRef idx="0">
+            <a:schemeClr val="dk1"/>
+          </a:effectRef>
+          <a:fontRef idx="minor">
+            <a:schemeClr val="dk1"/>
+          </a:fontRef>
+        </p:style>
+        <p:txBody>
+          <a:bodyPr rtlCol="0" anchor="ctr"/>
+          <a:lstStyle/>
+          <a:p>
+            <a:pPr algn="ctr"/>
+            <a:r>
+              <a:rPr lang="en-US" altLang="ko-KR" sz="1200"/>
+              <a:t>app Pod B</a:t>
+            </a:r>
+          </a:p>
+        </p:txBody>
+      </p:sp>
+      <p:sp>
+        <p:nvSpPr>
+          <p:cNvPr id="139" name="사각형: 둥근 모서리 138">
+            <a:extLst>
+              <a:ext uri="{FF2B5EF4-FFF2-40B4-BE49-F238E27FC236}">
+                <a16:creationId xmlns:a16="http://schemas.microsoft.com/office/drawing/2014/main" id="{76159E96-5B63-4234-AD8C-F0184670315E}"/>
+              </a:ext>
+            </a:extLst>
+          </p:cNvPr>
+          <p:cNvSpPr/>
+          <p:nvPr/>
+        </p:nvSpPr>
+        <p:spPr>
+          <a:xfrm>
+            <a:off x="1413602" y="1074851"/>
+            <a:ext cx="7118837" cy="3364186"/>
+          </a:xfrm>
+          <a:prstGeom prst="roundRect">
+            <a:avLst>
+              <a:gd name="adj" fmla="val 3766"/>
+            </a:avLst>
+          </a:prstGeom>
+        </p:spPr>
+        <p:style>
+          <a:lnRef idx="2">
+            <a:schemeClr val="dk1"/>
+          </a:lnRef>
+          <a:fillRef idx="1">
+            <a:schemeClr val="lt1"/>
+          </a:fillRef>
+          <a:effectRef idx="0">
+            <a:schemeClr val="dk1"/>
+          </a:effectRef>
+          <a:fontRef idx="minor">
+            <a:schemeClr val="dk1"/>
+          </a:fontRef>
+        </p:style>
+        <p:txBody>
+          <a:bodyPr rtlCol="0" anchor="b"/>
+          <a:lstStyle/>
+          <a:p>
+            <a:pPr algn="r"/>
+            <a:r>
+              <a:rPr lang="en-US" altLang="ko-KR" sz="1400" b="1"/>
+              <a:t>Nginx Ingress Controller Pod</a:t>
+            </a:r>
+            <a:endParaRPr lang="ko-KR" altLang="en-US" sz="1400" b="1"/>
+          </a:p>
+        </p:txBody>
+      </p:sp>
+      <p:sp>
+        <p:nvSpPr>
+          <p:cNvPr id="143" name="사각형: 둥근 모서리 142">
+            <a:extLst>
+              <a:ext uri="{FF2B5EF4-FFF2-40B4-BE49-F238E27FC236}">
+                <a16:creationId xmlns:a16="http://schemas.microsoft.com/office/drawing/2014/main" id="{68F9AD81-A223-4D05-8A9B-00DD54217704}"/>
+              </a:ext>
+            </a:extLst>
+          </p:cNvPr>
+          <p:cNvSpPr/>
+          <p:nvPr/>
+        </p:nvSpPr>
+        <p:spPr>
+          <a:xfrm>
+            <a:off x="4218371" y="1266816"/>
+            <a:ext cx="4193784" cy="2430904"/>
+          </a:xfrm>
+          <a:prstGeom prst="roundRect">
+            <a:avLst>
+              <a:gd name="adj" fmla="val 4176"/>
+            </a:avLst>
+          </a:prstGeom>
+        </p:spPr>
+        <p:style>
+          <a:lnRef idx="2">
+            <a:schemeClr val="dk1"/>
+          </a:lnRef>
+          <a:fillRef idx="1">
+            <a:schemeClr val="lt1"/>
+          </a:fillRef>
+          <a:effectRef idx="0">
+            <a:schemeClr val="dk1"/>
+          </a:effectRef>
+          <a:fontRef idx="minor">
+            <a:schemeClr val="dk1"/>
+          </a:fontRef>
+        </p:style>
+        <p:txBody>
+          <a:bodyPr rtlCol="0" anchor="t"/>
+          <a:lstStyle/>
+          <a:p>
+            <a:pPr algn="ctr"/>
+            <a:r>
+              <a:rPr lang="en-US" altLang="ko-KR" sz="1400" b="1"/>
+              <a:t>Nginx</a:t>
+            </a:r>
+            <a:endParaRPr lang="ko-KR" altLang="en-US" sz="1400" b="1"/>
+          </a:p>
+        </p:txBody>
+      </p:sp>
+      <p:sp>
+        <p:nvSpPr>
+          <p:cNvPr id="144" name="사각형: 둥근 모서리 143">
+            <a:extLst>
+              <a:ext uri="{FF2B5EF4-FFF2-40B4-BE49-F238E27FC236}">
+                <a16:creationId xmlns:a16="http://schemas.microsoft.com/office/drawing/2014/main" id="{2B1E0DF8-FE5F-4C3C-8398-FFCA7DC29090}"/>
+              </a:ext>
+            </a:extLst>
+          </p:cNvPr>
+          <p:cNvSpPr/>
+          <p:nvPr/>
+        </p:nvSpPr>
+        <p:spPr>
+          <a:xfrm>
+            <a:off x="4352874" y="3215751"/>
+            <a:ext cx="1505925" cy="360039"/>
+          </a:xfrm>
+          <a:prstGeom prst="roundRect">
+            <a:avLst>
+              <a:gd name="adj" fmla="val 19110"/>
+            </a:avLst>
+          </a:prstGeom>
+          <a:ln>
+            <a:solidFill>
+              <a:schemeClr val="tx2"/>
+            </a:solidFill>
+          </a:ln>
+        </p:spPr>
+        <p:style>
+          <a:lnRef idx="2">
+            <a:schemeClr val="dk1"/>
+          </a:lnRef>
+          <a:fillRef idx="1">
+            <a:schemeClr val="lt1"/>
+          </a:fillRef>
+          <a:effectRef idx="0">
+            <a:schemeClr val="dk1"/>
+          </a:effectRef>
+          <a:fontRef idx="minor">
+            <a:schemeClr val="dk1"/>
+          </a:fontRef>
+        </p:style>
+        <p:txBody>
+          <a:bodyPr rtlCol="0" anchor="ctr"/>
+          <a:lstStyle/>
+          <a:p>
+            <a:r>
+              <a:rPr lang="en-US" altLang="ko-KR" sz="1200"/>
+              <a:t>/nginx_status</a:t>
+            </a:r>
+            <a:endParaRPr lang="ko-KR" altLang="en-US" sz="1200"/>
+          </a:p>
+        </p:txBody>
+      </p:sp>
+      <p:sp>
+        <p:nvSpPr>
+          <p:cNvPr id="236" name="사각형: 둥근 모서리 235">
+            <a:extLst>
+              <a:ext uri="{FF2B5EF4-FFF2-40B4-BE49-F238E27FC236}">
+                <a16:creationId xmlns:a16="http://schemas.microsoft.com/office/drawing/2014/main" id="{94B4B987-4AEB-4C59-B850-DA6D34771A97}"/>
+              </a:ext>
+            </a:extLst>
+          </p:cNvPr>
+          <p:cNvSpPr/>
+          <p:nvPr/>
+        </p:nvSpPr>
+        <p:spPr>
+          <a:xfrm>
+            <a:off x="4352872" y="2221802"/>
+            <a:ext cx="1505927" cy="634561"/>
+          </a:xfrm>
+          <a:prstGeom prst="roundRect">
+            <a:avLst>
+              <a:gd name="adj" fmla="val 11412"/>
+            </a:avLst>
+          </a:prstGeom>
+          <a:ln>
+            <a:solidFill>
+              <a:schemeClr val="tx2"/>
+            </a:solidFill>
+          </a:ln>
+        </p:spPr>
+        <p:style>
+          <a:lnRef idx="2">
+            <a:schemeClr val="dk1"/>
+          </a:lnRef>
+          <a:fillRef idx="1">
+            <a:schemeClr val="lt1"/>
+          </a:fillRef>
+          <a:effectRef idx="0">
+            <a:schemeClr val="dk1"/>
+          </a:effectRef>
+          <a:fontRef idx="minor">
+            <a:schemeClr val="dk1"/>
+          </a:fontRef>
+        </p:style>
+        <p:txBody>
+          <a:bodyPr rtlCol="0" anchor="ctr"/>
+          <a:lstStyle/>
+          <a:p>
+            <a:r>
+              <a:rPr lang="en-US" altLang="ko-KR" sz="1200"/>
+              <a:t>/configuration/</a:t>
+            </a:r>
+          </a:p>
+          <a:p>
+            <a:r>
+              <a:rPr lang="en-US" altLang="ko-KR" sz="1200"/>
+              <a:t>[backends, servers, general]</a:t>
+            </a:r>
+            <a:endParaRPr lang="ko-KR" altLang="en-US" sz="1200"/>
+          </a:p>
+        </p:txBody>
+      </p:sp>
+      <p:sp>
+        <p:nvSpPr>
+          <p:cNvPr id="19" name="사각형: 둥근 모서리 18">
+            <a:extLst>
+              <a:ext uri="{FF2B5EF4-FFF2-40B4-BE49-F238E27FC236}">
+                <a16:creationId xmlns:a16="http://schemas.microsoft.com/office/drawing/2014/main" id="{2E1EB2F0-F130-43BF-AB8B-9414EAD07553}"/>
+              </a:ext>
+            </a:extLst>
+          </p:cNvPr>
+          <p:cNvSpPr/>
+          <p:nvPr/>
+        </p:nvSpPr>
+        <p:spPr>
+          <a:xfrm>
+            <a:off x="4352874" y="2856363"/>
+            <a:ext cx="1505925" cy="360039"/>
+          </a:xfrm>
+          <a:prstGeom prst="roundRect">
+            <a:avLst>
+              <a:gd name="adj" fmla="val 19110"/>
+            </a:avLst>
+          </a:prstGeom>
+          <a:ln>
+            <a:solidFill>
+              <a:schemeClr val="tx2"/>
+            </a:solidFill>
+          </a:ln>
+        </p:spPr>
+        <p:style>
+          <a:lnRef idx="2">
+            <a:schemeClr val="dk1"/>
+          </a:lnRef>
+          <a:fillRef idx="1">
+            <a:schemeClr val="lt1"/>
+          </a:fillRef>
+          <a:effectRef idx="0">
+            <a:schemeClr val="dk1"/>
+          </a:effectRef>
+          <a:fontRef idx="minor">
+            <a:schemeClr val="dk1"/>
+          </a:fontRef>
+        </p:style>
+        <p:txBody>
+          <a:bodyPr rtlCol="0" anchor="ctr"/>
+          <a:lstStyle/>
+          <a:p>
+            <a:r>
+              <a:rPr lang="en-US" altLang="ko-KR" sz="1200"/>
+              <a:t>/healthz</a:t>
+            </a:r>
+            <a:endParaRPr lang="ko-KR" altLang="en-US" sz="1200"/>
+          </a:p>
+        </p:txBody>
+      </p:sp>
+      <p:sp>
+        <p:nvSpPr>
+          <p:cNvPr id="26" name="사각형: 둥근 모서리 25">
+            <a:extLst>
+              <a:ext uri="{FF2B5EF4-FFF2-40B4-BE49-F238E27FC236}">
+                <a16:creationId xmlns:a16="http://schemas.microsoft.com/office/drawing/2014/main" id="{F2323ECB-AF40-49C3-BD44-988540CAD053}"/>
+              </a:ext>
+            </a:extLst>
+          </p:cNvPr>
+          <p:cNvSpPr/>
+          <p:nvPr/>
+        </p:nvSpPr>
+        <p:spPr>
+          <a:xfrm>
+            <a:off x="2176645" y="3886345"/>
+            <a:ext cx="1017054" cy="450432"/>
+          </a:xfrm>
+          <a:prstGeom prst="roundRect">
+            <a:avLst>
+              <a:gd name="adj" fmla="val 13997"/>
+            </a:avLst>
+          </a:prstGeom>
+        </p:spPr>
+        <p:style>
+          <a:lnRef idx="2">
+            <a:schemeClr val="dk1"/>
+          </a:lnRef>
+          <a:fillRef idx="1">
+            <a:schemeClr val="lt1"/>
+          </a:fillRef>
+          <a:effectRef idx="0">
+            <a:schemeClr val="dk1"/>
+          </a:effectRef>
+          <a:fontRef idx="minor">
+            <a:schemeClr val="dk1"/>
+          </a:fontRef>
+        </p:style>
+        <p:txBody>
+          <a:bodyPr rtlCol="0" anchor="ctr"/>
+          <a:lstStyle/>
+          <a:p>
+            <a:pPr algn="ctr"/>
+            <a:r>
+              <a:rPr lang="en-US" altLang="ko-KR" sz="1200"/>
+              <a:t>/proc (procfs)</a:t>
+            </a:r>
+            <a:endParaRPr lang="ko-KR" altLang="en-US" sz="1200"/>
+          </a:p>
+        </p:txBody>
+      </p:sp>
+      <p:sp>
+        <p:nvSpPr>
+          <p:cNvPr id="40" name="사각형: 둥근 모서리 39">
+            <a:extLst>
+              <a:ext uri="{FF2B5EF4-FFF2-40B4-BE49-F238E27FC236}">
+                <a16:creationId xmlns:a16="http://schemas.microsoft.com/office/drawing/2014/main" id="{E63E86B2-2124-4989-9233-29DF518955DB}"/>
+              </a:ext>
+            </a:extLst>
+          </p:cNvPr>
+          <p:cNvSpPr/>
+          <p:nvPr/>
+        </p:nvSpPr>
+        <p:spPr>
+          <a:xfrm>
+            <a:off x="3315929" y="3886345"/>
+            <a:ext cx="1588950" cy="450432"/>
+          </a:xfrm>
+          <a:prstGeom prst="roundRect">
+            <a:avLst>
+              <a:gd name="adj" fmla="val 12118"/>
+            </a:avLst>
+          </a:prstGeom>
+        </p:spPr>
+        <p:style>
+          <a:lnRef idx="2">
+            <a:schemeClr val="dk1"/>
+          </a:lnRef>
+          <a:fillRef idx="1">
+            <a:schemeClr val="lt1"/>
+          </a:fillRef>
+          <a:effectRef idx="0">
+            <a:schemeClr val="dk1"/>
+          </a:effectRef>
+          <a:fontRef idx="minor">
+            <a:schemeClr val="dk1"/>
+          </a:fontRef>
+        </p:style>
+        <p:txBody>
+          <a:bodyPr rtlCol="0" anchor="ctr"/>
+          <a:lstStyle/>
+          <a:p>
+            <a:pPr algn="ctr"/>
+            <a:r>
+              <a:rPr lang="en-US" altLang="ko-KR" sz="1200"/>
+              <a:t>/tmp/prometheus-nginx.socket</a:t>
+            </a:r>
+            <a:endParaRPr lang="ko-KR" altLang="en-US" sz="1200"/>
+          </a:p>
+        </p:txBody>
+      </p:sp>
+      <p:sp>
+        <p:nvSpPr>
+          <p:cNvPr id="237" name="사각형: 둥근 모서리 236">
+            <a:extLst>
+              <a:ext uri="{FF2B5EF4-FFF2-40B4-BE49-F238E27FC236}">
+                <a16:creationId xmlns:a16="http://schemas.microsoft.com/office/drawing/2014/main" id="{41CF082C-4079-4C3D-8B6F-4C3A296D899C}"/>
+              </a:ext>
+            </a:extLst>
+          </p:cNvPr>
+          <p:cNvSpPr/>
+          <p:nvPr/>
+        </p:nvSpPr>
+        <p:spPr>
+          <a:xfrm>
+            <a:off x="1535546" y="1184919"/>
+            <a:ext cx="2523010" cy="2594698"/>
+          </a:xfrm>
+          <a:prstGeom prst="roundRect">
+            <a:avLst>
+              <a:gd name="adj" fmla="val 3553"/>
+            </a:avLst>
+          </a:prstGeom>
+        </p:spPr>
+        <p:style>
+          <a:lnRef idx="2">
+            <a:schemeClr val="dk1"/>
+          </a:lnRef>
+          <a:fillRef idx="1">
+            <a:schemeClr val="lt1"/>
+          </a:fillRef>
+          <a:effectRef idx="0">
+            <a:schemeClr val="dk1"/>
+          </a:effectRef>
+          <a:fontRef idx="minor">
+            <a:schemeClr val="dk1"/>
+          </a:fontRef>
+        </p:style>
+        <p:txBody>
+          <a:bodyPr rtlCol="0" anchor="t"/>
+          <a:lstStyle/>
+          <a:p>
+            <a:pPr algn="ctr"/>
+            <a:r>
+              <a:rPr lang="en-US" altLang="ko-KR" sz="1400" b="1"/>
+              <a:t>Nginx Ingress Controller </a:t>
+            </a:r>
+          </a:p>
+          <a:p>
+            <a:pPr algn="ctr"/>
+            <a:r>
+              <a:rPr lang="en-US" altLang="ko-KR" sz="1400" b="1"/>
+              <a:t>(Leader or Non-leader)</a:t>
             </a:r>
             <a:endParaRPr lang="ko-KR" altLang="en-US" sz="1400" b="1"/>
           </a:p>
@@ -4850,14 +11688,14 @@
             <a:pPr algn="ctr"/>
             <a:r>
               <a:rPr lang="en-US" altLang="ko-KR" sz="1200"/>
-              <a:t>Backend, Certificate, </a:t>
+              <a:t>Backend(Pod), Certificate, </a:t>
             </a:r>
           </a:p>
           <a:p>
             <a:pPr algn="ctr"/>
             <a:r>
               <a:rPr lang="en-US" altLang="ko-KR" sz="1200"/>
-              <a:t>Upstream(Pod) Config</a:t>
+              <a:t>Config</a:t>
             </a:r>
           </a:p>
         </p:txBody>
@@ -5075,8 +11913,8 @@
         </p:nvCxnSpPr>
         <p:spPr>
           <a:xfrm>
-            <a:off x="4739861" y="843558"/>
-            <a:ext cx="365976" cy="771333"/>
+            <a:off x="4739861" y="926156"/>
+            <a:ext cx="365976" cy="688735"/>
           </a:xfrm>
           <a:prstGeom prst="straightConnector1">
             <a:avLst/>
@@ -6032,8 +12870,8 @@
         </p:nvCxnSpPr>
         <p:spPr>
           <a:xfrm flipH="1" flipV="1">
-            <a:off x="6057458" y="836391"/>
-            <a:ext cx="773908" cy="861888"/>
+            <a:off x="6057458" y="918989"/>
+            <a:ext cx="773908" cy="779290"/>
           </a:xfrm>
           <a:prstGeom prst="straightConnector1">
             <a:avLst/>
@@ -6079,8 +12917,8 @@
         </p:nvCxnSpPr>
         <p:spPr>
           <a:xfrm flipV="1">
-            <a:off x="6831366" y="836849"/>
-            <a:ext cx="543687" cy="861430"/>
+            <a:off x="6831366" y="919447"/>
+            <a:ext cx="543687" cy="778832"/>
           </a:xfrm>
           <a:prstGeom prst="straightConnector1">
             <a:avLst/>
@@ -6808,7 +13646,7 @@
     </p:spTree>
     <p:extLst>
       <p:ext uri="{BB962C8B-B14F-4D97-AF65-F5344CB8AC3E}">
-        <p14:creationId xmlns:p14="http://schemas.microsoft.com/office/powerpoint/2010/main" val="2074279122"/>
+        <p14:creationId xmlns:p14="http://schemas.microsoft.com/office/powerpoint/2010/main" val="1382100003"/>
       </p:ext>
     </p:extLst>
   </p:cSld>
@@ -6818,37 +13656,7 @@
 </p:sld>
 </file>
 
-<file path=ppt/slides/slide2.xml><?xml version="1.0" encoding="utf-8"?>
-<p:sld xmlns:a="http://schemas.openxmlformats.org/drawingml/2006/main" xmlns:r="http://schemas.openxmlformats.org/officeDocument/2006/relationships" xmlns:p="http://schemas.openxmlformats.org/presentationml/2006/main">
-  <p:cSld>
-    <p:spTree>
-      <p:nvGrpSpPr>
-        <p:cNvPr id="1" name=""/>
-        <p:cNvGrpSpPr/>
-        <p:nvPr/>
-      </p:nvGrpSpPr>
-      <p:grpSpPr>
-        <a:xfrm>
-          <a:off x="0" y="0"/>
-          <a:ext cx="0" cy="0"/>
-          <a:chOff x="0" y="0"/>
-          <a:chExt cx="0" cy="0"/>
-        </a:xfrm>
-      </p:grpSpPr>
-    </p:spTree>
-    <p:extLst>
-      <p:ext uri="{BB962C8B-B14F-4D97-AF65-F5344CB8AC3E}">
-        <p14:creationId xmlns:p14="http://schemas.microsoft.com/office/powerpoint/2010/main" val="723130218"/>
-      </p:ext>
-    </p:extLst>
-  </p:cSld>
-  <p:clrMapOvr>
-    <a:masterClrMapping/>
-  </p:clrMapOvr>
-</p:sld>
-</file>
-
-<file path=ppt/slides/slide3.xml><?xml version="1.0" encoding="utf-8"?>
+<file path=ppt/slides/slide5.xml><?xml version="1.0" encoding="utf-8"?>
 <p:sld xmlns:a="http://schemas.openxmlformats.org/drawingml/2006/main" xmlns:r="http://schemas.openxmlformats.org/officeDocument/2006/relationships" xmlns:p="http://schemas.openxmlformats.org/presentationml/2006/main">
   <p:cSld>
     <p:spTree>

--- a/images/theory_analysis/Kubernetes_Nginx_Ingress_Controller/Kubernetes_Nginx_Ingress_Controller.pptx
+++ b/images/theory_analysis/Kubernetes_Nginx_Ingress_Controller/Kubernetes_Nginx_Ingress_Controller.pptx
@@ -6209,7 +6209,7 @@
         </p:nvCxnSpPr>
         <p:spPr>
           <a:xfrm>
-            <a:off x="899592" y="4654628"/>
+            <a:off x="1966479" y="4654628"/>
             <a:ext cx="384517" cy="0"/>
           </a:xfrm>
           <a:prstGeom prst="straightConnector1">
@@ -6252,7 +6252,7 @@
         </p:nvSpPr>
         <p:spPr>
           <a:xfrm>
-            <a:off x="1263531" y="4472896"/>
+            <a:off x="2330418" y="4472896"/>
             <a:ext cx="1161462" cy="363463"/>
           </a:xfrm>
           <a:prstGeom prst="roundRect">
@@ -6307,7 +6307,7 @@
         </p:nvCxnSpPr>
         <p:spPr>
           <a:xfrm>
-            <a:off x="2604019" y="4654628"/>
+            <a:off x="3550655" y="4654628"/>
             <a:ext cx="384517" cy="0"/>
           </a:xfrm>
           <a:prstGeom prst="straightConnector1">
@@ -6352,7 +6352,7 @@
         </p:nvSpPr>
         <p:spPr>
           <a:xfrm>
-            <a:off x="2967958" y="4472896"/>
+            <a:off x="3914594" y="4472896"/>
             <a:ext cx="1161462" cy="363463"/>
           </a:xfrm>
           <a:prstGeom prst="roundRect">
@@ -6407,7 +6407,7 @@
         </p:nvCxnSpPr>
         <p:spPr>
           <a:xfrm>
-            <a:off x="4318978" y="4654628"/>
+            <a:off x="5206839" y="4654628"/>
             <a:ext cx="384517" cy="0"/>
           </a:xfrm>
           <a:prstGeom prst="straightConnector1">
@@ -6452,7 +6452,7 @@
         </p:nvSpPr>
         <p:spPr>
           <a:xfrm>
-            <a:off x="4682917" y="4472896"/>
+            <a:off x="5570778" y="4472896"/>
             <a:ext cx="1161462" cy="363463"/>
           </a:xfrm>
           <a:prstGeom prst="roundRect">
@@ -6507,7 +6507,7 @@
         </p:nvCxnSpPr>
         <p:spPr>
           <a:xfrm>
-            <a:off x="6012158" y="4654628"/>
+            <a:off x="6804246" y="4654628"/>
             <a:ext cx="384517" cy="0"/>
           </a:xfrm>
           <a:prstGeom prst="straightConnector1">
@@ -6550,7 +6550,7 @@
         </p:nvSpPr>
         <p:spPr>
           <a:xfrm>
-            <a:off x="6376096" y="4472896"/>
+            <a:off x="7168184" y="4472896"/>
             <a:ext cx="1620723" cy="363463"/>
           </a:xfrm>
           <a:prstGeom prst="roundRect">
@@ -6890,26 +6890,181 @@
           </a:p>
         </p:txBody>
       </p:sp>
+      <p:sp>
+        <p:nvSpPr>
+          <p:cNvPr id="114" name="사각형: 둥근 모서리 113">
+            <a:extLst>
+              <a:ext uri="{FF2B5EF4-FFF2-40B4-BE49-F238E27FC236}">
+                <a16:creationId xmlns:a16="http://schemas.microsoft.com/office/drawing/2014/main" id="{735690FA-3F4E-4686-95D1-A54CE985032C}"/>
+              </a:ext>
+            </a:extLst>
+          </p:cNvPr>
+          <p:cNvSpPr/>
+          <p:nvPr/>
+        </p:nvSpPr>
+        <p:spPr>
+          <a:xfrm>
+            <a:off x="6838304" y="3684231"/>
+            <a:ext cx="1678225" cy="447390"/>
+          </a:xfrm>
+          <a:prstGeom prst="roundRect">
+            <a:avLst>
+              <a:gd name="adj" fmla="val 18519"/>
+            </a:avLst>
+          </a:prstGeom>
+          <a:ln>
+            <a:solidFill>
+              <a:schemeClr val="tx1"/>
+            </a:solidFill>
+          </a:ln>
+        </p:spPr>
+        <p:style>
+          <a:lnRef idx="2">
+            <a:schemeClr val="dk1"/>
+          </a:lnRef>
+          <a:fillRef idx="1">
+            <a:schemeClr val="lt1"/>
+          </a:fillRef>
+          <a:effectRef idx="0">
+            <a:schemeClr val="dk1"/>
+          </a:effectRef>
+          <a:fontRef idx="minor">
+            <a:schemeClr val="dk1"/>
+          </a:fontRef>
+        </p:style>
+        <p:txBody>
+          <a:bodyPr rtlCol="0" anchor="ctr"/>
+          <a:lstStyle/>
+          <a:p>
+            <a:pPr algn="ctr"/>
+            <a:r>
+              <a:rPr lang="en-US" altLang="ko-KR" sz="1200"/>
+              <a:t>/etc/nginx/template/nginx.tmpl</a:t>
+            </a:r>
+          </a:p>
+        </p:txBody>
+      </p:sp>
+      <p:sp>
+        <p:nvSpPr>
+          <p:cNvPr id="115" name="사각형: 둥근 모서리 114">
+            <a:extLst>
+              <a:ext uri="{FF2B5EF4-FFF2-40B4-BE49-F238E27FC236}">
+                <a16:creationId xmlns:a16="http://schemas.microsoft.com/office/drawing/2014/main" id="{AECB5E5C-55A2-4F5A-891C-BBC906064C03}"/>
+              </a:ext>
+            </a:extLst>
+          </p:cNvPr>
+          <p:cNvSpPr/>
+          <p:nvPr/>
+        </p:nvSpPr>
+        <p:spPr>
+          <a:xfrm>
+            <a:off x="5492193" y="3684231"/>
+            <a:ext cx="1032258" cy="447390"/>
+          </a:xfrm>
+          <a:prstGeom prst="roundRect">
+            <a:avLst>
+              <a:gd name="adj" fmla="val 18519"/>
+            </a:avLst>
+          </a:prstGeom>
+          <a:ln>
+            <a:solidFill>
+              <a:schemeClr val="tx1"/>
+            </a:solidFill>
+          </a:ln>
+        </p:spPr>
+        <p:style>
+          <a:lnRef idx="2">
+            <a:schemeClr val="dk1"/>
+          </a:lnRef>
+          <a:fillRef idx="1">
+            <a:schemeClr val="lt1"/>
+          </a:fillRef>
+          <a:effectRef idx="0">
+            <a:schemeClr val="dk1"/>
+          </a:effectRef>
+          <a:fontRef idx="minor">
+            <a:schemeClr val="dk1"/>
+          </a:fontRef>
+        </p:style>
+        <p:txBody>
+          <a:bodyPr rtlCol="0" anchor="ctr"/>
+          <a:lstStyle/>
+          <a:p>
+            <a:pPr algn="ctr"/>
+            <a:r>
+              <a:rPr lang="en-US" altLang="ko-KR" sz="1200"/>
+              <a:t>/etc/nginx/nginx.conf</a:t>
+            </a:r>
+          </a:p>
+        </p:txBody>
+      </p:sp>
       <p:cxnSp>
         <p:nvCxnSpPr>
-          <p:cNvPr id="69" name="직선 화살표 연결선 68">
-            <a:extLst>
-              <a:ext uri="{FF2B5EF4-FFF2-40B4-BE49-F238E27FC236}">
-                <a16:creationId xmlns:a16="http://schemas.microsoft.com/office/drawing/2014/main" id="{C7825897-E31F-4E0C-8B62-66CD249513EC}"/>
+          <p:cNvPr id="117" name="직선 화살표 연결선 116">
+            <a:extLst>
+              <a:ext uri="{FF2B5EF4-FFF2-40B4-BE49-F238E27FC236}">
+                <a16:creationId xmlns:a16="http://schemas.microsoft.com/office/drawing/2014/main" id="{C710A95E-96C6-4DFC-A79E-29F55F76E974}"/>
               </a:ext>
             </a:extLst>
           </p:cNvPr>
           <p:cNvCxnSpPr>
             <a:cxnSpLocks/>
-            <a:stCxn id="64" idx="2"/>
-            <a:endCxn id="115" idx="0"/>
+            <a:stCxn id="114" idx="1"/>
+            <a:endCxn id="115" idx="3"/>
           </p:cNvCxnSpPr>
           <p:nvPr/>
         </p:nvCxnSpPr>
         <p:spPr>
           <a:xfrm flipH="1">
-            <a:off x="6008322" y="2665220"/>
-            <a:ext cx="982208" cy="1019011"/>
+            <a:off x="6524451" y="3907926"/>
+            <a:ext cx="313853" cy="0"/>
+          </a:xfrm>
+          <a:prstGeom prst="straightConnector1">
+            <a:avLst/>
+          </a:prstGeom>
+          <a:ln w="28575">
+            <a:solidFill>
+              <a:schemeClr val="tx1"/>
+            </a:solidFill>
+            <a:headEnd type="none" w="med" len="med"/>
+            <a:tailEnd type="arrow" w="med" len="med"/>
+          </a:ln>
+        </p:spPr>
+        <p:style>
+          <a:lnRef idx="1">
+            <a:schemeClr val="accent1"/>
+          </a:lnRef>
+          <a:fillRef idx="0">
+            <a:schemeClr val="accent1"/>
+          </a:fillRef>
+          <a:effectRef idx="0">
+            <a:schemeClr val="accent1"/>
+          </a:effectRef>
+          <a:fontRef idx="minor">
+            <a:schemeClr val="tx1"/>
+          </a:fontRef>
+        </p:style>
+      </p:cxnSp>
+      <p:cxnSp>
+        <p:nvCxnSpPr>
+          <p:cNvPr id="70" name="직선 화살표 연결선 69">
+            <a:extLst>
+              <a:ext uri="{FF2B5EF4-FFF2-40B4-BE49-F238E27FC236}">
+                <a16:creationId xmlns:a16="http://schemas.microsoft.com/office/drawing/2014/main" id="{61DF3E1D-5A63-41D3-AC7A-89D075BBE73E}"/>
+              </a:ext>
+            </a:extLst>
+          </p:cNvPr>
+          <p:cNvCxnSpPr>
+            <a:cxnSpLocks/>
+            <a:stCxn id="37" idx="2"/>
+            <a:endCxn id="115" idx="1"/>
+          </p:cNvCxnSpPr>
+          <p:nvPr/>
+        </p:nvCxnSpPr>
+        <p:spPr>
+          <a:xfrm>
+            <a:off x="3554084" y="2272782"/>
+            <a:ext cx="1938109" cy="1635144"/>
           </a:xfrm>
           <a:prstGeom prst="straightConnector1">
             <a:avLst/>
@@ -6941,10 +7096,10 @@
       </p:cxnSp>
       <p:sp>
         <p:nvSpPr>
-          <p:cNvPr id="114" name="사각형: 둥근 모서리 113">
-            <a:extLst>
-              <a:ext uri="{FF2B5EF4-FFF2-40B4-BE49-F238E27FC236}">
-                <a16:creationId xmlns:a16="http://schemas.microsoft.com/office/drawing/2014/main" id="{735690FA-3F4E-4686-95D1-A54CE985032C}"/>
+          <p:cNvPr id="72" name="사각형: 둥근 모서리 71">
+            <a:extLst>
+              <a:ext uri="{FF2B5EF4-FFF2-40B4-BE49-F238E27FC236}">
+                <a16:creationId xmlns:a16="http://schemas.microsoft.com/office/drawing/2014/main" id="{673A4D51-105A-4466-8271-81E9B98F80CF}"/>
               </a:ext>
             </a:extLst>
           </p:cNvPr>
@@ -6953,17 +7108,70 @@
         </p:nvSpPr>
         <p:spPr>
           <a:xfrm>
-            <a:off x="6838304" y="3684231"/>
-            <a:ext cx="1678225" cy="447390"/>
+            <a:off x="844096" y="4472986"/>
+            <a:ext cx="1063608" cy="360039"/>
           </a:xfrm>
           <a:prstGeom prst="roundRect">
             <a:avLst>
-              <a:gd name="adj" fmla="val 18519"/>
+              <a:gd name="adj" fmla="val 19110"/>
+            </a:avLst>
+          </a:prstGeom>
+          <a:noFill/>
+          <a:ln>
+            <a:noFill/>
+          </a:ln>
+        </p:spPr>
+        <p:style>
+          <a:lnRef idx="2">
+            <a:schemeClr val="dk1"/>
+          </a:lnRef>
+          <a:fillRef idx="1">
+            <a:schemeClr val="lt1"/>
+          </a:fillRef>
+          <a:effectRef idx="0">
+            <a:schemeClr val="dk1"/>
+          </a:effectRef>
+          <a:fontRef idx="minor">
+            <a:schemeClr val="dk1"/>
+          </a:fontRef>
+        </p:style>
+        <p:txBody>
+          <a:bodyPr rtlCol="0" anchor="ctr"/>
+          <a:lstStyle/>
+          <a:p>
+            <a:r>
+              <a:rPr lang="en-US" altLang="ko-KR" sz="1200"/>
+              <a:t>:[Port][URL]</a:t>
+            </a:r>
+            <a:endParaRPr lang="ko-KR" altLang="en-US" sz="1200"/>
+          </a:p>
+        </p:txBody>
+      </p:sp>
+      <p:sp>
+        <p:nvSpPr>
+          <p:cNvPr id="73" name="사각형: 둥근 모서리 72">
+            <a:extLst>
+              <a:ext uri="{FF2B5EF4-FFF2-40B4-BE49-F238E27FC236}">
+                <a16:creationId xmlns:a16="http://schemas.microsoft.com/office/drawing/2014/main" id="{FD20B47A-006F-4460-AB79-AC595F65FE9C}"/>
+              </a:ext>
+            </a:extLst>
+          </p:cNvPr>
+          <p:cNvSpPr/>
+          <p:nvPr/>
+        </p:nvSpPr>
+        <p:spPr>
+          <a:xfrm>
+            <a:off x="395536" y="4586515"/>
+            <a:ext cx="418071" cy="151390"/>
+          </a:xfrm>
+          <a:prstGeom prst="roundRect">
+            <a:avLst>
+              <a:gd name="adj" fmla="val 19110"/>
             </a:avLst>
           </a:prstGeom>
           <a:ln>
             <a:solidFill>
-              <a:schemeClr val="tx1"/>
+              <a:schemeClr val="tx2"/>
             </a:solidFill>
           </a:ln>
         </p:spPr>
@@ -6985,115 +7193,10 @@
           <a:bodyPr rtlCol="0" anchor="ctr"/>
           <a:lstStyle/>
           <a:p>
-            <a:pPr algn="ctr"/>
-            <a:r>
-              <a:rPr lang="en-US" altLang="ko-KR" sz="1200"/>
-              <a:t>/etc/nginx/template/nginx.tmpl</a:t>
-            </a:r>
-          </a:p>
-        </p:txBody>
-      </p:sp>
-      <p:sp>
-        <p:nvSpPr>
-          <p:cNvPr id="115" name="사각형: 둥근 모서리 114">
-            <a:extLst>
-              <a:ext uri="{FF2B5EF4-FFF2-40B4-BE49-F238E27FC236}">
-                <a16:creationId xmlns:a16="http://schemas.microsoft.com/office/drawing/2014/main" id="{AECB5E5C-55A2-4F5A-891C-BBC906064C03}"/>
-              </a:ext>
-            </a:extLst>
-          </p:cNvPr>
-          <p:cNvSpPr/>
-          <p:nvPr/>
-        </p:nvSpPr>
-        <p:spPr>
-          <a:xfrm>
-            <a:off x="5492193" y="3684231"/>
-            <a:ext cx="1032258" cy="447390"/>
-          </a:xfrm>
-          <a:prstGeom prst="roundRect">
-            <a:avLst>
-              <a:gd name="adj" fmla="val 18519"/>
-            </a:avLst>
-          </a:prstGeom>
-          <a:ln>
-            <a:solidFill>
-              <a:schemeClr val="tx1"/>
-            </a:solidFill>
-          </a:ln>
-        </p:spPr>
-        <p:style>
-          <a:lnRef idx="2">
-            <a:schemeClr val="dk1"/>
-          </a:lnRef>
-          <a:fillRef idx="1">
-            <a:schemeClr val="lt1"/>
-          </a:fillRef>
-          <a:effectRef idx="0">
-            <a:schemeClr val="dk1"/>
-          </a:effectRef>
-          <a:fontRef idx="minor">
-            <a:schemeClr val="dk1"/>
-          </a:fontRef>
-        </p:style>
-        <p:txBody>
-          <a:bodyPr rtlCol="0" anchor="ctr"/>
-          <a:lstStyle/>
-          <a:p>
-            <a:pPr algn="ctr"/>
-            <a:r>
-              <a:rPr lang="en-US" altLang="ko-KR" sz="1200"/>
-              <a:t>/etc/nginx/nginx.conf</a:t>
-            </a:r>
-          </a:p>
-        </p:txBody>
-      </p:sp>
-      <p:cxnSp>
-        <p:nvCxnSpPr>
-          <p:cNvPr id="117" name="직선 화살표 연결선 116">
-            <a:extLst>
-              <a:ext uri="{FF2B5EF4-FFF2-40B4-BE49-F238E27FC236}">
-                <a16:creationId xmlns:a16="http://schemas.microsoft.com/office/drawing/2014/main" id="{C710A95E-96C6-4DFC-A79E-29F55F76E974}"/>
-              </a:ext>
-            </a:extLst>
-          </p:cNvPr>
-          <p:cNvCxnSpPr>
-            <a:cxnSpLocks/>
-            <a:stCxn id="114" idx="1"/>
-            <a:endCxn id="115" idx="3"/>
-          </p:cNvCxnSpPr>
-          <p:nvPr/>
-        </p:nvCxnSpPr>
-        <p:spPr>
-          <a:xfrm flipH="1">
-            <a:off x="6524451" y="3907926"/>
-            <a:ext cx="313853" cy="0"/>
-          </a:xfrm>
-          <a:prstGeom prst="straightConnector1">
-            <a:avLst/>
-          </a:prstGeom>
-          <a:ln w="28575">
-            <a:solidFill>
-              <a:schemeClr val="tx1"/>
-            </a:solidFill>
-            <a:headEnd type="none" w="med" len="med"/>
-            <a:tailEnd type="arrow" w="med" len="med"/>
-          </a:ln>
-        </p:spPr>
-        <p:style>
-          <a:lnRef idx="1">
-            <a:schemeClr val="accent1"/>
-          </a:lnRef>
-          <a:fillRef idx="0">
-            <a:schemeClr val="accent1"/>
-          </a:fillRef>
-          <a:effectRef idx="0">
-            <a:schemeClr val="accent1"/>
-          </a:effectRef>
-          <a:fontRef idx="minor">
-            <a:schemeClr val="tx1"/>
-          </a:fontRef>
-        </p:style>
-      </p:cxnSp>
+            <a:endParaRPr lang="ko-KR" altLang="en-US" sz="1200"/>
+          </a:p>
+        </p:txBody>
+      </p:sp>
     </p:spTree>
     <p:extLst>
       <p:ext uri="{BB962C8B-B14F-4D97-AF65-F5344CB8AC3E}">

--- a/images/theory_analysis/Kubernetes_Nginx_Ingress_Controller/Kubernetes_Nginx_Ingress_Controller.pptx
+++ b/images/theory_analysis/Kubernetes_Nginx_Ingress_Controller/Kubernetes_Nginx_Ingress_Controller.pptx
@@ -217,7 +217,7 @@
           <a:p>
             <a:fld id="{6CD5550B-26C4-49A9-A5BA-636EF7BE6CE9}" type="datetimeFigureOut">
               <a:rPr lang="ko-KR" altLang="en-US" smtClean="0"/>
-              <a:t>2019-12-29</a:t>
+              <a:t>2019-12-30</a:t>
             </a:fld>
             <a:endParaRPr lang="ko-KR" altLang="en-US"/>
           </a:p>
@@ -999,7 +999,7 @@
           <a:p>
             <a:fld id="{FB30EDBD-1C2D-4C1E-B459-B60219FAB484}" type="datetimeFigureOut">
               <a:rPr lang="ko-KR" altLang="en-US" smtClean="0"/>
-              <a:t>2019-12-29</a:t>
+              <a:t>2019-12-30</a:t>
             </a:fld>
             <a:endParaRPr lang="ko-KR" altLang="en-US"/>
           </a:p>
@@ -1162,7 +1162,7 @@
           <a:p>
             <a:fld id="{FB30EDBD-1C2D-4C1E-B459-B60219FAB484}" type="datetimeFigureOut">
               <a:rPr lang="ko-KR" altLang="en-US" smtClean="0"/>
-              <a:t>2019-12-29</a:t>
+              <a:t>2019-12-30</a:t>
             </a:fld>
             <a:endParaRPr lang="ko-KR" altLang="en-US"/>
           </a:p>
@@ -1335,7 +1335,7 @@
           <a:p>
             <a:fld id="{FB30EDBD-1C2D-4C1E-B459-B60219FAB484}" type="datetimeFigureOut">
               <a:rPr lang="ko-KR" altLang="en-US" smtClean="0"/>
-              <a:t>2019-12-29</a:t>
+              <a:t>2019-12-30</a:t>
             </a:fld>
             <a:endParaRPr lang="ko-KR" altLang="en-US"/>
           </a:p>
@@ -1498,7 +1498,7 @@
           <a:p>
             <a:fld id="{FB30EDBD-1C2D-4C1E-B459-B60219FAB484}" type="datetimeFigureOut">
               <a:rPr lang="ko-KR" altLang="en-US" smtClean="0"/>
-              <a:t>2019-12-29</a:t>
+              <a:t>2019-12-30</a:t>
             </a:fld>
             <a:endParaRPr lang="ko-KR" altLang="en-US"/>
           </a:p>
@@ -1738,7 +1738,7 @@
           <a:p>
             <a:fld id="{FB30EDBD-1C2D-4C1E-B459-B60219FAB484}" type="datetimeFigureOut">
               <a:rPr lang="ko-KR" altLang="en-US" smtClean="0"/>
-              <a:t>2019-12-29</a:t>
+              <a:t>2019-12-30</a:t>
             </a:fld>
             <a:endParaRPr lang="ko-KR" altLang="en-US"/>
           </a:p>
@@ -2018,7 +2018,7 @@
           <a:p>
             <a:fld id="{FB30EDBD-1C2D-4C1E-B459-B60219FAB484}" type="datetimeFigureOut">
               <a:rPr lang="ko-KR" altLang="en-US" smtClean="0"/>
-              <a:t>2019-12-29</a:t>
+              <a:t>2019-12-30</a:t>
             </a:fld>
             <a:endParaRPr lang="ko-KR" altLang="en-US"/>
           </a:p>
@@ -2432,7 +2432,7 @@
           <a:p>
             <a:fld id="{FB30EDBD-1C2D-4C1E-B459-B60219FAB484}" type="datetimeFigureOut">
               <a:rPr lang="ko-KR" altLang="en-US" smtClean="0"/>
-              <a:t>2019-12-29</a:t>
+              <a:t>2019-12-30</a:t>
             </a:fld>
             <a:endParaRPr lang="ko-KR" altLang="en-US"/>
           </a:p>
@@ -2544,7 +2544,7 @@
           <a:p>
             <a:fld id="{FB30EDBD-1C2D-4C1E-B459-B60219FAB484}" type="datetimeFigureOut">
               <a:rPr lang="ko-KR" altLang="en-US" smtClean="0"/>
-              <a:t>2019-12-29</a:t>
+              <a:t>2019-12-30</a:t>
             </a:fld>
             <a:endParaRPr lang="ko-KR" altLang="en-US"/>
           </a:p>
@@ -2634,7 +2634,7 @@
           <a:p>
             <a:fld id="{FB30EDBD-1C2D-4C1E-B459-B60219FAB484}" type="datetimeFigureOut">
               <a:rPr lang="ko-KR" altLang="en-US" smtClean="0"/>
-              <a:t>2019-12-29</a:t>
+              <a:t>2019-12-30</a:t>
             </a:fld>
             <a:endParaRPr lang="ko-KR" altLang="en-US"/>
           </a:p>
@@ -2904,7 +2904,7 @@
           <a:p>
             <a:fld id="{FB30EDBD-1C2D-4C1E-B459-B60219FAB484}" type="datetimeFigureOut">
               <a:rPr lang="ko-KR" altLang="en-US" smtClean="0"/>
-              <a:t>2019-12-29</a:t>
+              <a:t>2019-12-30</a:t>
             </a:fld>
             <a:endParaRPr lang="ko-KR" altLang="en-US"/>
           </a:p>
@@ -3151,7 +3151,7 @@
           <a:p>
             <a:fld id="{FB30EDBD-1C2D-4C1E-B459-B60219FAB484}" type="datetimeFigureOut">
               <a:rPr lang="ko-KR" altLang="en-US" smtClean="0"/>
-              <a:t>2019-12-29</a:t>
+              <a:t>2019-12-30</a:t>
             </a:fld>
             <a:endParaRPr lang="ko-KR" altLang="en-US"/>
           </a:p>
@@ -3357,7 +3357,7 @@
           <a:p>
             <a:fld id="{FB30EDBD-1C2D-4C1E-B459-B60219FAB484}" type="datetimeFigureOut">
               <a:rPr lang="ko-KR" altLang="en-US" smtClean="0"/>
-              <a:t>2019-12-29</a:t>
+              <a:t>2019-12-30</a:t>
             </a:fld>
             <a:endParaRPr lang="ko-KR" altLang="en-US"/>
           </a:p>
@@ -4082,7 +4082,7 @@
         <p:spPr>
           <a:xfrm>
             <a:off x="4331236" y="1155161"/>
-            <a:ext cx="4207334" cy="2430904"/>
+            <a:ext cx="4239450" cy="2430904"/>
           </a:xfrm>
           <a:prstGeom prst="roundRect">
             <a:avLst>
@@ -4131,8 +4131,8 @@
         </p:nvSpPr>
         <p:spPr>
           <a:xfrm>
-            <a:off x="4465740" y="3104096"/>
-            <a:ext cx="1670573" cy="360039"/>
+            <a:off x="4465740" y="3017738"/>
+            <a:ext cx="1741564" cy="439757"/>
           </a:xfrm>
           <a:prstGeom prst="roundRect">
             <a:avLst>
@@ -4165,13 +4165,13 @@
           <a:p>
             <a:r>
               <a:rPr lang="en-US" altLang="ko-KR" sz="1200"/>
-              <a:t>:[10246, 80]</a:t>
+              <a:t>:[10246, 80]/</a:t>
             </a:r>
           </a:p>
           <a:p>
             <a:r>
               <a:rPr lang="en-US" altLang="ko-KR" sz="1200"/>
-              <a:t>/nginx_status </a:t>
+              <a:t>nginx_status </a:t>
             </a:r>
           </a:p>
         </p:txBody>
@@ -4190,12 +4190,12 @@
         </p:nvSpPr>
         <p:spPr>
           <a:xfrm>
-            <a:off x="4465738" y="2110147"/>
-            <a:ext cx="1670575" cy="634561"/>
+            <a:off x="4465738" y="2110149"/>
+            <a:ext cx="1741566" cy="466337"/>
           </a:xfrm>
           <a:prstGeom prst="roundRect">
             <a:avLst>
-              <a:gd name="adj" fmla="val 11412"/>
+              <a:gd name="adj" fmla="val 14524"/>
             </a:avLst>
           </a:prstGeom>
           <a:ln>
@@ -4224,7 +4224,13 @@
           <a:p>
             <a:r>
               <a:rPr lang="en-US" altLang="ko-KR" sz="1200"/>
-              <a:t>:10246/configuration/[backends, servers, general]</a:t>
+              <a:t>:10246/configuration/</a:t>
+            </a:r>
+          </a:p>
+          <a:p>
+            <a:r>
+              <a:rPr lang="en-US" altLang="ko-KR" sz="1200"/>
+              <a:t>[backends, servers]</a:t>
             </a:r>
             <a:endParaRPr lang="ko-KR" altLang="en-US" sz="1200"/>
           </a:p>
@@ -4244,8 +4250,8 @@
         </p:nvSpPr>
         <p:spPr>
           <a:xfrm>
-            <a:off x="4465740" y="2744708"/>
-            <a:ext cx="1670573" cy="360039"/>
+            <a:off x="4465740" y="2576486"/>
+            <a:ext cx="1741564" cy="441846"/>
           </a:xfrm>
           <a:prstGeom prst="roundRect">
             <a:avLst>
@@ -4278,13 +4284,13 @@
           <a:p>
             <a:r>
               <a:rPr lang="en-US" altLang="ko-KR" sz="1200"/>
-              <a:t>:[10246, 80]</a:t>
+              <a:t>:[10246, 80]/</a:t>
             </a:r>
           </a:p>
           <a:p>
             <a:r>
               <a:rPr lang="en-US" altLang="ko-KR" sz="1200"/>
-              <a:t>/healthz </a:t>
+              <a:t>healthz </a:t>
             </a:r>
           </a:p>
         </p:txBody>
@@ -4742,7 +4748,7 @@
         <p:spPr>
           <a:xfrm>
             <a:off x="4026569" y="2014513"/>
-            <a:ext cx="439169" cy="412915"/>
+            <a:ext cx="439169" cy="328805"/>
           </a:xfrm>
           <a:prstGeom prst="straightConnector1">
             <a:avLst/>
@@ -4787,7 +4793,7 @@
         <p:spPr>
           <a:xfrm>
             <a:off x="4465740" y="1503236"/>
-            <a:ext cx="1670573" cy="360039"/>
+            <a:ext cx="1741564" cy="360039"/>
           </a:xfrm>
           <a:prstGeom prst="roundRect">
             <a:avLst>
@@ -4889,7 +4895,7 @@
         </p:nvSpPr>
         <p:spPr>
           <a:xfrm rot="16200000">
-            <a:off x="7216224" y="2284244"/>
+            <a:off x="7280541" y="2284244"/>
             <a:ext cx="1960900" cy="398882"/>
           </a:xfrm>
           <a:prstGeom prst="roundRect">
@@ -4924,7 +4930,7 @@
             <a:pPr algn="ctr"/>
             <a:r>
               <a:rPr lang="en-US" altLang="ko-KR" sz="1200"/>
-              <a:t>Endpoint, Certificate </a:t>
+              <a:t>Backend, Certificate </a:t>
             </a:r>
           </a:p>
           <a:p>
@@ -4955,7 +4961,7 @@
         <p:spPr>
           <a:xfrm>
             <a:off x="4026569" y="2680804"/>
-            <a:ext cx="439171" cy="243924"/>
+            <a:ext cx="439171" cy="116605"/>
           </a:xfrm>
           <a:prstGeom prst="straightConnector1">
             <a:avLst/>
@@ -5051,8 +5057,8 @@
         </p:nvCxnSpPr>
         <p:spPr>
           <a:xfrm flipV="1">
-            <a:off x="4026570" y="3284116"/>
-            <a:ext cx="439170" cy="66415"/>
+            <a:off x="4026570" y="3237617"/>
+            <a:ext cx="439170" cy="112914"/>
           </a:xfrm>
           <a:prstGeom prst="straightConnector1">
             <a:avLst/>
@@ -5150,7 +5156,7 @@
         <p:spPr>
           <a:xfrm>
             <a:off x="5118321" y="854148"/>
-            <a:ext cx="182706" cy="649088"/>
+            <a:ext cx="218201" cy="649088"/>
           </a:xfrm>
           <a:prstGeom prst="straightConnector1">
             <a:avLst/>
@@ -5324,13 +5330,13 @@
           <a:p>
             <a:r>
               <a:rPr lang="en-US" altLang="ko-KR" sz="1200"/>
-              <a:t>:10254</a:t>
+              <a:t>:10254/</a:t>
             </a:r>
           </a:p>
           <a:p>
             <a:r>
               <a:rPr lang="en-US" altLang="ko-KR" sz="1200"/>
-              <a:t>/metrics</a:t>
+              <a:t>metrics</a:t>
             </a:r>
           </a:p>
         </p:txBody>
@@ -5383,13 +5389,13 @@
           <a:p>
             <a:r>
               <a:rPr lang="en-US" altLang="ko-KR" sz="1200"/>
-              <a:t>:10254</a:t>
+              <a:t>:10254/</a:t>
             </a:r>
           </a:p>
           <a:p>
             <a:r>
               <a:rPr lang="en-US" altLang="ko-KR" sz="1200"/>
-              <a:t>/healthz </a:t>
+              <a:t>healthz </a:t>
             </a:r>
             <a:endParaRPr lang="ko-KR" altLang="en-US" sz="1200"/>
           </a:p>
@@ -5505,8 +5511,8 @@
         </p:nvSpPr>
         <p:spPr>
           <a:xfrm>
-            <a:off x="6350561" y="3111663"/>
-            <a:ext cx="1233420" cy="353798"/>
+            <a:off x="6433424" y="3111663"/>
+            <a:ext cx="1233418" cy="353798"/>
           </a:xfrm>
           <a:prstGeom prst="roundRect">
             <a:avLst>
@@ -5563,8 +5569,8 @@
         </p:nvCxnSpPr>
         <p:spPr>
           <a:xfrm>
-            <a:off x="6136313" y="3284116"/>
-            <a:ext cx="214248" cy="4446"/>
+            <a:off x="6207304" y="3237617"/>
+            <a:ext cx="226120" cy="50945"/>
           </a:xfrm>
           <a:prstGeom prst="straightConnector1">
             <a:avLst/>
@@ -5608,7 +5614,7 @@
         </p:nvSpPr>
         <p:spPr>
           <a:xfrm>
-            <a:off x="6269041" y="1503237"/>
+            <a:off x="6333358" y="1503237"/>
             <a:ext cx="1424628" cy="1488360"/>
           </a:xfrm>
           <a:prstGeom prst="roundRect">
@@ -5648,168 +5654,243 @@
           </a:p>
         </p:txBody>
       </p:sp>
-      <p:sp>
-        <p:nvSpPr>
-          <p:cNvPr id="64" name="사각형: 둥근 모서리 63">
-            <a:extLst>
-              <a:ext uri="{FF2B5EF4-FFF2-40B4-BE49-F238E27FC236}">
-                <a16:creationId xmlns:a16="http://schemas.microsoft.com/office/drawing/2014/main" id="{E40D7D5A-81B4-4C61-81EA-7FE1930C6112}"/>
-              </a:ext>
-            </a:extLst>
-          </p:cNvPr>
-          <p:cNvSpPr/>
-          <p:nvPr/>
-        </p:nvSpPr>
-        <p:spPr>
-          <a:xfrm>
-            <a:off x="6373820" y="2305181"/>
-            <a:ext cx="1233420" cy="360039"/>
-          </a:xfrm>
-          <a:prstGeom prst="roundRect">
-            <a:avLst>
-              <a:gd name="adj" fmla="val 18519"/>
-            </a:avLst>
-          </a:prstGeom>
-          <a:ln>
-            <a:solidFill>
-              <a:schemeClr val="tx1"/>
-            </a:solidFill>
-          </a:ln>
-        </p:spPr>
-        <p:style>
-          <a:lnRef idx="2">
-            <a:schemeClr val="dk1"/>
-          </a:lnRef>
-          <a:fillRef idx="1">
-            <a:schemeClr val="lt1"/>
-          </a:fillRef>
-          <a:effectRef idx="0">
-            <a:schemeClr val="dk1"/>
-          </a:effectRef>
-          <a:fontRef idx="minor">
-            <a:schemeClr val="dk1"/>
-          </a:fontRef>
-        </p:style>
-        <p:txBody>
-          <a:bodyPr rtlCol="0" anchor="ctr"/>
-          <a:lstStyle/>
-          <a:p>
-            <a:pPr algn="ctr"/>
-            <a:r>
-              <a:rPr lang="en-US" altLang="ko-KR" sz="1200"/>
-              <a:t>Configuration</a:t>
-            </a:r>
-          </a:p>
-        </p:txBody>
-      </p:sp>
-      <p:sp>
-        <p:nvSpPr>
-          <p:cNvPr id="65" name="사각형: 둥근 모서리 64">
-            <a:extLst>
-              <a:ext uri="{FF2B5EF4-FFF2-40B4-BE49-F238E27FC236}">
-                <a16:creationId xmlns:a16="http://schemas.microsoft.com/office/drawing/2014/main" id="{25F5CB1E-1470-49C3-98C8-C49126FBC353}"/>
-              </a:ext>
-            </a:extLst>
-          </p:cNvPr>
-          <p:cNvSpPr/>
-          <p:nvPr/>
-        </p:nvSpPr>
-        <p:spPr>
-          <a:xfrm>
-            <a:off x="6373820" y="1949658"/>
-            <a:ext cx="1233420" cy="360039"/>
-          </a:xfrm>
-          <a:prstGeom prst="roundRect">
-            <a:avLst>
-              <a:gd name="adj" fmla="val 16212"/>
-            </a:avLst>
-          </a:prstGeom>
-          <a:ln>
-            <a:solidFill>
-              <a:schemeClr val="tx1"/>
-            </a:solidFill>
-          </a:ln>
-        </p:spPr>
-        <p:style>
-          <a:lnRef idx="2">
-            <a:schemeClr val="dk1"/>
-          </a:lnRef>
-          <a:fillRef idx="1">
-            <a:schemeClr val="lt1"/>
-          </a:fillRef>
-          <a:effectRef idx="0">
-            <a:schemeClr val="dk1"/>
-          </a:effectRef>
-          <a:fontRef idx="minor">
-            <a:schemeClr val="dk1"/>
-          </a:fontRef>
-        </p:style>
-        <p:txBody>
-          <a:bodyPr rtlCol="0" anchor="ctr"/>
-          <a:lstStyle/>
-          <a:p>
-            <a:pPr algn="ctr"/>
-            <a:r>
-              <a:rPr lang="en-US" altLang="ko-KR" sz="1200"/>
-              <a:t>Monitor</a:t>
-            </a:r>
-          </a:p>
-        </p:txBody>
-      </p:sp>
-      <p:sp>
-        <p:nvSpPr>
-          <p:cNvPr id="97" name="사각형: 둥근 모서리 96">
-            <a:extLst>
-              <a:ext uri="{FF2B5EF4-FFF2-40B4-BE49-F238E27FC236}">
-                <a16:creationId xmlns:a16="http://schemas.microsoft.com/office/drawing/2014/main" id="{E63B818F-A4B2-4F6E-AE03-C28E040CA9D1}"/>
-              </a:ext>
-            </a:extLst>
-          </p:cNvPr>
-          <p:cNvSpPr/>
-          <p:nvPr/>
-        </p:nvSpPr>
-        <p:spPr>
-          <a:xfrm>
-            <a:off x="6369107" y="1586624"/>
-            <a:ext cx="1233418" cy="366645"/>
-          </a:xfrm>
-          <a:prstGeom prst="roundRect">
-            <a:avLst>
-              <a:gd name="adj" fmla="val 19118"/>
-            </a:avLst>
-          </a:prstGeom>
-          <a:ln>
-            <a:solidFill>
-              <a:schemeClr val="tx1"/>
-            </a:solidFill>
-          </a:ln>
-        </p:spPr>
-        <p:style>
-          <a:lnRef idx="2">
-            <a:schemeClr val="dk1"/>
-          </a:lnRef>
-          <a:fillRef idx="1">
-            <a:schemeClr val="lt1"/>
-          </a:fillRef>
-          <a:effectRef idx="0">
-            <a:schemeClr val="dk1"/>
-          </a:effectRef>
-          <a:fontRef idx="minor">
-            <a:schemeClr val="dk1"/>
-          </a:fontRef>
-        </p:style>
-        <p:txBody>
-          <a:bodyPr rtlCol="0" anchor="ctr"/>
-          <a:lstStyle/>
-          <a:p>
-            <a:pPr algn="ctr"/>
-            <a:r>
-              <a:rPr lang="en-US" altLang="ko-KR" sz="1200"/>
-              <a:t>Balancer</a:t>
-            </a:r>
-          </a:p>
-        </p:txBody>
-      </p:sp>
+      <p:grpSp>
+        <p:nvGrpSpPr>
+          <p:cNvPr id="14" name="그룹 13">
+            <a:extLst>
+              <a:ext uri="{FF2B5EF4-FFF2-40B4-BE49-F238E27FC236}">
+                <a16:creationId xmlns:a16="http://schemas.microsoft.com/office/drawing/2014/main" id="{97AF9B5C-2EA4-4B6B-BDE1-7694841B00D7}"/>
+              </a:ext>
+            </a:extLst>
+          </p:cNvPr>
+          <p:cNvGrpSpPr/>
+          <p:nvPr/>
+        </p:nvGrpSpPr>
+        <p:grpSpPr>
+          <a:xfrm>
+            <a:off x="6433424" y="1586625"/>
+            <a:ext cx="1238133" cy="1137181"/>
+            <a:chOff x="6433424" y="1586624"/>
+            <a:chExt cx="1238133" cy="1427838"/>
+          </a:xfrm>
+        </p:grpSpPr>
+        <p:sp>
+          <p:nvSpPr>
+            <p:cNvPr id="64" name="사각형: 둥근 모서리 63">
+              <a:extLst>
+                <a:ext uri="{FF2B5EF4-FFF2-40B4-BE49-F238E27FC236}">
+                  <a16:creationId xmlns:a16="http://schemas.microsoft.com/office/drawing/2014/main" id="{E40D7D5A-81B4-4C61-81EA-7FE1930C6112}"/>
+                </a:ext>
+              </a:extLst>
+            </p:cNvPr>
+            <p:cNvSpPr/>
+            <p:nvPr/>
+          </p:nvSpPr>
+          <p:spPr>
+            <a:xfrm>
+              <a:off x="6438137" y="2305181"/>
+              <a:ext cx="1233420" cy="360039"/>
+            </a:xfrm>
+            <a:prstGeom prst="roundRect">
+              <a:avLst>
+                <a:gd name="adj" fmla="val 18519"/>
+              </a:avLst>
+            </a:prstGeom>
+            <a:ln>
+              <a:solidFill>
+                <a:schemeClr val="tx1"/>
+              </a:solidFill>
+            </a:ln>
+          </p:spPr>
+          <p:style>
+            <a:lnRef idx="2">
+              <a:schemeClr val="dk1"/>
+            </a:lnRef>
+            <a:fillRef idx="1">
+              <a:schemeClr val="lt1"/>
+            </a:fillRef>
+            <a:effectRef idx="0">
+              <a:schemeClr val="dk1"/>
+            </a:effectRef>
+            <a:fontRef idx="minor">
+              <a:schemeClr val="dk1"/>
+            </a:fontRef>
+          </p:style>
+          <p:txBody>
+            <a:bodyPr rtlCol="0" anchor="ctr"/>
+            <a:lstStyle/>
+            <a:p>
+              <a:pPr algn="ctr"/>
+              <a:r>
+                <a:rPr lang="en-US" altLang="ko-KR" sz="1200"/>
+                <a:t>Configuration</a:t>
+              </a:r>
+            </a:p>
+          </p:txBody>
+        </p:sp>
+        <p:sp>
+          <p:nvSpPr>
+            <p:cNvPr id="65" name="사각형: 둥근 모서리 64">
+              <a:extLst>
+                <a:ext uri="{FF2B5EF4-FFF2-40B4-BE49-F238E27FC236}">
+                  <a16:creationId xmlns:a16="http://schemas.microsoft.com/office/drawing/2014/main" id="{25F5CB1E-1470-49C3-98C8-C49126FBC353}"/>
+                </a:ext>
+              </a:extLst>
+            </p:cNvPr>
+            <p:cNvSpPr/>
+            <p:nvPr/>
+          </p:nvSpPr>
+          <p:spPr>
+            <a:xfrm>
+              <a:off x="6438137" y="1949658"/>
+              <a:ext cx="1233420" cy="360039"/>
+            </a:xfrm>
+            <a:prstGeom prst="roundRect">
+              <a:avLst>
+                <a:gd name="adj" fmla="val 16212"/>
+              </a:avLst>
+            </a:prstGeom>
+            <a:ln>
+              <a:solidFill>
+                <a:schemeClr val="tx1"/>
+              </a:solidFill>
+            </a:ln>
+          </p:spPr>
+          <p:style>
+            <a:lnRef idx="2">
+              <a:schemeClr val="dk1"/>
+            </a:lnRef>
+            <a:fillRef idx="1">
+              <a:schemeClr val="lt1"/>
+            </a:fillRef>
+            <a:effectRef idx="0">
+              <a:schemeClr val="dk1"/>
+            </a:effectRef>
+            <a:fontRef idx="minor">
+              <a:schemeClr val="dk1"/>
+            </a:fontRef>
+          </p:style>
+          <p:txBody>
+            <a:bodyPr rtlCol="0" anchor="ctr"/>
+            <a:lstStyle/>
+            <a:p>
+              <a:pPr algn="ctr"/>
+              <a:r>
+                <a:rPr lang="en-US" altLang="ko-KR" sz="1200"/>
+                <a:t>Certificate</a:t>
+              </a:r>
+            </a:p>
+          </p:txBody>
+        </p:sp>
+        <p:sp>
+          <p:nvSpPr>
+            <p:cNvPr id="97" name="사각형: 둥근 모서리 96">
+              <a:extLst>
+                <a:ext uri="{FF2B5EF4-FFF2-40B4-BE49-F238E27FC236}">
+                  <a16:creationId xmlns:a16="http://schemas.microsoft.com/office/drawing/2014/main" id="{E63B818F-A4B2-4F6E-AE03-C28E040CA9D1}"/>
+                </a:ext>
+              </a:extLst>
+            </p:cNvPr>
+            <p:cNvSpPr/>
+            <p:nvPr/>
+          </p:nvSpPr>
+          <p:spPr>
+            <a:xfrm>
+              <a:off x="6433424" y="1586624"/>
+              <a:ext cx="1233418" cy="366645"/>
+            </a:xfrm>
+            <a:prstGeom prst="roundRect">
+              <a:avLst>
+                <a:gd name="adj" fmla="val 19118"/>
+              </a:avLst>
+            </a:prstGeom>
+            <a:ln>
+              <a:solidFill>
+                <a:schemeClr val="tx1"/>
+              </a:solidFill>
+            </a:ln>
+          </p:spPr>
+          <p:style>
+            <a:lnRef idx="2">
+              <a:schemeClr val="dk1"/>
+            </a:lnRef>
+            <a:fillRef idx="1">
+              <a:schemeClr val="lt1"/>
+            </a:fillRef>
+            <a:effectRef idx="0">
+              <a:schemeClr val="dk1"/>
+            </a:effectRef>
+            <a:fontRef idx="minor">
+              <a:schemeClr val="dk1"/>
+            </a:fontRef>
+          </p:style>
+          <p:txBody>
+            <a:bodyPr rtlCol="0" anchor="ctr"/>
+            <a:lstStyle/>
+            <a:p>
+              <a:pPr algn="ctr"/>
+              <a:r>
+                <a:rPr lang="en-US" altLang="ko-KR" sz="1200"/>
+                <a:t>Balancer</a:t>
+              </a:r>
+            </a:p>
+          </p:txBody>
+        </p:sp>
+        <p:sp>
+          <p:nvSpPr>
+            <p:cNvPr id="91" name="사각형: 둥근 모서리 90">
+              <a:extLst>
+                <a:ext uri="{FF2B5EF4-FFF2-40B4-BE49-F238E27FC236}">
+                  <a16:creationId xmlns:a16="http://schemas.microsoft.com/office/drawing/2014/main" id="{25E03B8C-A7BE-4024-A3FC-552CE493C38A}"/>
+                </a:ext>
+              </a:extLst>
+            </p:cNvPr>
+            <p:cNvSpPr/>
+            <p:nvPr/>
+          </p:nvSpPr>
+          <p:spPr>
+            <a:xfrm>
+              <a:off x="6438137" y="2654423"/>
+              <a:ext cx="1233420" cy="360039"/>
+            </a:xfrm>
+            <a:prstGeom prst="roundRect">
+              <a:avLst>
+                <a:gd name="adj" fmla="val 18519"/>
+              </a:avLst>
+            </a:prstGeom>
+            <a:ln>
+              <a:solidFill>
+                <a:schemeClr val="tx1"/>
+              </a:solidFill>
+            </a:ln>
+          </p:spPr>
+          <p:style>
+            <a:lnRef idx="2">
+              <a:schemeClr val="dk1"/>
+            </a:lnRef>
+            <a:fillRef idx="1">
+              <a:schemeClr val="lt1"/>
+            </a:fillRef>
+            <a:effectRef idx="0">
+              <a:schemeClr val="dk1"/>
+            </a:effectRef>
+            <a:fontRef idx="minor">
+              <a:schemeClr val="dk1"/>
+            </a:fontRef>
+          </p:style>
+          <p:txBody>
+            <a:bodyPr rtlCol="0" anchor="ctr"/>
+            <a:lstStyle/>
+            <a:p>
+              <a:pPr algn="ctr"/>
+              <a:r>
+                <a:rPr lang="en-US" altLang="ko-KR" sz="1200"/>
+                <a:t>Monitor</a:t>
+              </a:r>
+            </a:p>
+          </p:txBody>
+        </p:sp>
+      </p:grpSp>
       <p:cxnSp>
         <p:nvCxnSpPr>
           <p:cNvPr id="85" name="직선 화살표 연결선 84">
@@ -5827,9 +5908,9 @@
           <p:nvPr/>
         </p:nvCxnSpPr>
         <p:spPr>
-          <a:xfrm>
-            <a:off x="6136313" y="2427428"/>
-            <a:ext cx="237507" cy="57773"/>
+          <a:xfrm flipV="1">
+            <a:off x="6207304" y="2302283"/>
+            <a:ext cx="230833" cy="41035"/>
           </a:xfrm>
           <a:prstGeom prst="straightConnector1">
             <a:avLst/>
@@ -5870,15 +5951,15 @@
           </p:cNvPr>
           <p:cNvCxnSpPr>
             <a:cxnSpLocks/>
-            <a:stCxn id="65" idx="1"/>
+            <a:stCxn id="91" idx="1"/>
             <a:endCxn id="40" idx="3"/>
           </p:cNvCxnSpPr>
           <p:nvPr/>
         </p:nvCxnSpPr>
         <p:spPr>
           <a:xfrm flipH="1">
-            <a:off x="5180851" y="2129678"/>
-            <a:ext cx="1192969" cy="1862971"/>
+            <a:off x="5180851" y="2580432"/>
+            <a:ext cx="1257286" cy="1412217"/>
           </a:xfrm>
           <a:prstGeom prst="straightConnector1">
             <a:avLst/>
@@ -5926,8 +6007,8 @@
         </p:nvCxnSpPr>
         <p:spPr>
           <a:xfrm>
-            <a:off x="6136313" y="1683256"/>
-            <a:ext cx="232794" cy="86691"/>
+            <a:off x="6207304" y="1683256"/>
+            <a:ext cx="226120" cy="49374"/>
           </a:xfrm>
           <a:prstGeom prst="straightConnector1">
             <a:avLst/>
@@ -5967,14 +6048,14 @@
           <p:cNvCxnSpPr>
             <a:cxnSpLocks/>
             <a:stCxn id="102" idx="3"/>
-            <a:endCxn id="65" idx="1"/>
+            <a:endCxn id="91" idx="1"/>
           </p:cNvCxnSpPr>
           <p:nvPr/>
         </p:nvCxnSpPr>
         <p:spPr>
           <a:xfrm>
-            <a:off x="6136313" y="1683256"/>
-            <a:ext cx="237507" cy="446422"/>
+            <a:off x="6207304" y="1683256"/>
+            <a:ext cx="230833" cy="897176"/>
           </a:xfrm>
           <a:prstGeom prst="straightConnector1">
             <a:avLst/>
@@ -6021,7 +6102,7 @@
         </p:nvCxnSpPr>
         <p:spPr>
           <a:xfrm flipH="1">
-            <a:off x="7602525" y="1769947"/>
+            <a:off x="7666842" y="1732630"/>
             <a:ext cx="394708" cy="0"/>
           </a:xfrm>
           <a:prstGeom prst="straightConnector1">
@@ -6067,9 +6148,9 @@
           <p:nvPr/>
         </p:nvCxnSpPr>
         <p:spPr>
-          <a:xfrm flipV="1">
-            <a:off x="7607240" y="2483685"/>
-            <a:ext cx="389993" cy="1516"/>
+          <a:xfrm>
+            <a:off x="7671557" y="2302283"/>
+            <a:ext cx="389993" cy="181402"/>
           </a:xfrm>
           <a:prstGeom prst="straightConnector1">
             <a:avLst/>
@@ -6118,7 +6199,7 @@
         <p:spPr>
           <a:xfrm flipH="1" flipV="1">
             <a:off x="6435918" y="846981"/>
-            <a:ext cx="549898" cy="739643"/>
+            <a:ext cx="614215" cy="739644"/>
           </a:xfrm>
           <a:prstGeom prst="straightConnector1">
             <a:avLst/>
@@ -6164,8 +6245,8 @@
         </p:nvCxnSpPr>
         <p:spPr>
           <a:xfrm flipV="1">
-            <a:off x="6985816" y="847439"/>
-            <a:ext cx="767697" cy="739185"/>
+            <a:off x="7050133" y="847439"/>
+            <a:ext cx="703380" cy="739186"/>
           </a:xfrm>
           <a:prstGeom prst="straightConnector1">
             <a:avLst/>
@@ -6603,8 +6684,8 @@
         </p:nvSpPr>
         <p:spPr>
           <a:xfrm>
-            <a:off x="7267819" y="1304544"/>
-            <a:ext cx="1161462" cy="363463"/>
+            <a:off x="7330075" y="1175480"/>
+            <a:ext cx="1161462" cy="492528"/>
           </a:xfrm>
           <a:prstGeom prst="roundRect">
             <a:avLst>
@@ -6633,6 +6714,13 @@
         <p:txBody>
           <a:bodyPr rtlCol="0" anchor="ctr"/>
           <a:lstStyle/>
+          <a:p>
+            <a:pPr algn="ctr"/>
+            <a:r>
+              <a:rPr lang="en-US" altLang="ko-KR" sz="1200"/>
+              <a:t>Service,</a:t>
+            </a:r>
+          </a:p>
           <a:p>
             <a:pPr algn="ctr"/>
             <a:r>
@@ -6748,51 +6836,6 @@
       </p:cxnSp>
       <p:cxnSp>
         <p:nvCxnSpPr>
-          <p:cNvPr id="592" name="직선 화살표 연결선 591">
-            <a:extLst>
-              <a:ext uri="{FF2B5EF4-FFF2-40B4-BE49-F238E27FC236}">
-                <a16:creationId xmlns:a16="http://schemas.microsoft.com/office/drawing/2014/main" id="{46B0B97B-D31E-412D-A016-B7E7B5843B4F}"/>
-              </a:ext>
-            </a:extLst>
-          </p:cNvPr>
-          <p:cNvCxnSpPr>
-            <a:cxnSpLocks/>
-          </p:cNvCxnSpPr>
-          <p:nvPr/>
-        </p:nvCxnSpPr>
-        <p:spPr>
-          <a:xfrm flipH="1">
-            <a:off x="5298669" y="2035855"/>
-            <a:ext cx="2698564" cy="3429"/>
-          </a:xfrm>
-          <a:prstGeom prst="straightConnector1">
-            <a:avLst/>
-          </a:prstGeom>
-          <a:ln w="28575">
-            <a:solidFill>
-              <a:schemeClr val="tx1"/>
-            </a:solidFill>
-            <a:headEnd type="none" w="med" len="med"/>
-            <a:tailEnd type="none" w="med" len="med"/>
-          </a:ln>
-        </p:spPr>
-        <p:style>
-          <a:lnRef idx="1">
-            <a:schemeClr val="accent1"/>
-          </a:lnRef>
-          <a:fillRef idx="0">
-            <a:schemeClr val="accent1"/>
-          </a:fillRef>
-          <a:effectRef idx="0">
-            <a:schemeClr val="accent1"/>
-          </a:effectRef>
-          <a:fontRef idx="minor">
-            <a:schemeClr val="tx1"/>
-          </a:fontRef>
-        </p:style>
-      </p:cxnSp>
-      <p:cxnSp>
-        <p:nvCxnSpPr>
           <p:cNvPr id="596" name="직선 화살표 연결선 595">
             <a:extLst>
               <a:ext uri="{FF2B5EF4-FFF2-40B4-BE49-F238E27FC236}">
@@ -6808,8 +6851,8 @@
         </p:nvCxnSpPr>
         <p:spPr>
           <a:xfrm flipV="1">
-            <a:off x="5301027" y="1863275"/>
-            <a:ext cx="0" cy="176009"/>
+            <a:off x="5336522" y="1863275"/>
+            <a:ext cx="0" cy="151236"/>
           </a:xfrm>
           <a:prstGeom prst="straightConnector1">
             <a:avLst/>
@@ -7197,6 +7240,155 @@
           </a:p>
         </p:txBody>
       </p:sp>
+      <p:sp>
+        <p:nvSpPr>
+          <p:cNvPr id="71" name="사각형: 둥근 모서리 70">
+            <a:extLst>
+              <a:ext uri="{FF2B5EF4-FFF2-40B4-BE49-F238E27FC236}">
+                <a16:creationId xmlns:a16="http://schemas.microsoft.com/office/drawing/2014/main" id="{88A342CC-726A-4DEC-9858-5515E9DB268E}"/>
+              </a:ext>
+            </a:extLst>
+          </p:cNvPr>
+          <p:cNvSpPr/>
+          <p:nvPr/>
+        </p:nvSpPr>
+        <p:spPr>
+          <a:xfrm>
+            <a:off x="6480493" y="1096675"/>
+            <a:ext cx="1161462" cy="363463"/>
+          </a:xfrm>
+          <a:prstGeom prst="roundRect">
+            <a:avLst>
+              <a:gd name="adj" fmla="val 8441"/>
+            </a:avLst>
+          </a:prstGeom>
+          <a:noFill/>
+          <a:ln>
+            <a:noFill/>
+          </a:ln>
+        </p:spPr>
+        <p:style>
+          <a:lnRef idx="2">
+            <a:schemeClr val="dk1"/>
+          </a:lnRef>
+          <a:fillRef idx="1">
+            <a:schemeClr val="lt1"/>
+          </a:fillRef>
+          <a:effectRef idx="0">
+            <a:schemeClr val="dk1"/>
+          </a:effectRef>
+          <a:fontRef idx="minor">
+            <a:schemeClr val="dk1"/>
+          </a:fontRef>
+        </p:style>
+        <p:txBody>
+          <a:bodyPr rtlCol="0" anchor="ctr"/>
+          <a:lstStyle/>
+          <a:p>
+            <a:pPr algn="ctr"/>
+            <a:r>
+              <a:rPr lang="en-US" altLang="ko-KR" sz="1100" b="1">
+                <a:solidFill>
+                  <a:srgbClr val="C00000"/>
+                </a:solidFill>
+              </a:rPr>
+              <a:t>DNAT</a:t>
+            </a:r>
+          </a:p>
+        </p:txBody>
+      </p:sp>
+      <p:cxnSp>
+        <p:nvCxnSpPr>
+          <p:cNvPr id="98" name="직선 화살표 연결선 97">
+            <a:extLst>
+              <a:ext uri="{FF2B5EF4-FFF2-40B4-BE49-F238E27FC236}">
+                <a16:creationId xmlns:a16="http://schemas.microsoft.com/office/drawing/2014/main" id="{2645E534-605C-44E7-9938-C2490FC8ADFE}"/>
+              </a:ext>
+            </a:extLst>
+          </p:cNvPr>
+          <p:cNvCxnSpPr>
+            <a:cxnSpLocks/>
+            <a:endCxn id="65" idx="3"/>
+          </p:cNvCxnSpPr>
+          <p:nvPr/>
+        </p:nvCxnSpPr>
+        <p:spPr>
+          <a:xfrm flipH="1">
+            <a:off x="7671557" y="2019132"/>
+            <a:ext cx="389993" cy="0"/>
+          </a:xfrm>
+          <a:prstGeom prst="straightConnector1">
+            <a:avLst/>
+          </a:prstGeom>
+          <a:ln w="28575">
+            <a:solidFill>
+              <a:schemeClr val="tx1"/>
+            </a:solidFill>
+            <a:headEnd type="none" w="med" len="med"/>
+            <a:tailEnd type="arrow" w="med" len="med"/>
+          </a:ln>
+        </p:spPr>
+        <p:style>
+          <a:lnRef idx="1">
+            <a:schemeClr val="accent1"/>
+          </a:lnRef>
+          <a:fillRef idx="0">
+            <a:schemeClr val="accent1"/>
+          </a:fillRef>
+          <a:effectRef idx="0">
+            <a:schemeClr val="accent1"/>
+          </a:effectRef>
+          <a:fontRef idx="minor">
+            <a:schemeClr val="tx1"/>
+          </a:fontRef>
+        </p:style>
+      </p:cxnSp>
+      <p:cxnSp>
+        <p:nvCxnSpPr>
+          <p:cNvPr id="101" name="직선 화살표 연결선 100">
+            <a:extLst>
+              <a:ext uri="{FF2B5EF4-FFF2-40B4-BE49-F238E27FC236}">
+                <a16:creationId xmlns:a16="http://schemas.microsoft.com/office/drawing/2014/main" id="{1CDC5974-572E-48B3-8EEE-36EB2D527352}"/>
+              </a:ext>
+            </a:extLst>
+          </p:cNvPr>
+          <p:cNvCxnSpPr>
+            <a:cxnSpLocks/>
+            <a:stCxn id="65" idx="1"/>
+          </p:cNvCxnSpPr>
+          <p:nvPr/>
+        </p:nvCxnSpPr>
+        <p:spPr>
+          <a:xfrm flipH="1" flipV="1">
+            <a:off x="5336521" y="2014511"/>
+            <a:ext cx="1101616" cy="4621"/>
+          </a:xfrm>
+          <a:prstGeom prst="straightConnector1">
+            <a:avLst/>
+          </a:prstGeom>
+          <a:ln w="28575">
+            <a:solidFill>
+              <a:schemeClr val="tx1"/>
+            </a:solidFill>
+            <a:headEnd type="none" w="med" len="med"/>
+            <a:tailEnd type="none" w="med" len="med"/>
+          </a:ln>
+        </p:spPr>
+        <p:style>
+          <a:lnRef idx="1">
+            <a:schemeClr val="accent1"/>
+          </a:lnRef>
+          <a:fillRef idx="0">
+            <a:schemeClr val="accent1"/>
+          </a:fillRef>
+          <a:effectRef idx="0">
+            <a:schemeClr val="accent1"/>
+          </a:effectRef>
+          <a:fontRef idx="minor">
+            <a:schemeClr val="tx1"/>
+          </a:fontRef>
+        </p:style>
+      </p:cxnSp>
     </p:spTree>
     <p:extLst>
       <p:ext uri="{BB962C8B-B14F-4D97-AF65-F5344CB8AC3E}">

--- a/images/theory_analysis/Kubernetes_Nginx_Ingress_Controller/Kubernetes_Nginx_Ingress_Controller.pptx
+++ b/images/theory_analysis/Kubernetes_Nginx_Ingress_Controller/Kubernetes_Nginx_Ingress_Controller.pptx
@@ -217,7 +217,7 @@
           <a:p>
             <a:fld id="{6CD5550B-26C4-49A9-A5BA-636EF7BE6CE9}" type="datetimeFigureOut">
               <a:rPr lang="ko-KR" altLang="en-US" smtClean="0"/>
-              <a:t>2019-12-30</a:t>
+              <a:t>2020-01-01</a:t>
             </a:fld>
             <a:endParaRPr lang="ko-KR" altLang="en-US"/>
           </a:p>
@@ -999,7 +999,7 @@
           <a:p>
             <a:fld id="{FB30EDBD-1C2D-4C1E-B459-B60219FAB484}" type="datetimeFigureOut">
               <a:rPr lang="ko-KR" altLang="en-US" smtClean="0"/>
-              <a:t>2019-12-30</a:t>
+              <a:t>2020-01-01</a:t>
             </a:fld>
             <a:endParaRPr lang="ko-KR" altLang="en-US"/>
           </a:p>
@@ -1162,7 +1162,7 @@
           <a:p>
             <a:fld id="{FB30EDBD-1C2D-4C1E-B459-B60219FAB484}" type="datetimeFigureOut">
               <a:rPr lang="ko-KR" altLang="en-US" smtClean="0"/>
-              <a:t>2019-12-30</a:t>
+              <a:t>2020-01-01</a:t>
             </a:fld>
             <a:endParaRPr lang="ko-KR" altLang="en-US"/>
           </a:p>
@@ -1335,7 +1335,7 @@
           <a:p>
             <a:fld id="{FB30EDBD-1C2D-4C1E-B459-B60219FAB484}" type="datetimeFigureOut">
               <a:rPr lang="ko-KR" altLang="en-US" smtClean="0"/>
-              <a:t>2019-12-30</a:t>
+              <a:t>2020-01-01</a:t>
             </a:fld>
             <a:endParaRPr lang="ko-KR" altLang="en-US"/>
           </a:p>
@@ -1498,7 +1498,7 @@
           <a:p>
             <a:fld id="{FB30EDBD-1C2D-4C1E-B459-B60219FAB484}" type="datetimeFigureOut">
               <a:rPr lang="ko-KR" altLang="en-US" smtClean="0"/>
-              <a:t>2019-12-30</a:t>
+              <a:t>2020-01-01</a:t>
             </a:fld>
             <a:endParaRPr lang="ko-KR" altLang="en-US"/>
           </a:p>
@@ -1738,7 +1738,7 @@
           <a:p>
             <a:fld id="{FB30EDBD-1C2D-4C1E-B459-B60219FAB484}" type="datetimeFigureOut">
               <a:rPr lang="ko-KR" altLang="en-US" smtClean="0"/>
-              <a:t>2019-12-30</a:t>
+              <a:t>2020-01-01</a:t>
             </a:fld>
             <a:endParaRPr lang="ko-KR" altLang="en-US"/>
           </a:p>
@@ -2018,7 +2018,7 @@
           <a:p>
             <a:fld id="{FB30EDBD-1C2D-4C1E-B459-B60219FAB484}" type="datetimeFigureOut">
               <a:rPr lang="ko-KR" altLang="en-US" smtClean="0"/>
-              <a:t>2019-12-30</a:t>
+              <a:t>2020-01-01</a:t>
             </a:fld>
             <a:endParaRPr lang="ko-KR" altLang="en-US"/>
           </a:p>
@@ -2432,7 +2432,7 @@
           <a:p>
             <a:fld id="{FB30EDBD-1C2D-4C1E-B459-B60219FAB484}" type="datetimeFigureOut">
               <a:rPr lang="ko-KR" altLang="en-US" smtClean="0"/>
-              <a:t>2019-12-30</a:t>
+              <a:t>2020-01-01</a:t>
             </a:fld>
             <a:endParaRPr lang="ko-KR" altLang="en-US"/>
           </a:p>
@@ -2544,7 +2544,7 @@
           <a:p>
             <a:fld id="{FB30EDBD-1C2D-4C1E-B459-B60219FAB484}" type="datetimeFigureOut">
               <a:rPr lang="ko-KR" altLang="en-US" smtClean="0"/>
-              <a:t>2019-12-30</a:t>
+              <a:t>2020-01-01</a:t>
             </a:fld>
             <a:endParaRPr lang="ko-KR" altLang="en-US"/>
           </a:p>
@@ -2634,7 +2634,7 @@
           <a:p>
             <a:fld id="{FB30EDBD-1C2D-4C1E-B459-B60219FAB484}" type="datetimeFigureOut">
               <a:rPr lang="ko-KR" altLang="en-US" smtClean="0"/>
-              <a:t>2019-12-30</a:t>
+              <a:t>2020-01-01</a:t>
             </a:fld>
             <a:endParaRPr lang="ko-KR" altLang="en-US"/>
           </a:p>
@@ -2904,7 +2904,7 @@
           <a:p>
             <a:fld id="{FB30EDBD-1C2D-4C1E-B459-B60219FAB484}" type="datetimeFigureOut">
               <a:rPr lang="ko-KR" altLang="en-US" smtClean="0"/>
-              <a:t>2019-12-30</a:t>
+              <a:t>2020-01-01</a:t>
             </a:fld>
             <a:endParaRPr lang="ko-KR" altLang="en-US"/>
           </a:p>
@@ -3151,7 +3151,7 @@
           <a:p>
             <a:fld id="{FB30EDBD-1C2D-4C1E-B459-B60219FAB484}" type="datetimeFigureOut">
               <a:rPr lang="ko-KR" altLang="en-US" smtClean="0"/>
-              <a:t>2019-12-30</a:t>
+              <a:t>2020-01-01</a:t>
             </a:fld>
             <a:endParaRPr lang="ko-KR" altLang="en-US"/>
           </a:p>
@@ -3357,7 +3357,7 @@
           <a:p>
             <a:fld id="{FB30EDBD-1C2D-4C1E-B459-B60219FAB484}" type="datetimeFigureOut">
               <a:rPr lang="ko-KR" altLang="en-US" smtClean="0"/>
-              <a:t>2019-12-30</a:t>
+              <a:t>2020-01-01</a:t>
             </a:fld>
             <a:endParaRPr lang="ko-KR" altLang="en-US"/>
           </a:p>
@@ -7389,6 +7389,65 @@
           </a:fontRef>
         </p:style>
       </p:cxnSp>
+      <p:sp>
+        <p:nvSpPr>
+          <p:cNvPr id="75" name="사각형: 둥근 모서리 74">
+            <a:extLst>
+              <a:ext uri="{FF2B5EF4-FFF2-40B4-BE49-F238E27FC236}">
+                <a16:creationId xmlns:a16="http://schemas.microsoft.com/office/drawing/2014/main" id="{2594AF92-48BD-46E4-928F-60E742D70A89}"/>
+              </a:ext>
+            </a:extLst>
+          </p:cNvPr>
+          <p:cNvSpPr/>
+          <p:nvPr/>
+        </p:nvSpPr>
+        <p:spPr>
+          <a:xfrm>
+            <a:off x="5390799" y="2561409"/>
+            <a:ext cx="1161462" cy="363463"/>
+          </a:xfrm>
+          <a:prstGeom prst="roundRect">
+            <a:avLst>
+              <a:gd name="adj" fmla="val 8441"/>
+            </a:avLst>
+          </a:prstGeom>
+          <a:noFill/>
+          <a:ln>
+            <a:noFill/>
+          </a:ln>
+        </p:spPr>
+        <p:style>
+          <a:lnRef idx="2">
+            <a:schemeClr val="dk1"/>
+          </a:lnRef>
+          <a:fillRef idx="1">
+            <a:schemeClr val="lt1"/>
+          </a:fillRef>
+          <a:effectRef idx="0">
+            <a:schemeClr val="dk1"/>
+          </a:effectRef>
+          <a:fontRef idx="minor">
+            <a:schemeClr val="dk1"/>
+          </a:fontRef>
+        </p:style>
+        <p:txBody>
+          <a:bodyPr rtlCol="0" anchor="ctr"/>
+          <a:lstStyle/>
+          <a:p>
+            <a:pPr algn="ctr"/>
+            <a:r>
+              <a:rPr lang="en-US" altLang="ko-KR" sz="1100" b="1">
+                <a:solidFill>
+                  <a:schemeClr val="accent3">
+                    <a:lumMod val="75000"/>
+                  </a:schemeClr>
+                </a:solidFill>
+              </a:rPr>
+              <a:t>Batch</a:t>
+            </a:r>
+          </a:p>
+        </p:txBody>
+      </p:sp>
     </p:spTree>
     <p:extLst>
       <p:ext uri="{BB962C8B-B14F-4D97-AF65-F5344CB8AC3E}">

--- a/images/theory_analysis/Kubernetes_Nginx_Ingress_Controller/Kubernetes_Nginx_Ingress_Controller.pptx
+++ b/images/theory_analysis/Kubernetes_Nginx_Ingress_Controller/Kubernetes_Nginx_Ingress_Controller.pptx
@@ -217,7 +217,7 @@
           <a:p>
             <a:fld id="{6CD5550B-26C4-49A9-A5BA-636EF7BE6CE9}" type="datetimeFigureOut">
               <a:rPr lang="ko-KR" altLang="en-US" smtClean="0"/>
-              <a:t>2020-01-01</a:t>
+              <a:t>2020-01-02</a:t>
             </a:fld>
             <a:endParaRPr lang="ko-KR" altLang="en-US"/>
           </a:p>
@@ -999,7 +999,7 @@
           <a:p>
             <a:fld id="{FB30EDBD-1C2D-4C1E-B459-B60219FAB484}" type="datetimeFigureOut">
               <a:rPr lang="ko-KR" altLang="en-US" smtClean="0"/>
-              <a:t>2020-01-01</a:t>
+              <a:t>2020-01-02</a:t>
             </a:fld>
             <a:endParaRPr lang="ko-KR" altLang="en-US"/>
           </a:p>
@@ -1162,7 +1162,7 @@
           <a:p>
             <a:fld id="{FB30EDBD-1C2D-4C1E-B459-B60219FAB484}" type="datetimeFigureOut">
               <a:rPr lang="ko-KR" altLang="en-US" smtClean="0"/>
-              <a:t>2020-01-01</a:t>
+              <a:t>2020-01-02</a:t>
             </a:fld>
             <a:endParaRPr lang="ko-KR" altLang="en-US"/>
           </a:p>
@@ -1335,7 +1335,7 @@
           <a:p>
             <a:fld id="{FB30EDBD-1C2D-4C1E-B459-B60219FAB484}" type="datetimeFigureOut">
               <a:rPr lang="ko-KR" altLang="en-US" smtClean="0"/>
-              <a:t>2020-01-01</a:t>
+              <a:t>2020-01-02</a:t>
             </a:fld>
             <a:endParaRPr lang="ko-KR" altLang="en-US"/>
           </a:p>
@@ -1498,7 +1498,7 @@
           <a:p>
             <a:fld id="{FB30EDBD-1C2D-4C1E-B459-B60219FAB484}" type="datetimeFigureOut">
               <a:rPr lang="ko-KR" altLang="en-US" smtClean="0"/>
-              <a:t>2020-01-01</a:t>
+              <a:t>2020-01-02</a:t>
             </a:fld>
             <a:endParaRPr lang="ko-KR" altLang="en-US"/>
           </a:p>
@@ -1738,7 +1738,7 @@
           <a:p>
             <a:fld id="{FB30EDBD-1C2D-4C1E-B459-B60219FAB484}" type="datetimeFigureOut">
               <a:rPr lang="ko-KR" altLang="en-US" smtClean="0"/>
-              <a:t>2020-01-01</a:t>
+              <a:t>2020-01-02</a:t>
             </a:fld>
             <a:endParaRPr lang="ko-KR" altLang="en-US"/>
           </a:p>
@@ -2018,7 +2018,7 @@
           <a:p>
             <a:fld id="{FB30EDBD-1C2D-4C1E-B459-B60219FAB484}" type="datetimeFigureOut">
               <a:rPr lang="ko-KR" altLang="en-US" smtClean="0"/>
-              <a:t>2020-01-01</a:t>
+              <a:t>2020-01-02</a:t>
             </a:fld>
             <a:endParaRPr lang="ko-KR" altLang="en-US"/>
           </a:p>
@@ -2432,7 +2432,7 @@
           <a:p>
             <a:fld id="{FB30EDBD-1C2D-4C1E-B459-B60219FAB484}" type="datetimeFigureOut">
               <a:rPr lang="ko-KR" altLang="en-US" smtClean="0"/>
-              <a:t>2020-01-01</a:t>
+              <a:t>2020-01-02</a:t>
             </a:fld>
             <a:endParaRPr lang="ko-KR" altLang="en-US"/>
           </a:p>
@@ -2544,7 +2544,7 @@
           <a:p>
             <a:fld id="{FB30EDBD-1C2D-4C1E-B459-B60219FAB484}" type="datetimeFigureOut">
               <a:rPr lang="ko-KR" altLang="en-US" smtClean="0"/>
-              <a:t>2020-01-01</a:t>
+              <a:t>2020-01-02</a:t>
             </a:fld>
             <a:endParaRPr lang="ko-KR" altLang="en-US"/>
           </a:p>
@@ -2634,7 +2634,7 @@
           <a:p>
             <a:fld id="{FB30EDBD-1C2D-4C1E-B459-B60219FAB484}" type="datetimeFigureOut">
               <a:rPr lang="ko-KR" altLang="en-US" smtClean="0"/>
-              <a:t>2020-01-01</a:t>
+              <a:t>2020-01-02</a:t>
             </a:fld>
             <a:endParaRPr lang="ko-KR" altLang="en-US"/>
           </a:p>
@@ -2904,7 +2904,7 @@
           <a:p>
             <a:fld id="{FB30EDBD-1C2D-4C1E-B459-B60219FAB484}" type="datetimeFigureOut">
               <a:rPr lang="ko-KR" altLang="en-US" smtClean="0"/>
-              <a:t>2020-01-01</a:t>
+              <a:t>2020-01-02</a:t>
             </a:fld>
             <a:endParaRPr lang="ko-KR" altLang="en-US"/>
           </a:p>
@@ -3151,7 +3151,7 @@
           <a:p>
             <a:fld id="{FB30EDBD-1C2D-4C1E-B459-B60219FAB484}" type="datetimeFigureOut">
               <a:rPr lang="ko-KR" altLang="en-US" smtClean="0"/>
-              <a:t>2020-01-01</a:t>
+              <a:t>2020-01-02</a:t>
             </a:fld>
             <a:endParaRPr lang="ko-KR" altLang="en-US"/>
           </a:p>
@@ -3357,7 +3357,7 @@
           <a:p>
             <a:fld id="{FB30EDBD-1C2D-4C1E-B459-B60219FAB484}" type="datetimeFigureOut">
               <a:rPr lang="ko-KR" altLang="en-US" smtClean="0"/>
-              <a:t>2020-01-01</a:t>
+              <a:t>2020-01-02</a:t>
             </a:fld>
             <a:endParaRPr lang="ko-KR" altLang="en-US"/>
           </a:p>
@@ -4165,7 +4165,7 @@
           <a:p>
             <a:r>
               <a:rPr lang="en-US" altLang="ko-KR" sz="1200"/>
-              <a:t>:[10246, 80]/</a:t>
+              <a:t>:10246/</a:t>
             </a:r>
           </a:p>
           <a:p>
@@ -4284,7 +4284,7 @@
           <a:p>
             <a:r>
               <a:rPr lang="en-US" altLang="ko-KR" sz="1200"/>
-              <a:t>:[10246, 80]/</a:t>
+              <a:t>:10246/</a:t>
             </a:r>
           </a:p>
           <a:p>
